--- a/supporting_files/Model Architecture.pptx
+++ b/supporting_files/Model Architecture.pptx
@@ -6,6 +6,7 @@
   </p:sldMasterIdLst>
   <p:sldIdLst>
     <p:sldId id="257" r:id="rId2"/>
+    <p:sldId id="258" r:id="rId3"/>
   </p:sldIdLst>
   <p:sldSz cx="12192000" cy="6858000"/>
   <p:notesSz cx="6858000" cy="9144000"/>
@@ -104,6 +105,11 @@
       </a:defRPr>
     </a:lvl9pPr>
   </p:defaultTextStyle>
+  <p:extLst>
+    <p:ext uri="{EFAFB233-063F-42B5-8137-9DF3F51BA10A}">
+      <p15:sldGuideLst xmlns:p15="http://schemas.microsoft.com/office/powerpoint/2012/main"/>
+    </p:ext>
+  </p:extLst>
 </p:presentation>
 </file>
 
@@ -254,7 +260,7 @@
           <a:p>
             <a:fld id="{29A33EC8-CEA7-416B-84CF-8E7921980FFD}" type="datetimeFigureOut">
               <a:rPr lang="en-US" smtClean="0"/>
-              <a:t>11/30/2018</a:t>
+              <a:t>12/4/2018</a:t>
             </a:fld>
             <a:endParaRPr lang="en-US"/>
           </a:p>
@@ -452,7 +458,7 @@
           <a:p>
             <a:fld id="{29A33EC8-CEA7-416B-84CF-8E7921980FFD}" type="datetimeFigureOut">
               <a:rPr lang="en-US" smtClean="0"/>
-              <a:t>11/30/2018</a:t>
+              <a:t>12/4/2018</a:t>
             </a:fld>
             <a:endParaRPr lang="en-US"/>
           </a:p>
@@ -660,7 +666,7 @@
           <a:p>
             <a:fld id="{29A33EC8-CEA7-416B-84CF-8E7921980FFD}" type="datetimeFigureOut">
               <a:rPr lang="en-US" smtClean="0"/>
-              <a:t>11/30/2018</a:t>
+              <a:t>12/4/2018</a:t>
             </a:fld>
             <a:endParaRPr lang="en-US"/>
           </a:p>
@@ -858,7 +864,7 @@
           <a:p>
             <a:fld id="{29A33EC8-CEA7-416B-84CF-8E7921980FFD}" type="datetimeFigureOut">
               <a:rPr lang="en-US" smtClean="0"/>
-              <a:t>11/30/2018</a:t>
+              <a:t>12/4/2018</a:t>
             </a:fld>
             <a:endParaRPr lang="en-US"/>
           </a:p>
@@ -1133,7 +1139,7 @@
           <a:p>
             <a:fld id="{29A33EC8-CEA7-416B-84CF-8E7921980FFD}" type="datetimeFigureOut">
               <a:rPr lang="en-US" smtClean="0"/>
-              <a:t>11/30/2018</a:t>
+              <a:t>12/4/2018</a:t>
             </a:fld>
             <a:endParaRPr lang="en-US"/>
           </a:p>
@@ -1398,7 +1404,7 @@
           <a:p>
             <a:fld id="{29A33EC8-CEA7-416B-84CF-8E7921980FFD}" type="datetimeFigureOut">
               <a:rPr lang="en-US" smtClean="0"/>
-              <a:t>11/30/2018</a:t>
+              <a:t>12/4/2018</a:t>
             </a:fld>
             <a:endParaRPr lang="en-US"/>
           </a:p>
@@ -1810,7 +1816,7 @@
           <a:p>
             <a:fld id="{29A33EC8-CEA7-416B-84CF-8E7921980FFD}" type="datetimeFigureOut">
               <a:rPr lang="en-US" smtClean="0"/>
-              <a:t>11/30/2018</a:t>
+              <a:t>12/4/2018</a:t>
             </a:fld>
             <a:endParaRPr lang="en-US"/>
           </a:p>
@@ -1951,7 +1957,7 @@
           <a:p>
             <a:fld id="{29A33EC8-CEA7-416B-84CF-8E7921980FFD}" type="datetimeFigureOut">
               <a:rPr lang="en-US" smtClean="0"/>
-              <a:t>11/30/2018</a:t>
+              <a:t>12/4/2018</a:t>
             </a:fld>
             <a:endParaRPr lang="en-US"/>
           </a:p>
@@ -2064,7 +2070,7 @@
           <a:p>
             <a:fld id="{29A33EC8-CEA7-416B-84CF-8E7921980FFD}" type="datetimeFigureOut">
               <a:rPr lang="en-US" smtClean="0"/>
-              <a:t>11/30/2018</a:t>
+              <a:t>12/4/2018</a:t>
             </a:fld>
             <a:endParaRPr lang="en-US"/>
           </a:p>
@@ -2375,7 +2381,7 @@
           <a:p>
             <a:fld id="{29A33EC8-CEA7-416B-84CF-8E7921980FFD}" type="datetimeFigureOut">
               <a:rPr lang="en-US" smtClean="0"/>
-              <a:t>11/30/2018</a:t>
+              <a:t>12/4/2018</a:t>
             </a:fld>
             <a:endParaRPr lang="en-US"/>
           </a:p>
@@ -2663,7 +2669,7 @@
           <a:p>
             <a:fld id="{29A33EC8-CEA7-416B-84CF-8E7921980FFD}" type="datetimeFigureOut">
               <a:rPr lang="en-US" smtClean="0"/>
-              <a:t>11/30/2018</a:t>
+              <a:t>12/4/2018</a:t>
             </a:fld>
             <a:endParaRPr lang="en-US"/>
           </a:p>
@@ -2904,7 +2910,7 @@
           <a:p>
             <a:fld id="{29A33EC8-CEA7-416B-84CF-8E7921980FFD}" type="datetimeFigureOut">
               <a:rPr lang="en-US" smtClean="0"/>
-              <a:t>11/30/2018</a:t>
+              <a:t>12/4/2018</a:t>
             </a:fld>
             <a:endParaRPr lang="en-US"/>
           </a:p>
@@ -8506,6 +8512,6719 @@
 </p:sld>
 </file>
 
+<file path=ppt/slides/slide2.xml><?xml version="1.0" encoding="utf-8"?>
+<p:sld xmlns:a="http://schemas.openxmlformats.org/drawingml/2006/main" xmlns:r="http://schemas.openxmlformats.org/officeDocument/2006/relationships" xmlns:p="http://schemas.openxmlformats.org/presentationml/2006/main">
+  <p:cSld>
+    <p:spTree>
+      <p:nvGrpSpPr>
+        <p:cNvPr id="1" name=""/>
+        <p:cNvGrpSpPr/>
+        <p:nvPr/>
+      </p:nvGrpSpPr>
+      <p:grpSpPr>
+        <a:xfrm>
+          <a:off x="0" y="0"/>
+          <a:ext cx="0" cy="0"/>
+          <a:chOff x="0" y="0"/>
+          <a:chExt cx="0" cy="0"/>
+        </a:xfrm>
+      </p:grpSpPr>
+      <p:grpSp>
+        <p:nvGrpSpPr>
+          <p:cNvPr id="200" name="Group 199">
+            <a:extLst>
+              <a:ext uri="{FF2B5EF4-FFF2-40B4-BE49-F238E27FC236}">
+                <a16:creationId xmlns:a16="http://schemas.microsoft.com/office/drawing/2014/main" id="{3EF6192A-8378-45A9-85F8-57289896E5BE}"/>
+              </a:ext>
+            </a:extLst>
+          </p:cNvPr>
+          <p:cNvGrpSpPr/>
+          <p:nvPr/>
+        </p:nvGrpSpPr>
+        <p:grpSpPr>
+          <a:xfrm>
+            <a:off x="2381134" y="63501"/>
+            <a:ext cx="6448610" cy="6318250"/>
+            <a:chOff x="2381134" y="63501"/>
+            <a:chExt cx="6448610" cy="6318250"/>
+          </a:xfrm>
+        </p:grpSpPr>
+        <p:sp>
+          <p:nvSpPr>
+            <p:cNvPr id="6" name="Rectangle 5">
+              <a:extLst>
+                <a:ext uri="{FF2B5EF4-FFF2-40B4-BE49-F238E27FC236}">
+                  <a16:creationId xmlns:a16="http://schemas.microsoft.com/office/drawing/2014/main" id="{394276FC-1159-4653-947B-C0C1CB8D8FEF}"/>
+                </a:ext>
+              </a:extLst>
+            </p:cNvPr>
+            <p:cNvSpPr/>
+            <p:nvPr/>
+          </p:nvSpPr>
+          <p:spPr>
+            <a:xfrm>
+              <a:off x="3131874" y="4615254"/>
+              <a:ext cx="133350" cy="520700"/>
+            </a:xfrm>
+            <a:prstGeom prst="rect">
+              <a:avLst/>
+            </a:prstGeom>
+          </p:spPr>
+          <p:style>
+            <a:lnRef idx="1">
+              <a:schemeClr val="accent1"/>
+            </a:lnRef>
+            <a:fillRef idx="2">
+              <a:schemeClr val="accent1"/>
+            </a:fillRef>
+            <a:effectRef idx="1">
+              <a:schemeClr val="accent1"/>
+            </a:effectRef>
+            <a:fontRef idx="minor">
+              <a:schemeClr val="dk1"/>
+            </a:fontRef>
+          </p:style>
+          <p:txBody>
+            <a:bodyPr rtlCol="0" anchor="ctr"/>
+            <a:lstStyle/>
+            <a:p>
+              <a:pPr algn="ctr"/>
+              <a:endParaRPr lang="en-US"/>
+            </a:p>
+          </p:txBody>
+        </p:sp>
+        <p:sp>
+          <p:nvSpPr>
+            <p:cNvPr id="7" name="Rectangle 6">
+              <a:extLst>
+                <a:ext uri="{FF2B5EF4-FFF2-40B4-BE49-F238E27FC236}">
+                  <a16:creationId xmlns:a16="http://schemas.microsoft.com/office/drawing/2014/main" id="{0D6F9D82-E45D-4128-BCD2-5933FDB9AA2B}"/>
+                </a:ext>
+              </a:extLst>
+            </p:cNvPr>
+            <p:cNvSpPr/>
+            <p:nvPr/>
+          </p:nvSpPr>
+          <p:spPr>
+            <a:xfrm>
+              <a:off x="3506524" y="4615254"/>
+              <a:ext cx="133350" cy="520700"/>
+            </a:xfrm>
+            <a:prstGeom prst="rect">
+              <a:avLst/>
+            </a:prstGeom>
+          </p:spPr>
+          <p:style>
+            <a:lnRef idx="1">
+              <a:schemeClr val="accent1"/>
+            </a:lnRef>
+            <a:fillRef idx="2">
+              <a:schemeClr val="accent1"/>
+            </a:fillRef>
+            <a:effectRef idx="1">
+              <a:schemeClr val="accent1"/>
+            </a:effectRef>
+            <a:fontRef idx="minor">
+              <a:schemeClr val="dk1"/>
+            </a:fontRef>
+          </p:style>
+          <p:txBody>
+            <a:bodyPr rtlCol="0" anchor="ctr"/>
+            <a:lstStyle/>
+            <a:p>
+              <a:pPr algn="ctr"/>
+              <a:endParaRPr lang="en-US"/>
+            </a:p>
+          </p:txBody>
+        </p:sp>
+        <p:sp>
+          <p:nvSpPr>
+            <p:cNvPr id="8" name="Rectangle 7">
+              <a:extLst>
+                <a:ext uri="{FF2B5EF4-FFF2-40B4-BE49-F238E27FC236}">
+                  <a16:creationId xmlns:a16="http://schemas.microsoft.com/office/drawing/2014/main" id="{E5D05B40-45C0-47B5-89F3-E6B85EEFA59C}"/>
+                </a:ext>
+              </a:extLst>
+            </p:cNvPr>
+            <p:cNvSpPr/>
+            <p:nvPr/>
+          </p:nvSpPr>
+          <p:spPr>
+            <a:xfrm>
+              <a:off x="3887524" y="4615254"/>
+              <a:ext cx="133350" cy="520700"/>
+            </a:xfrm>
+            <a:prstGeom prst="rect">
+              <a:avLst/>
+            </a:prstGeom>
+          </p:spPr>
+          <p:style>
+            <a:lnRef idx="1">
+              <a:schemeClr val="accent1"/>
+            </a:lnRef>
+            <a:fillRef idx="2">
+              <a:schemeClr val="accent1"/>
+            </a:fillRef>
+            <a:effectRef idx="1">
+              <a:schemeClr val="accent1"/>
+            </a:effectRef>
+            <a:fontRef idx="minor">
+              <a:schemeClr val="dk1"/>
+            </a:fontRef>
+          </p:style>
+          <p:txBody>
+            <a:bodyPr rtlCol="0" anchor="ctr"/>
+            <a:lstStyle/>
+            <a:p>
+              <a:pPr algn="ctr"/>
+              <a:endParaRPr lang="en-US"/>
+            </a:p>
+          </p:txBody>
+        </p:sp>
+        <p:sp>
+          <p:nvSpPr>
+            <p:cNvPr id="9" name="Rectangle 8">
+              <a:extLst>
+                <a:ext uri="{FF2B5EF4-FFF2-40B4-BE49-F238E27FC236}">
+                  <a16:creationId xmlns:a16="http://schemas.microsoft.com/office/drawing/2014/main" id="{CF9E8B61-F681-4538-8265-284B8D7402E4}"/>
+                </a:ext>
+              </a:extLst>
+            </p:cNvPr>
+            <p:cNvSpPr/>
+            <p:nvPr/>
+          </p:nvSpPr>
+          <p:spPr>
+            <a:xfrm>
+              <a:off x="4408224" y="4615254"/>
+              <a:ext cx="133350" cy="520700"/>
+            </a:xfrm>
+            <a:prstGeom prst="rect">
+              <a:avLst/>
+            </a:prstGeom>
+          </p:spPr>
+          <p:style>
+            <a:lnRef idx="1">
+              <a:schemeClr val="accent1"/>
+            </a:lnRef>
+            <a:fillRef idx="2">
+              <a:schemeClr val="accent1"/>
+            </a:fillRef>
+            <a:effectRef idx="1">
+              <a:schemeClr val="accent1"/>
+            </a:effectRef>
+            <a:fontRef idx="minor">
+              <a:schemeClr val="dk1"/>
+            </a:fontRef>
+          </p:style>
+          <p:txBody>
+            <a:bodyPr rtlCol="0" anchor="ctr"/>
+            <a:lstStyle/>
+            <a:p>
+              <a:pPr algn="ctr"/>
+              <a:endParaRPr lang="en-US"/>
+            </a:p>
+          </p:txBody>
+        </p:sp>
+        <p:sp>
+          <p:nvSpPr>
+            <p:cNvPr id="10" name="Rectangle 9">
+              <a:extLst>
+                <a:ext uri="{FF2B5EF4-FFF2-40B4-BE49-F238E27FC236}">
+                  <a16:creationId xmlns:a16="http://schemas.microsoft.com/office/drawing/2014/main" id="{CDBAB3F9-1B5B-4A36-A8B7-B3F33177CBB7}"/>
+                </a:ext>
+              </a:extLst>
+            </p:cNvPr>
+            <p:cNvSpPr/>
+            <p:nvPr/>
+          </p:nvSpPr>
+          <p:spPr>
+            <a:xfrm>
+              <a:off x="4738424" y="4615254"/>
+              <a:ext cx="133350" cy="520700"/>
+            </a:xfrm>
+            <a:prstGeom prst="rect">
+              <a:avLst/>
+            </a:prstGeom>
+          </p:spPr>
+          <p:style>
+            <a:lnRef idx="1">
+              <a:schemeClr val="accent1"/>
+            </a:lnRef>
+            <a:fillRef idx="2">
+              <a:schemeClr val="accent1"/>
+            </a:fillRef>
+            <a:effectRef idx="1">
+              <a:schemeClr val="accent1"/>
+            </a:effectRef>
+            <a:fontRef idx="minor">
+              <a:schemeClr val="dk1"/>
+            </a:fontRef>
+          </p:style>
+          <p:txBody>
+            <a:bodyPr rtlCol="0" anchor="ctr"/>
+            <a:lstStyle/>
+            <a:p>
+              <a:pPr algn="ctr"/>
+              <a:endParaRPr lang="en-US"/>
+            </a:p>
+          </p:txBody>
+        </p:sp>
+        <p:sp>
+          <p:nvSpPr>
+            <p:cNvPr id="11" name="Rectangle 10">
+              <a:extLst>
+                <a:ext uri="{FF2B5EF4-FFF2-40B4-BE49-F238E27FC236}">
+                  <a16:creationId xmlns:a16="http://schemas.microsoft.com/office/drawing/2014/main" id="{1EB3FA06-B437-4EF3-93FB-F4BFCE673E62}"/>
+                </a:ext>
+              </a:extLst>
+            </p:cNvPr>
+            <p:cNvSpPr/>
+            <p:nvPr/>
+          </p:nvSpPr>
+          <p:spPr>
+            <a:xfrm>
+              <a:off x="3131874" y="3694504"/>
+              <a:ext cx="133350" cy="520700"/>
+            </a:xfrm>
+            <a:prstGeom prst="rect">
+              <a:avLst/>
+            </a:prstGeom>
+          </p:spPr>
+          <p:style>
+            <a:lnRef idx="2">
+              <a:schemeClr val="accent1">
+                <a:shade val="50000"/>
+              </a:schemeClr>
+            </a:lnRef>
+            <a:fillRef idx="1">
+              <a:schemeClr val="accent1"/>
+            </a:fillRef>
+            <a:effectRef idx="0">
+              <a:schemeClr val="accent1"/>
+            </a:effectRef>
+            <a:fontRef idx="minor">
+              <a:schemeClr val="lt1"/>
+            </a:fontRef>
+          </p:style>
+          <p:txBody>
+            <a:bodyPr rtlCol="0" anchor="ctr"/>
+            <a:lstStyle/>
+            <a:p>
+              <a:pPr algn="ctr"/>
+              <a:endParaRPr lang="en-US"/>
+            </a:p>
+          </p:txBody>
+        </p:sp>
+        <p:sp>
+          <p:nvSpPr>
+            <p:cNvPr id="12" name="Rectangle 11">
+              <a:extLst>
+                <a:ext uri="{FF2B5EF4-FFF2-40B4-BE49-F238E27FC236}">
+                  <a16:creationId xmlns:a16="http://schemas.microsoft.com/office/drawing/2014/main" id="{F5484830-5C4B-44AD-BC16-1464E357AB4C}"/>
+                </a:ext>
+              </a:extLst>
+            </p:cNvPr>
+            <p:cNvSpPr/>
+            <p:nvPr/>
+          </p:nvSpPr>
+          <p:spPr>
+            <a:xfrm>
+              <a:off x="3506524" y="3694504"/>
+              <a:ext cx="133350" cy="520700"/>
+            </a:xfrm>
+            <a:prstGeom prst="rect">
+              <a:avLst/>
+            </a:prstGeom>
+          </p:spPr>
+          <p:style>
+            <a:lnRef idx="2">
+              <a:schemeClr val="accent1">
+                <a:shade val="50000"/>
+              </a:schemeClr>
+            </a:lnRef>
+            <a:fillRef idx="1">
+              <a:schemeClr val="accent1"/>
+            </a:fillRef>
+            <a:effectRef idx="0">
+              <a:schemeClr val="accent1"/>
+            </a:effectRef>
+            <a:fontRef idx="minor">
+              <a:schemeClr val="lt1"/>
+            </a:fontRef>
+          </p:style>
+          <p:txBody>
+            <a:bodyPr rtlCol="0" anchor="ctr"/>
+            <a:lstStyle/>
+            <a:p>
+              <a:pPr algn="ctr"/>
+              <a:endParaRPr lang="en-US"/>
+            </a:p>
+          </p:txBody>
+        </p:sp>
+        <p:sp>
+          <p:nvSpPr>
+            <p:cNvPr id="13" name="Rectangle 12">
+              <a:extLst>
+                <a:ext uri="{FF2B5EF4-FFF2-40B4-BE49-F238E27FC236}">
+                  <a16:creationId xmlns:a16="http://schemas.microsoft.com/office/drawing/2014/main" id="{66885534-5F61-41A5-B87A-49C4A3423EFA}"/>
+                </a:ext>
+              </a:extLst>
+            </p:cNvPr>
+            <p:cNvSpPr/>
+            <p:nvPr/>
+          </p:nvSpPr>
+          <p:spPr>
+            <a:xfrm>
+              <a:off x="3887524" y="3694504"/>
+              <a:ext cx="133350" cy="520700"/>
+            </a:xfrm>
+            <a:prstGeom prst="rect">
+              <a:avLst/>
+            </a:prstGeom>
+          </p:spPr>
+          <p:style>
+            <a:lnRef idx="2">
+              <a:schemeClr val="accent1">
+                <a:shade val="50000"/>
+              </a:schemeClr>
+            </a:lnRef>
+            <a:fillRef idx="1">
+              <a:schemeClr val="accent1"/>
+            </a:fillRef>
+            <a:effectRef idx="0">
+              <a:schemeClr val="accent1"/>
+            </a:effectRef>
+            <a:fontRef idx="minor">
+              <a:schemeClr val="lt1"/>
+            </a:fontRef>
+          </p:style>
+          <p:txBody>
+            <a:bodyPr rtlCol="0" anchor="ctr"/>
+            <a:lstStyle/>
+            <a:p>
+              <a:pPr algn="ctr"/>
+              <a:endParaRPr lang="en-US"/>
+            </a:p>
+          </p:txBody>
+        </p:sp>
+        <p:sp>
+          <p:nvSpPr>
+            <p:cNvPr id="14" name="Rectangle 13">
+              <a:extLst>
+                <a:ext uri="{FF2B5EF4-FFF2-40B4-BE49-F238E27FC236}">
+                  <a16:creationId xmlns:a16="http://schemas.microsoft.com/office/drawing/2014/main" id="{8F1EA28E-5282-48C7-94A4-C2E0B968754A}"/>
+                </a:ext>
+              </a:extLst>
+            </p:cNvPr>
+            <p:cNvSpPr/>
+            <p:nvPr/>
+          </p:nvSpPr>
+          <p:spPr>
+            <a:xfrm>
+              <a:off x="4408224" y="3694504"/>
+              <a:ext cx="133350" cy="520700"/>
+            </a:xfrm>
+            <a:prstGeom prst="rect">
+              <a:avLst/>
+            </a:prstGeom>
+          </p:spPr>
+          <p:style>
+            <a:lnRef idx="2">
+              <a:schemeClr val="accent1">
+                <a:shade val="50000"/>
+              </a:schemeClr>
+            </a:lnRef>
+            <a:fillRef idx="1">
+              <a:schemeClr val="accent1"/>
+            </a:fillRef>
+            <a:effectRef idx="0">
+              <a:schemeClr val="accent1"/>
+            </a:effectRef>
+            <a:fontRef idx="minor">
+              <a:schemeClr val="lt1"/>
+            </a:fontRef>
+          </p:style>
+          <p:txBody>
+            <a:bodyPr rtlCol="0" anchor="ctr"/>
+            <a:lstStyle/>
+            <a:p>
+              <a:pPr algn="ctr"/>
+              <a:endParaRPr lang="en-US"/>
+            </a:p>
+          </p:txBody>
+        </p:sp>
+        <p:sp>
+          <p:nvSpPr>
+            <p:cNvPr id="15" name="Rectangle 14">
+              <a:extLst>
+                <a:ext uri="{FF2B5EF4-FFF2-40B4-BE49-F238E27FC236}">
+                  <a16:creationId xmlns:a16="http://schemas.microsoft.com/office/drawing/2014/main" id="{83863C2A-8FAA-4DEF-9483-916DA05383F0}"/>
+                </a:ext>
+              </a:extLst>
+            </p:cNvPr>
+            <p:cNvSpPr/>
+            <p:nvPr/>
+          </p:nvSpPr>
+          <p:spPr>
+            <a:xfrm>
+              <a:off x="4738424" y="3694504"/>
+              <a:ext cx="133350" cy="520700"/>
+            </a:xfrm>
+            <a:prstGeom prst="rect">
+              <a:avLst/>
+            </a:prstGeom>
+          </p:spPr>
+          <p:style>
+            <a:lnRef idx="2">
+              <a:schemeClr val="accent1">
+                <a:shade val="50000"/>
+              </a:schemeClr>
+            </a:lnRef>
+            <a:fillRef idx="1">
+              <a:schemeClr val="accent1"/>
+            </a:fillRef>
+            <a:effectRef idx="0">
+              <a:schemeClr val="accent1"/>
+            </a:effectRef>
+            <a:fontRef idx="minor">
+              <a:schemeClr val="lt1"/>
+            </a:fontRef>
+          </p:style>
+          <p:txBody>
+            <a:bodyPr rtlCol="0" anchor="ctr"/>
+            <a:lstStyle/>
+            <a:p>
+              <a:pPr algn="ctr"/>
+              <a:endParaRPr lang="en-US"/>
+            </a:p>
+          </p:txBody>
+        </p:sp>
+        <p:sp>
+          <p:nvSpPr>
+            <p:cNvPr id="16" name="Rectangle 15">
+              <a:extLst>
+                <a:ext uri="{FF2B5EF4-FFF2-40B4-BE49-F238E27FC236}">
+                  <a16:creationId xmlns:a16="http://schemas.microsoft.com/office/drawing/2014/main" id="{EDC66255-2262-451A-87B5-CDEAC04BA2ED}"/>
+                </a:ext>
+              </a:extLst>
+            </p:cNvPr>
+            <p:cNvSpPr/>
+            <p:nvPr/>
+          </p:nvSpPr>
+          <p:spPr>
+            <a:xfrm>
+              <a:off x="3131874" y="2792804"/>
+              <a:ext cx="133350" cy="520700"/>
+            </a:xfrm>
+            <a:prstGeom prst="rect">
+              <a:avLst/>
+            </a:prstGeom>
+          </p:spPr>
+          <p:style>
+            <a:lnRef idx="2">
+              <a:schemeClr val="accent1">
+                <a:shade val="50000"/>
+              </a:schemeClr>
+            </a:lnRef>
+            <a:fillRef idx="1">
+              <a:schemeClr val="accent1"/>
+            </a:fillRef>
+            <a:effectRef idx="0">
+              <a:schemeClr val="accent1"/>
+            </a:effectRef>
+            <a:fontRef idx="minor">
+              <a:schemeClr val="lt1"/>
+            </a:fontRef>
+          </p:style>
+          <p:txBody>
+            <a:bodyPr rtlCol="0" anchor="ctr"/>
+            <a:lstStyle/>
+            <a:p>
+              <a:pPr algn="ctr"/>
+              <a:endParaRPr lang="en-US"/>
+            </a:p>
+          </p:txBody>
+        </p:sp>
+        <p:sp>
+          <p:nvSpPr>
+            <p:cNvPr id="17" name="Rectangle 16">
+              <a:extLst>
+                <a:ext uri="{FF2B5EF4-FFF2-40B4-BE49-F238E27FC236}">
+                  <a16:creationId xmlns:a16="http://schemas.microsoft.com/office/drawing/2014/main" id="{CF5202BE-80AD-41A0-84DC-468A9291FEC6}"/>
+                </a:ext>
+              </a:extLst>
+            </p:cNvPr>
+            <p:cNvSpPr/>
+            <p:nvPr/>
+          </p:nvSpPr>
+          <p:spPr>
+            <a:xfrm>
+              <a:off x="3506524" y="2792804"/>
+              <a:ext cx="133350" cy="520700"/>
+            </a:xfrm>
+            <a:prstGeom prst="rect">
+              <a:avLst/>
+            </a:prstGeom>
+          </p:spPr>
+          <p:style>
+            <a:lnRef idx="2">
+              <a:schemeClr val="accent1">
+                <a:shade val="50000"/>
+              </a:schemeClr>
+            </a:lnRef>
+            <a:fillRef idx="1">
+              <a:schemeClr val="accent1"/>
+            </a:fillRef>
+            <a:effectRef idx="0">
+              <a:schemeClr val="accent1"/>
+            </a:effectRef>
+            <a:fontRef idx="minor">
+              <a:schemeClr val="lt1"/>
+            </a:fontRef>
+          </p:style>
+          <p:txBody>
+            <a:bodyPr rtlCol="0" anchor="ctr"/>
+            <a:lstStyle/>
+            <a:p>
+              <a:pPr algn="ctr"/>
+              <a:endParaRPr lang="en-US"/>
+            </a:p>
+          </p:txBody>
+        </p:sp>
+        <p:sp>
+          <p:nvSpPr>
+            <p:cNvPr id="18" name="Rectangle 17">
+              <a:extLst>
+                <a:ext uri="{FF2B5EF4-FFF2-40B4-BE49-F238E27FC236}">
+                  <a16:creationId xmlns:a16="http://schemas.microsoft.com/office/drawing/2014/main" id="{228EF136-E787-4896-879C-D1DAEA0A9A6F}"/>
+                </a:ext>
+              </a:extLst>
+            </p:cNvPr>
+            <p:cNvSpPr/>
+            <p:nvPr/>
+          </p:nvSpPr>
+          <p:spPr>
+            <a:xfrm>
+              <a:off x="3887524" y="2792804"/>
+              <a:ext cx="133350" cy="520700"/>
+            </a:xfrm>
+            <a:prstGeom prst="rect">
+              <a:avLst/>
+            </a:prstGeom>
+          </p:spPr>
+          <p:style>
+            <a:lnRef idx="2">
+              <a:schemeClr val="accent1">
+                <a:shade val="50000"/>
+              </a:schemeClr>
+            </a:lnRef>
+            <a:fillRef idx="1">
+              <a:schemeClr val="accent1"/>
+            </a:fillRef>
+            <a:effectRef idx="0">
+              <a:schemeClr val="accent1"/>
+            </a:effectRef>
+            <a:fontRef idx="minor">
+              <a:schemeClr val="lt1"/>
+            </a:fontRef>
+          </p:style>
+          <p:txBody>
+            <a:bodyPr rtlCol="0" anchor="ctr"/>
+            <a:lstStyle/>
+            <a:p>
+              <a:pPr algn="ctr"/>
+              <a:endParaRPr lang="en-US"/>
+            </a:p>
+          </p:txBody>
+        </p:sp>
+        <p:sp>
+          <p:nvSpPr>
+            <p:cNvPr id="19" name="Rectangle 18">
+              <a:extLst>
+                <a:ext uri="{FF2B5EF4-FFF2-40B4-BE49-F238E27FC236}">
+                  <a16:creationId xmlns:a16="http://schemas.microsoft.com/office/drawing/2014/main" id="{D5A8D1C1-07E1-4550-999C-EED535F33973}"/>
+                </a:ext>
+              </a:extLst>
+            </p:cNvPr>
+            <p:cNvSpPr/>
+            <p:nvPr/>
+          </p:nvSpPr>
+          <p:spPr>
+            <a:xfrm>
+              <a:off x="4408224" y="2792804"/>
+              <a:ext cx="133350" cy="520700"/>
+            </a:xfrm>
+            <a:prstGeom prst="rect">
+              <a:avLst/>
+            </a:prstGeom>
+          </p:spPr>
+          <p:style>
+            <a:lnRef idx="2">
+              <a:schemeClr val="accent1">
+                <a:shade val="50000"/>
+              </a:schemeClr>
+            </a:lnRef>
+            <a:fillRef idx="1">
+              <a:schemeClr val="accent1"/>
+            </a:fillRef>
+            <a:effectRef idx="0">
+              <a:schemeClr val="accent1"/>
+            </a:effectRef>
+            <a:fontRef idx="minor">
+              <a:schemeClr val="lt1"/>
+            </a:fontRef>
+          </p:style>
+          <p:txBody>
+            <a:bodyPr rtlCol="0" anchor="ctr"/>
+            <a:lstStyle/>
+            <a:p>
+              <a:pPr algn="ctr"/>
+              <a:endParaRPr lang="en-US"/>
+            </a:p>
+          </p:txBody>
+        </p:sp>
+        <p:sp>
+          <p:nvSpPr>
+            <p:cNvPr id="20" name="Rectangle 19">
+              <a:extLst>
+                <a:ext uri="{FF2B5EF4-FFF2-40B4-BE49-F238E27FC236}">
+                  <a16:creationId xmlns:a16="http://schemas.microsoft.com/office/drawing/2014/main" id="{D06AA09B-035D-4E56-A95E-AAC60B85EF9B}"/>
+                </a:ext>
+              </a:extLst>
+            </p:cNvPr>
+            <p:cNvSpPr/>
+            <p:nvPr/>
+          </p:nvSpPr>
+          <p:spPr>
+            <a:xfrm>
+              <a:off x="4738424" y="2792804"/>
+              <a:ext cx="133350" cy="520700"/>
+            </a:xfrm>
+            <a:prstGeom prst="rect">
+              <a:avLst/>
+            </a:prstGeom>
+          </p:spPr>
+          <p:style>
+            <a:lnRef idx="2">
+              <a:schemeClr val="accent1">
+                <a:shade val="50000"/>
+              </a:schemeClr>
+            </a:lnRef>
+            <a:fillRef idx="1">
+              <a:schemeClr val="accent1"/>
+            </a:fillRef>
+            <a:effectRef idx="0">
+              <a:schemeClr val="accent1"/>
+            </a:effectRef>
+            <a:fontRef idx="minor">
+              <a:schemeClr val="lt1"/>
+            </a:fontRef>
+          </p:style>
+          <p:txBody>
+            <a:bodyPr rtlCol="0" anchor="ctr"/>
+            <a:lstStyle/>
+            <a:p>
+              <a:pPr algn="ctr"/>
+              <a:endParaRPr lang="en-US"/>
+            </a:p>
+          </p:txBody>
+        </p:sp>
+        <p:sp>
+          <p:nvSpPr>
+            <p:cNvPr id="21" name="Rectangle 20">
+              <a:extLst>
+                <a:ext uri="{FF2B5EF4-FFF2-40B4-BE49-F238E27FC236}">
+                  <a16:creationId xmlns:a16="http://schemas.microsoft.com/office/drawing/2014/main" id="{61ED2746-7726-4380-9369-107934704AE5}"/>
+                </a:ext>
+              </a:extLst>
+            </p:cNvPr>
+            <p:cNvSpPr/>
+            <p:nvPr/>
+          </p:nvSpPr>
+          <p:spPr>
+            <a:xfrm>
+              <a:off x="5233724" y="4615254"/>
+              <a:ext cx="133350" cy="520700"/>
+            </a:xfrm>
+            <a:prstGeom prst="rect">
+              <a:avLst/>
+            </a:prstGeom>
+          </p:spPr>
+          <p:style>
+            <a:lnRef idx="1">
+              <a:schemeClr val="accent2"/>
+            </a:lnRef>
+            <a:fillRef idx="2">
+              <a:schemeClr val="accent2"/>
+            </a:fillRef>
+            <a:effectRef idx="1">
+              <a:schemeClr val="accent2"/>
+            </a:effectRef>
+            <a:fontRef idx="minor">
+              <a:schemeClr val="dk1"/>
+            </a:fontRef>
+          </p:style>
+          <p:txBody>
+            <a:bodyPr rtlCol="0" anchor="ctr"/>
+            <a:lstStyle/>
+            <a:p>
+              <a:pPr algn="ctr"/>
+              <a:endParaRPr lang="en-US"/>
+            </a:p>
+          </p:txBody>
+        </p:sp>
+        <p:sp>
+          <p:nvSpPr>
+            <p:cNvPr id="22" name="Rectangle 21">
+              <a:extLst>
+                <a:ext uri="{FF2B5EF4-FFF2-40B4-BE49-F238E27FC236}">
+                  <a16:creationId xmlns:a16="http://schemas.microsoft.com/office/drawing/2014/main" id="{E24187FE-31B9-4641-9738-7F21911F1836}"/>
+                </a:ext>
+              </a:extLst>
+            </p:cNvPr>
+            <p:cNvSpPr/>
+            <p:nvPr/>
+          </p:nvSpPr>
+          <p:spPr>
+            <a:xfrm>
+              <a:off x="5614728" y="4615254"/>
+              <a:ext cx="133350" cy="520700"/>
+            </a:xfrm>
+            <a:prstGeom prst="rect">
+              <a:avLst/>
+            </a:prstGeom>
+          </p:spPr>
+          <p:style>
+            <a:lnRef idx="1">
+              <a:schemeClr val="accent2"/>
+            </a:lnRef>
+            <a:fillRef idx="2">
+              <a:schemeClr val="accent2"/>
+            </a:fillRef>
+            <a:effectRef idx="1">
+              <a:schemeClr val="accent2"/>
+            </a:effectRef>
+            <a:fontRef idx="minor">
+              <a:schemeClr val="dk1"/>
+            </a:fontRef>
+          </p:style>
+          <p:txBody>
+            <a:bodyPr rtlCol="0" anchor="ctr"/>
+            <a:lstStyle/>
+            <a:p>
+              <a:pPr algn="ctr"/>
+              <a:endParaRPr lang="en-US"/>
+            </a:p>
+          </p:txBody>
+        </p:sp>
+        <p:sp>
+          <p:nvSpPr>
+            <p:cNvPr id="23" name="Rectangle 22">
+              <a:extLst>
+                <a:ext uri="{FF2B5EF4-FFF2-40B4-BE49-F238E27FC236}">
+                  <a16:creationId xmlns:a16="http://schemas.microsoft.com/office/drawing/2014/main" id="{A73B1658-2076-4BAA-B347-12444EDFB0AC}"/>
+                </a:ext>
+              </a:extLst>
+            </p:cNvPr>
+            <p:cNvSpPr/>
+            <p:nvPr/>
+          </p:nvSpPr>
+          <p:spPr>
+            <a:xfrm>
+              <a:off x="5979850" y="4615254"/>
+              <a:ext cx="133350" cy="520700"/>
+            </a:xfrm>
+            <a:prstGeom prst="rect">
+              <a:avLst/>
+            </a:prstGeom>
+          </p:spPr>
+          <p:style>
+            <a:lnRef idx="1">
+              <a:schemeClr val="accent2"/>
+            </a:lnRef>
+            <a:fillRef idx="2">
+              <a:schemeClr val="accent2"/>
+            </a:fillRef>
+            <a:effectRef idx="1">
+              <a:schemeClr val="accent2"/>
+            </a:effectRef>
+            <a:fontRef idx="minor">
+              <a:schemeClr val="dk1"/>
+            </a:fontRef>
+          </p:style>
+          <p:txBody>
+            <a:bodyPr rtlCol="0" anchor="ctr"/>
+            <a:lstStyle/>
+            <a:p>
+              <a:pPr algn="ctr"/>
+              <a:endParaRPr lang="en-US"/>
+            </a:p>
+          </p:txBody>
+        </p:sp>
+        <p:sp>
+          <p:nvSpPr>
+            <p:cNvPr id="24" name="Rectangle 23">
+              <a:extLst>
+                <a:ext uri="{FF2B5EF4-FFF2-40B4-BE49-F238E27FC236}">
+                  <a16:creationId xmlns:a16="http://schemas.microsoft.com/office/drawing/2014/main" id="{6DCFAB50-9127-4D06-AA15-95D3626E4680}"/>
+                </a:ext>
+              </a:extLst>
+            </p:cNvPr>
+            <p:cNvSpPr/>
+            <p:nvPr/>
+          </p:nvSpPr>
+          <p:spPr>
+            <a:xfrm>
+              <a:off x="6421176" y="4615254"/>
+              <a:ext cx="133350" cy="520700"/>
+            </a:xfrm>
+            <a:prstGeom prst="rect">
+              <a:avLst/>
+            </a:prstGeom>
+          </p:spPr>
+          <p:style>
+            <a:lnRef idx="1">
+              <a:schemeClr val="accent2"/>
+            </a:lnRef>
+            <a:fillRef idx="2">
+              <a:schemeClr val="accent2"/>
+            </a:fillRef>
+            <a:effectRef idx="1">
+              <a:schemeClr val="accent2"/>
+            </a:effectRef>
+            <a:fontRef idx="minor">
+              <a:schemeClr val="dk1"/>
+            </a:fontRef>
+          </p:style>
+          <p:txBody>
+            <a:bodyPr rtlCol="0" anchor="ctr"/>
+            <a:lstStyle/>
+            <a:p>
+              <a:pPr algn="ctr"/>
+              <a:endParaRPr lang="en-US"/>
+            </a:p>
+          </p:txBody>
+        </p:sp>
+        <p:sp>
+          <p:nvSpPr>
+            <p:cNvPr id="25" name="Rectangle 24">
+              <a:extLst>
+                <a:ext uri="{FF2B5EF4-FFF2-40B4-BE49-F238E27FC236}">
+                  <a16:creationId xmlns:a16="http://schemas.microsoft.com/office/drawing/2014/main" id="{FD94AD70-7292-433A-A8C9-79EDC3131718}"/>
+                </a:ext>
+              </a:extLst>
+            </p:cNvPr>
+            <p:cNvSpPr/>
+            <p:nvPr/>
+          </p:nvSpPr>
+          <p:spPr>
+            <a:xfrm>
+              <a:off x="6789474" y="4615254"/>
+              <a:ext cx="133350" cy="520700"/>
+            </a:xfrm>
+            <a:prstGeom prst="rect">
+              <a:avLst/>
+            </a:prstGeom>
+          </p:spPr>
+          <p:style>
+            <a:lnRef idx="1">
+              <a:schemeClr val="accent2"/>
+            </a:lnRef>
+            <a:fillRef idx="2">
+              <a:schemeClr val="accent2"/>
+            </a:fillRef>
+            <a:effectRef idx="1">
+              <a:schemeClr val="accent2"/>
+            </a:effectRef>
+            <a:fontRef idx="minor">
+              <a:schemeClr val="dk1"/>
+            </a:fontRef>
+          </p:style>
+          <p:txBody>
+            <a:bodyPr rtlCol="0" anchor="ctr"/>
+            <a:lstStyle/>
+            <a:p>
+              <a:pPr algn="ctr"/>
+              <a:endParaRPr lang="en-US"/>
+            </a:p>
+          </p:txBody>
+        </p:sp>
+        <p:sp>
+          <p:nvSpPr>
+            <p:cNvPr id="26" name="Rectangle 25">
+              <a:extLst>
+                <a:ext uri="{FF2B5EF4-FFF2-40B4-BE49-F238E27FC236}">
+                  <a16:creationId xmlns:a16="http://schemas.microsoft.com/office/drawing/2014/main" id="{3211A625-EA43-45A4-814A-7A7367934890}"/>
+                </a:ext>
+              </a:extLst>
+            </p:cNvPr>
+            <p:cNvSpPr/>
+            <p:nvPr/>
+          </p:nvSpPr>
+          <p:spPr>
+            <a:xfrm>
+              <a:off x="5233724" y="3694504"/>
+              <a:ext cx="133350" cy="520700"/>
+            </a:xfrm>
+            <a:prstGeom prst="rect">
+              <a:avLst/>
+            </a:prstGeom>
+          </p:spPr>
+          <p:style>
+            <a:lnRef idx="2">
+              <a:schemeClr val="accent2">
+                <a:shade val="50000"/>
+              </a:schemeClr>
+            </a:lnRef>
+            <a:fillRef idx="1">
+              <a:schemeClr val="accent2"/>
+            </a:fillRef>
+            <a:effectRef idx="0">
+              <a:schemeClr val="accent2"/>
+            </a:effectRef>
+            <a:fontRef idx="minor">
+              <a:schemeClr val="lt1"/>
+            </a:fontRef>
+          </p:style>
+          <p:txBody>
+            <a:bodyPr rtlCol="0" anchor="ctr"/>
+            <a:lstStyle/>
+            <a:p>
+              <a:pPr algn="ctr"/>
+              <a:endParaRPr lang="en-US"/>
+            </a:p>
+          </p:txBody>
+        </p:sp>
+        <p:sp>
+          <p:nvSpPr>
+            <p:cNvPr id="27" name="Rectangle 26">
+              <a:extLst>
+                <a:ext uri="{FF2B5EF4-FFF2-40B4-BE49-F238E27FC236}">
+                  <a16:creationId xmlns:a16="http://schemas.microsoft.com/office/drawing/2014/main" id="{9A2D4B62-9251-457F-9A00-B7D453038359}"/>
+                </a:ext>
+              </a:extLst>
+            </p:cNvPr>
+            <p:cNvSpPr/>
+            <p:nvPr/>
+          </p:nvSpPr>
+          <p:spPr>
+            <a:xfrm>
+              <a:off x="5614728" y="3694504"/>
+              <a:ext cx="133350" cy="520700"/>
+            </a:xfrm>
+            <a:prstGeom prst="rect">
+              <a:avLst/>
+            </a:prstGeom>
+          </p:spPr>
+          <p:style>
+            <a:lnRef idx="2">
+              <a:schemeClr val="accent2">
+                <a:shade val="50000"/>
+              </a:schemeClr>
+            </a:lnRef>
+            <a:fillRef idx="1">
+              <a:schemeClr val="accent2"/>
+            </a:fillRef>
+            <a:effectRef idx="0">
+              <a:schemeClr val="accent2"/>
+            </a:effectRef>
+            <a:fontRef idx="minor">
+              <a:schemeClr val="lt1"/>
+            </a:fontRef>
+          </p:style>
+          <p:txBody>
+            <a:bodyPr rtlCol="0" anchor="ctr"/>
+            <a:lstStyle/>
+            <a:p>
+              <a:pPr algn="ctr"/>
+              <a:endParaRPr lang="en-US"/>
+            </a:p>
+          </p:txBody>
+        </p:sp>
+        <p:sp>
+          <p:nvSpPr>
+            <p:cNvPr id="28" name="Rectangle 27">
+              <a:extLst>
+                <a:ext uri="{FF2B5EF4-FFF2-40B4-BE49-F238E27FC236}">
+                  <a16:creationId xmlns:a16="http://schemas.microsoft.com/office/drawing/2014/main" id="{94BC138E-642E-49AB-BFB6-672F56646D3B}"/>
+                </a:ext>
+              </a:extLst>
+            </p:cNvPr>
+            <p:cNvSpPr/>
+            <p:nvPr/>
+          </p:nvSpPr>
+          <p:spPr>
+            <a:xfrm>
+              <a:off x="5979850" y="3694504"/>
+              <a:ext cx="133350" cy="520700"/>
+            </a:xfrm>
+            <a:prstGeom prst="rect">
+              <a:avLst/>
+            </a:prstGeom>
+          </p:spPr>
+          <p:style>
+            <a:lnRef idx="2">
+              <a:schemeClr val="accent2">
+                <a:shade val="50000"/>
+              </a:schemeClr>
+            </a:lnRef>
+            <a:fillRef idx="1">
+              <a:schemeClr val="accent2"/>
+            </a:fillRef>
+            <a:effectRef idx="0">
+              <a:schemeClr val="accent2"/>
+            </a:effectRef>
+            <a:fontRef idx="minor">
+              <a:schemeClr val="lt1"/>
+            </a:fontRef>
+          </p:style>
+          <p:txBody>
+            <a:bodyPr rtlCol="0" anchor="ctr"/>
+            <a:lstStyle/>
+            <a:p>
+              <a:pPr algn="ctr"/>
+              <a:endParaRPr lang="en-US"/>
+            </a:p>
+          </p:txBody>
+        </p:sp>
+        <p:sp>
+          <p:nvSpPr>
+            <p:cNvPr id="29" name="Rectangle 28">
+              <a:extLst>
+                <a:ext uri="{FF2B5EF4-FFF2-40B4-BE49-F238E27FC236}">
+                  <a16:creationId xmlns:a16="http://schemas.microsoft.com/office/drawing/2014/main" id="{ADC1FF18-C084-4A49-A463-183ABD49F233}"/>
+                </a:ext>
+              </a:extLst>
+            </p:cNvPr>
+            <p:cNvSpPr/>
+            <p:nvPr/>
+          </p:nvSpPr>
+          <p:spPr>
+            <a:xfrm>
+              <a:off x="6421176" y="3694504"/>
+              <a:ext cx="133350" cy="520700"/>
+            </a:xfrm>
+            <a:prstGeom prst="rect">
+              <a:avLst/>
+            </a:prstGeom>
+          </p:spPr>
+          <p:style>
+            <a:lnRef idx="2">
+              <a:schemeClr val="accent2">
+                <a:shade val="50000"/>
+              </a:schemeClr>
+            </a:lnRef>
+            <a:fillRef idx="1">
+              <a:schemeClr val="accent2"/>
+            </a:fillRef>
+            <a:effectRef idx="0">
+              <a:schemeClr val="accent2"/>
+            </a:effectRef>
+            <a:fontRef idx="minor">
+              <a:schemeClr val="lt1"/>
+            </a:fontRef>
+          </p:style>
+          <p:txBody>
+            <a:bodyPr rtlCol="0" anchor="ctr"/>
+            <a:lstStyle/>
+            <a:p>
+              <a:pPr algn="ctr"/>
+              <a:endParaRPr lang="en-US"/>
+            </a:p>
+          </p:txBody>
+        </p:sp>
+        <p:sp>
+          <p:nvSpPr>
+            <p:cNvPr id="30" name="Rectangle 29">
+              <a:extLst>
+                <a:ext uri="{FF2B5EF4-FFF2-40B4-BE49-F238E27FC236}">
+                  <a16:creationId xmlns:a16="http://schemas.microsoft.com/office/drawing/2014/main" id="{A0268CA4-165F-4BCD-95BC-95DE1C07F391}"/>
+                </a:ext>
+              </a:extLst>
+            </p:cNvPr>
+            <p:cNvSpPr/>
+            <p:nvPr/>
+          </p:nvSpPr>
+          <p:spPr>
+            <a:xfrm>
+              <a:off x="6789474" y="3694504"/>
+              <a:ext cx="133350" cy="520700"/>
+            </a:xfrm>
+            <a:prstGeom prst="rect">
+              <a:avLst/>
+            </a:prstGeom>
+          </p:spPr>
+          <p:style>
+            <a:lnRef idx="2">
+              <a:schemeClr val="accent2">
+                <a:shade val="50000"/>
+              </a:schemeClr>
+            </a:lnRef>
+            <a:fillRef idx="1">
+              <a:schemeClr val="accent2"/>
+            </a:fillRef>
+            <a:effectRef idx="0">
+              <a:schemeClr val="accent2"/>
+            </a:effectRef>
+            <a:fontRef idx="minor">
+              <a:schemeClr val="lt1"/>
+            </a:fontRef>
+          </p:style>
+          <p:txBody>
+            <a:bodyPr rtlCol="0" anchor="ctr"/>
+            <a:lstStyle/>
+            <a:p>
+              <a:pPr algn="ctr"/>
+              <a:endParaRPr lang="en-US"/>
+            </a:p>
+          </p:txBody>
+        </p:sp>
+        <p:sp>
+          <p:nvSpPr>
+            <p:cNvPr id="31" name="Rectangle 30">
+              <a:extLst>
+                <a:ext uri="{FF2B5EF4-FFF2-40B4-BE49-F238E27FC236}">
+                  <a16:creationId xmlns:a16="http://schemas.microsoft.com/office/drawing/2014/main" id="{4B66A2F7-8DA0-4A51-B135-BCB36C886C2D}"/>
+                </a:ext>
+              </a:extLst>
+            </p:cNvPr>
+            <p:cNvSpPr/>
+            <p:nvPr/>
+          </p:nvSpPr>
+          <p:spPr>
+            <a:xfrm>
+              <a:off x="5233724" y="2792804"/>
+              <a:ext cx="133350" cy="520700"/>
+            </a:xfrm>
+            <a:prstGeom prst="rect">
+              <a:avLst/>
+            </a:prstGeom>
+          </p:spPr>
+          <p:style>
+            <a:lnRef idx="2">
+              <a:schemeClr val="accent2">
+                <a:shade val="50000"/>
+              </a:schemeClr>
+            </a:lnRef>
+            <a:fillRef idx="1">
+              <a:schemeClr val="accent2"/>
+            </a:fillRef>
+            <a:effectRef idx="0">
+              <a:schemeClr val="accent2"/>
+            </a:effectRef>
+            <a:fontRef idx="minor">
+              <a:schemeClr val="lt1"/>
+            </a:fontRef>
+          </p:style>
+          <p:txBody>
+            <a:bodyPr rtlCol="0" anchor="ctr"/>
+            <a:lstStyle/>
+            <a:p>
+              <a:pPr algn="ctr"/>
+              <a:endParaRPr lang="en-US"/>
+            </a:p>
+          </p:txBody>
+        </p:sp>
+        <p:sp>
+          <p:nvSpPr>
+            <p:cNvPr id="32" name="Rectangle 31">
+              <a:extLst>
+                <a:ext uri="{FF2B5EF4-FFF2-40B4-BE49-F238E27FC236}">
+                  <a16:creationId xmlns:a16="http://schemas.microsoft.com/office/drawing/2014/main" id="{018B6C1D-92FD-4473-9129-8B87F655D170}"/>
+                </a:ext>
+              </a:extLst>
+            </p:cNvPr>
+            <p:cNvSpPr/>
+            <p:nvPr/>
+          </p:nvSpPr>
+          <p:spPr>
+            <a:xfrm>
+              <a:off x="5614728" y="2792804"/>
+              <a:ext cx="133350" cy="520700"/>
+            </a:xfrm>
+            <a:prstGeom prst="rect">
+              <a:avLst/>
+            </a:prstGeom>
+          </p:spPr>
+          <p:style>
+            <a:lnRef idx="2">
+              <a:schemeClr val="accent2">
+                <a:shade val="50000"/>
+              </a:schemeClr>
+            </a:lnRef>
+            <a:fillRef idx="1">
+              <a:schemeClr val="accent2"/>
+            </a:fillRef>
+            <a:effectRef idx="0">
+              <a:schemeClr val="accent2"/>
+            </a:effectRef>
+            <a:fontRef idx="minor">
+              <a:schemeClr val="lt1"/>
+            </a:fontRef>
+          </p:style>
+          <p:txBody>
+            <a:bodyPr rtlCol="0" anchor="ctr"/>
+            <a:lstStyle/>
+            <a:p>
+              <a:pPr algn="ctr"/>
+              <a:endParaRPr lang="en-US"/>
+            </a:p>
+          </p:txBody>
+        </p:sp>
+        <p:sp>
+          <p:nvSpPr>
+            <p:cNvPr id="33" name="Rectangle 32">
+              <a:extLst>
+                <a:ext uri="{FF2B5EF4-FFF2-40B4-BE49-F238E27FC236}">
+                  <a16:creationId xmlns:a16="http://schemas.microsoft.com/office/drawing/2014/main" id="{4CAE0A55-A9A1-477C-9CFC-56DC4CE1147D}"/>
+                </a:ext>
+              </a:extLst>
+            </p:cNvPr>
+            <p:cNvSpPr/>
+            <p:nvPr/>
+          </p:nvSpPr>
+          <p:spPr>
+            <a:xfrm>
+              <a:off x="5979850" y="2792804"/>
+              <a:ext cx="133350" cy="520700"/>
+            </a:xfrm>
+            <a:prstGeom prst="rect">
+              <a:avLst/>
+            </a:prstGeom>
+          </p:spPr>
+          <p:style>
+            <a:lnRef idx="2">
+              <a:schemeClr val="accent2">
+                <a:shade val="50000"/>
+              </a:schemeClr>
+            </a:lnRef>
+            <a:fillRef idx="1">
+              <a:schemeClr val="accent2"/>
+            </a:fillRef>
+            <a:effectRef idx="0">
+              <a:schemeClr val="accent2"/>
+            </a:effectRef>
+            <a:fontRef idx="minor">
+              <a:schemeClr val="lt1"/>
+            </a:fontRef>
+          </p:style>
+          <p:txBody>
+            <a:bodyPr rtlCol="0" anchor="ctr"/>
+            <a:lstStyle/>
+            <a:p>
+              <a:pPr algn="ctr"/>
+              <a:endParaRPr lang="en-US"/>
+            </a:p>
+          </p:txBody>
+        </p:sp>
+        <p:sp>
+          <p:nvSpPr>
+            <p:cNvPr id="34" name="Rectangle 33">
+              <a:extLst>
+                <a:ext uri="{FF2B5EF4-FFF2-40B4-BE49-F238E27FC236}">
+                  <a16:creationId xmlns:a16="http://schemas.microsoft.com/office/drawing/2014/main" id="{53CC410C-ABB6-4A52-BB16-6ACFD1B54006}"/>
+                </a:ext>
+              </a:extLst>
+            </p:cNvPr>
+            <p:cNvSpPr/>
+            <p:nvPr/>
+          </p:nvSpPr>
+          <p:spPr>
+            <a:xfrm>
+              <a:off x="6421176" y="2792804"/>
+              <a:ext cx="133350" cy="520700"/>
+            </a:xfrm>
+            <a:prstGeom prst="rect">
+              <a:avLst/>
+            </a:prstGeom>
+          </p:spPr>
+          <p:style>
+            <a:lnRef idx="2">
+              <a:schemeClr val="accent2">
+                <a:shade val="50000"/>
+              </a:schemeClr>
+            </a:lnRef>
+            <a:fillRef idx="1">
+              <a:schemeClr val="accent2"/>
+            </a:fillRef>
+            <a:effectRef idx="0">
+              <a:schemeClr val="accent2"/>
+            </a:effectRef>
+            <a:fontRef idx="minor">
+              <a:schemeClr val="lt1"/>
+            </a:fontRef>
+          </p:style>
+          <p:txBody>
+            <a:bodyPr rtlCol="0" anchor="ctr"/>
+            <a:lstStyle/>
+            <a:p>
+              <a:pPr algn="ctr"/>
+              <a:endParaRPr lang="en-US"/>
+            </a:p>
+          </p:txBody>
+        </p:sp>
+        <p:sp>
+          <p:nvSpPr>
+            <p:cNvPr id="35" name="Rectangle 34">
+              <a:extLst>
+                <a:ext uri="{FF2B5EF4-FFF2-40B4-BE49-F238E27FC236}">
+                  <a16:creationId xmlns:a16="http://schemas.microsoft.com/office/drawing/2014/main" id="{082D90BE-36B1-42DC-AB8F-A123729A191E}"/>
+                </a:ext>
+              </a:extLst>
+            </p:cNvPr>
+            <p:cNvSpPr/>
+            <p:nvPr/>
+          </p:nvSpPr>
+          <p:spPr>
+            <a:xfrm>
+              <a:off x="6789474" y="2792804"/>
+              <a:ext cx="133350" cy="520700"/>
+            </a:xfrm>
+            <a:prstGeom prst="rect">
+              <a:avLst/>
+            </a:prstGeom>
+          </p:spPr>
+          <p:style>
+            <a:lnRef idx="2">
+              <a:schemeClr val="accent2">
+                <a:shade val="50000"/>
+              </a:schemeClr>
+            </a:lnRef>
+            <a:fillRef idx="1">
+              <a:schemeClr val="accent2"/>
+            </a:fillRef>
+            <a:effectRef idx="0">
+              <a:schemeClr val="accent2"/>
+            </a:effectRef>
+            <a:fontRef idx="minor">
+              <a:schemeClr val="lt1"/>
+            </a:fontRef>
+          </p:style>
+          <p:txBody>
+            <a:bodyPr rtlCol="0" anchor="ctr"/>
+            <a:lstStyle/>
+            <a:p>
+              <a:pPr algn="ctr"/>
+              <a:endParaRPr lang="en-US"/>
+            </a:p>
+          </p:txBody>
+        </p:sp>
+        <p:sp>
+          <p:nvSpPr>
+            <p:cNvPr id="36" name="Rectangle 35">
+              <a:extLst>
+                <a:ext uri="{FF2B5EF4-FFF2-40B4-BE49-F238E27FC236}">
+                  <a16:creationId xmlns:a16="http://schemas.microsoft.com/office/drawing/2014/main" id="{6756055E-DEEC-4C72-8EC0-4083E446A482}"/>
+                </a:ext>
+              </a:extLst>
+            </p:cNvPr>
+            <p:cNvSpPr/>
+            <p:nvPr/>
+          </p:nvSpPr>
+          <p:spPr>
+            <a:xfrm>
+              <a:off x="5214673" y="1176578"/>
+              <a:ext cx="163757" cy="619276"/>
+            </a:xfrm>
+            <a:prstGeom prst="rect">
+              <a:avLst/>
+            </a:prstGeom>
+          </p:spPr>
+          <p:style>
+            <a:lnRef idx="1">
+              <a:schemeClr val="accent4"/>
+            </a:lnRef>
+            <a:fillRef idx="2">
+              <a:schemeClr val="accent4"/>
+            </a:fillRef>
+            <a:effectRef idx="1">
+              <a:schemeClr val="accent4"/>
+            </a:effectRef>
+            <a:fontRef idx="minor">
+              <a:schemeClr val="dk1"/>
+            </a:fontRef>
+          </p:style>
+          <p:txBody>
+            <a:bodyPr rtlCol="0" anchor="ctr"/>
+            <a:lstStyle/>
+            <a:p>
+              <a:pPr algn="ctr"/>
+              <a:endParaRPr lang="en-US"/>
+            </a:p>
+          </p:txBody>
+        </p:sp>
+        <p:sp>
+          <p:nvSpPr>
+            <p:cNvPr id="37" name="Rectangle 36">
+              <a:extLst>
+                <a:ext uri="{FF2B5EF4-FFF2-40B4-BE49-F238E27FC236}">
+                  <a16:creationId xmlns:a16="http://schemas.microsoft.com/office/drawing/2014/main" id="{78DB6F3E-9AA4-4FA1-AE2C-A0373294FB30}"/>
+                </a:ext>
+              </a:extLst>
+            </p:cNvPr>
+            <p:cNvSpPr/>
+            <p:nvPr/>
+          </p:nvSpPr>
+          <p:spPr>
+            <a:xfrm>
+              <a:off x="5595677" y="1176578"/>
+              <a:ext cx="163757" cy="619276"/>
+            </a:xfrm>
+            <a:prstGeom prst="rect">
+              <a:avLst/>
+            </a:prstGeom>
+          </p:spPr>
+          <p:style>
+            <a:lnRef idx="1">
+              <a:schemeClr val="accent4"/>
+            </a:lnRef>
+            <a:fillRef idx="2">
+              <a:schemeClr val="accent4"/>
+            </a:fillRef>
+            <a:effectRef idx="1">
+              <a:schemeClr val="accent4"/>
+            </a:effectRef>
+            <a:fontRef idx="minor">
+              <a:schemeClr val="dk1"/>
+            </a:fontRef>
+          </p:style>
+          <p:txBody>
+            <a:bodyPr rtlCol="0" anchor="ctr"/>
+            <a:lstStyle/>
+            <a:p>
+              <a:pPr algn="ctr"/>
+              <a:endParaRPr lang="en-US"/>
+            </a:p>
+          </p:txBody>
+        </p:sp>
+        <p:sp>
+          <p:nvSpPr>
+            <p:cNvPr id="38" name="Rectangle 37">
+              <a:extLst>
+                <a:ext uri="{FF2B5EF4-FFF2-40B4-BE49-F238E27FC236}">
+                  <a16:creationId xmlns:a16="http://schemas.microsoft.com/office/drawing/2014/main" id="{0F214504-E797-4E2D-94E9-68BDDB90D306}"/>
+                </a:ext>
+              </a:extLst>
+            </p:cNvPr>
+            <p:cNvSpPr/>
+            <p:nvPr/>
+          </p:nvSpPr>
+          <p:spPr>
+            <a:xfrm>
+              <a:off x="5960799" y="1176578"/>
+              <a:ext cx="163757" cy="619276"/>
+            </a:xfrm>
+            <a:prstGeom prst="rect">
+              <a:avLst/>
+            </a:prstGeom>
+          </p:spPr>
+          <p:style>
+            <a:lnRef idx="1">
+              <a:schemeClr val="accent4"/>
+            </a:lnRef>
+            <a:fillRef idx="2">
+              <a:schemeClr val="accent4"/>
+            </a:fillRef>
+            <a:effectRef idx="1">
+              <a:schemeClr val="accent4"/>
+            </a:effectRef>
+            <a:fontRef idx="minor">
+              <a:schemeClr val="dk1"/>
+            </a:fontRef>
+          </p:style>
+          <p:txBody>
+            <a:bodyPr rtlCol="0" anchor="ctr"/>
+            <a:lstStyle/>
+            <a:p>
+              <a:pPr algn="ctr"/>
+              <a:endParaRPr lang="en-US"/>
+            </a:p>
+          </p:txBody>
+        </p:sp>
+        <p:sp>
+          <p:nvSpPr>
+            <p:cNvPr id="39" name="Rectangle 38">
+              <a:extLst>
+                <a:ext uri="{FF2B5EF4-FFF2-40B4-BE49-F238E27FC236}">
+                  <a16:creationId xmlns:a16="http://schemas.microsoft.com/office/drawing/2014/main" id="{D4C3FC9A-011E-4630-AD41-D269ED7FEF55}"/>
+                </a:ext>
+              </a:extLst>
+            </p:cNvPr>
+            <p:cNvSpPr/>
+            <p:nvPr/>
+          </p:nvSpPr>
+          <p:spPr>
+            <a:xfrm>
+              <a:off x="6402125" y="1176578"/>
+              <a:ext cx="163757" cy="619276"/>
+            </a:xfrm>
+            <a:prstGeom prst="rect">
+              <a:avLst/>
+            </a:prstGeom>
+          </p:spPr>
+          <p:style>
+            <a:lnRef idx="1">
+              <a:schemeClr val="accent4"/>
+            </a:lnRef>
+            <a:fillRef idx="2">
+              <a:schemeClr val="accent4"/>
+            </a:fillRef>
+            <a:effectRef idx="1">
+              <a:schemeClr val="accent4"/>
+            </a:effectRef>
+            <a:fontRef idx="minor">
+              <a:schemeClr val="dk1"/>
+            </a:fontRef>
+          </p:style>
+          <p:txBody>
+            <a:bodyPr rtlCol="0" anchor="ctr"/>
+            <a:lstStyle/>
+            <a:p>
+              <a:pPr algn="ctr"/>
+              <a:endParaRPr lang="en-US"/>
+            </a:p>
+          </p:txBody>
+        </p:sp>
+        <p:sp>
+          <p:nvSpPr>
+            <p:cNvPr id="40" name="Rectangle 39">
+              <a:extLst>
+                <a:ext uri="{FF2B5EF4-FFF2-40B4-BE49-F238E27FC236}">
+                  <a16:creationId xmlns:a16="http://schemas.microsoft.com/office/drawing/2014/main" id="{F82D28F7-3F2F-48C4-9EF7-1474414524A6}"/>
+                </a:ext>
+              </a:extLst>
+            </p:cNvPr>
+            <p:cNvSpPr/>
+            <p:nvPr/>
+          </p:nvSpPr>
+          <p:spPr>
+            <a:xfrm>
+              <a:off x="6770423" y="1176578"/>
+              <a:ext cx="163757" cy="619276"/>
+            </a:xfrm>
+            <a:prstGeom prst="rect">
+              <a:avLst/>
+            </a:prstGeom>
+          </p:spPr>
+          <p:style>
+            <a:lnRef idx="1">
+              <a:schemeClr val="accent4"/>
+            </a:lnRef>
+            <a:fillRef idx="2">
+              <a:schemeClr val="accent4"/>
+            </a:fillRef>
+            <a:effectRef idx="1">
+              <a:schemeClr val="accent4"/>
+            </a:effectRef>
+            <a:fontRef idx="minor">
+              <a:schemeClr val="dk1"/>
+            </a:fontRef>
+          </p:style>
+          <p:txBody>
+            <a:bodyPr rtlCol="0" anchor="ctr"/>
+            <a:lstStyle/>
+            <a:p>
+              <a:pPr algn="ctr"/>
+              <a:endParaRPr lang="en-US"/>
+            </a:p>
+          </p:txBody>
+        </p:sp>
+        <p:sp>
+          <p:nvSpPr>
+            <p:cNvPr id="41" name="TextBox 40">
+              <a:extLst>
+                <a:ext uri="{FF2B5EF4-FFF2-40B4-BE49-F238E27FC236}">
+                  <a16:creationId xmlns:a16="http://schemas.microsoft.com/office/drawing/2014/main" id="{C08296F4-3D1F-408B-9516-332F660CF205}"/>
+                </a:ext>
+              </a:extLst>
+            </p:cNvPr>
+            <p:cNvSpPr txBox="1"/>
+            <p:nvPr/>
+          </p:nvSpPr>
+          <p:spPr>
+            <a:xfrm>
+              <a:off x="4020874" y="2812774"/>
+              <a:ext cx="523878" cy="369332"/>
+            </a:xfrm>
+            <a:prstGeom prst="rect">
+              <a:avLst/>
+            </a:prstGeom>
+            <a:noFill/>
+          </p:spPr>
+          <p:txBody>
+            <a:bodyPr wrap="square" rtlCol="0">
+              <a:spAutoFit/>
+            </a:bodyPr>
+            <a:lstStyle/>
+            <a:p>
+              <a:r>
+                <a:rPr lang="en-US" dirty="0"/>
+                <a:t>...</a:t>
+              </a:r>
+            </a:p>
+          </p:txBody>
+        </p:sp>
+        <p:sp>
+          <p:nvSpPr>
+            <p:cNvPr id="42" name="TextBox 41">
+              <a:extLst>
+                <a:ext uri="{FF2B5EF4-FFF2-40B4-BE49-F238E27FC236}">
+                  <a16:creationId xmlns:a16="http://schemas.microsoft.com/office/drawing/2014/main" id="{64F9E0FE-AA2D-4C33-8EFC-C888350FD7A1}"/>
+                </a:ext>
+              </a:extLst>
+            </p:cNvPr>
+            <p:cNvSpPr txBox="1"/>
+            <p:nvPr/>
+          </p:nvSpPr>
+          <p:spPr>
+            <a:xfrm>
+              <a:off x="6081446" y="1245421"/>
+              <a:ext cx="523878" cy="369332"/>
+            </a:xfrm>
+            <a:prstGeom prst="rect">
+              <a:avLst/>
+            </a:prstGeom>
+            <a:noFill/>
+          </p:spPr>
+          <p:txBody>
+            <a:bodyPr wrap="square" rtlCol="0">
+              <a:spAutoFit/>
+            </a:bodyPr>
+            <a:lstStyle/>
+            <a:p>
+              <a:r>
+                <a:rPr lang="en-US" dirty="0"/>
+                <a:t>...</a:t>
+              </a:r>
+            </a:p>
+          </p:txBody>
+        </p:sp>
+        <p:sp>
+          <p:nvSpPr>
+            <p:cNvPr id="43" name="TextBox 42">
+              <a:extLst>
+                <a:ext uri="{FF2B5EF4-FFF2-40B4-BE49-F238E27FC236}">
+                  <a16:creationId xmlns:a16="http://schemas.microsoft.com/office/drawing/2014/main" id="{41807BFD-D585-4C82-88EC-241F3DF8A1A0}"/>
+                </a:ext>
+              </a:extLst>
+            </p:cNvPr>
+            <p:cNvSpPr txBox="1"/>
+            <p:nvPr/>
+          </p:nvSpPr>
+          <p:spPr>
+            <a:xfrm>
+              <a:off x="6081446" y="4617610"/>
+              <a:ext cx="523878" cy="369332"/>
+            </a:xfrm>
+            <a:prstGeom prst="rect">
+              <a:avLst/>
+            </a:prstGeom>
+            <a:noFill/>
+          </p:spPr>
+          <p:txBody>
+            <a:bodyPr wrap="square" rtlCol="0">
+              <a:spAutoFit/>
+            </a:bodyPr>
+            <a:lstStyle/>
+            <a:p>
+              <a:r>
+                <a:rPr lang="en-US" dirty="0"/>
+                <a:t>...</a:t>
+              </a:r>
+            </a:p>
+          </p:txBody>
+        </p:sp>
+        <p:sp>
+          <p:nvSpPr>
+            <p:cNvPr id="44" name="TextBox 43">
+              <a:extLst>
+                <a:ext uri="{FF2B5EF4-FFF2-40B4-BE49-F238E27FC236}">
+                  <a16:creationId xmlns:a16="http://schemas.microsoft.com/office/drawing/2014/main" id="{24D8BB06-CFD5-4EB0-B18E-26AFAE5D1CE4}"/>
+                </a:ext>
+              </a:extLst>
+            </p:cNvPr>
+            <p:cNvSpPr txBox="1"/>
+            <p:nvPr/>
+          </p:nvSpPr>
+          <p:spPr>
+            <a:xfrm>
+              <a:off x="6083033" y="3698599"/>
+              <a:ext cx="523878" cy="369332"/>
+            </a:xfrm>
+            <a:prstGeom prst="rect">
+              <a:avLst/>
+            </a:prstGeom>
+            <a:noFill/>
+          </p:spPr>
+          <p:txBody>
+            <a:bodyPr wrap="square" rtlCol="0">
+              <a:spAutoFit/>
+            </a:bodyPr>
+            <a:lstStyle/>
+            <a:p>
+              <a:r>
+                <a:rPr lang="en-US" dirty="0"/>
+                <a:t>...</a:t>
+              </a:r>
+            </a:p>
+          </p:txBody>
+        </p:sp>
+        <p:sp>
+          <p:nvSpPr>
+            <p:cNvPr id="45" name="TextBox 44">
+              <a:extLst>
+                <a:ext uri="{FF2B5EF4-FFF2-40B4-BE49-F238E27FC236}">
+                  <a16:creationId xmlns:a16="http://schemas.microsoft.com/office/drawing/2014/main" id="{3978B366-E2F6-4E20-A076-E55186BCBD7E}"/>
+                </a:ext>
+              </a:extLst>
+            </p:cNvPr>
+            <p:cNvSpPr txBox="1"/>
+            <p:nvPr/>
+          </p:nvSpPr>
+          <p:spPr>
+            <a:xfrm>
+              <a:off x="6098909" y="2840278"/>
+              <a:ext cx="523878" cy="369332"/>
+            </a:xfrm>
+            <a:prstGeom prst="rect">
+              <a:avLst/>
+            </a:prstGeom>
+            <a:noFill/>
+          </p:spPr>
+          <p:txBody>
+            <a:bodyPr wrap="square" rtlCol="0">
+              <a:spAutoFit/>
+            </a:bodyPr>
+            <a:lstStyle/>
+            <a:p>
+              <a:r>
+                <a:rPr lang="en-US" dirty="0"/>
+                <a:t>...</a:t>
+              </a:r>
+            </a:p>
+          </p:txBody>
+        </p:sp>
+        <p:sp>
+          <p:nvSpPr>
+            <p:cNvPr id="46" name="TextBox 45">
+              <a:extLst>
+                <a:ext uri="{FF2B5EF4-FFF2-40B4-BE49-F238E27FC236}">
+                  <a16:creationId xmlns:a16="http://schemas.microsoft.com/office/drawing/2014/main" id="{CED8CA9E-525D-4BC4-8FAD-B711BA31BEE6}"/>
+                </a:ext>
+              </a:extLst>
+            </p:cNvPr>
+            <p:cNvSpPr txBox="1"/>
+            <p:nvPr/>
+          </p:nvSpPr>
+          <p:spPr>
+            <a:xfrm>
+              <a:off x="4020874" y="4736672"/>
+              <a:ext cx="523878" cy="369332"/>
+            </a:xfrm>
+            <a:prstGeom prst="rect">
+              <a:avLst/>
+            </a:prstGeom>
+            <a:noFill/>
+          </p:spPr>
+          <p:txBody>
+            <a:bodyPr wrap="square" rtlCol="0">
+              <a:spAutoFit/>
+            </a:bodyPr>
+            <a:lstStyle/>
+            <a:p>
+              <a:r>
+                <a:rPr lang="en-US" dirty="0"/>
+                <a:t>...</a:t>
+              </a:r>
+            </a:p>
+          </p:txBody>
+        </p:sp>
+        <p:sp>
+          <p:nvSpPr>
+            <p:cNvPr id="47" name="TextBox 46">
+              <a:extLst>
+                <a:ext uri="{FF2B5EF4-FFF2-40B4-BE49-F238E27FC236}">
+                  <a16:creationId xmlns:a16="http://schemas.microsoft.com/office/drawing/2014/main" id="{3D249603-CB10-469E-8476-DA3AAFA474E9}"/>
+                </a:ext>
+              </a:extLst>
+            </p:cNvPr>
+            <p:cNvSpPr txBox="1"/>
+            <p:nvPr/>
+          </p:nvSpPr>
+          <p:spPr>
+            <a:xfrm>
+              <a:off x="4036746" y="3745304"/>
+              <a:ext cx="523878" cy="369332"/>
+            </a:xfrm>
+            <a:prstGeom prst="rect">
+              <a:avLst/>
+            </a:prstGeom>
+            <a:noFill/>
+          </p:spPr>
+          <p:txBody>
+            <a:bodyPr wrap="square" rtlCol="0">
+              <a:spAutoFit/>
+            </a:bodyPr>
+            <a:lstStyle/>
+            <a:p>
+              <a:r>
+                <a:rPr lang="en-US" dirty="0"/>
+                <a:t>...</a:t>
+              </a:r>
+            </a:p>
+          </p:txBody>
+        </p:sp>
+        <p:cxnSp>
+          <p:nvCxnSpPr>
+            <p:cNvPr id="49" name="Straight Arrow Connector 48">
+              <a:extLst>
+                <a:ext uri="{FF2B5EF4-FFF2-40B4-BE49-F238E27FC236}">
+                  <a16:creationId xmlns:a16="http://schemas.microsoft.com/office/drawing/2014/main" id="{B6566E87-CB53-47AB-B3E5-56B28C6193FA}"/>
+                </a:ext>
+              </a:extLst>
+            </p:cNvPr>
+            <p:cNvCxnSpPr>
+              <a:cxnSpLocks/>
+            </p:cNvCxnSpPr>
+            <p:nvPr/>
+          </p:nvCxnSpPr>
+          <p:spPr>
+            <a:xfrm flipV="1">
+              <a:off x="3189024" y="5135954"/>
+              <a:ext cx="0" cy="254000"/>
+            </a:xfrm>
+            <a:prstGeom prst="straightConnector1">
+              <a:avLst/>
+            </a:prstGeom>
+            <a:ln>
+              <a:tailEnd type="triangle"/>
+            </a:ln>
+          </p:spPr>
+          <p:style>
+            <a:lnRef idx="1">
+              <a:schemeClr val="accent1"/>
+            </a:lnRef>
+            <a:fillRef idx="0">
+              <a:schemeClr val="accent1"/>
+            </a:fillRef>
+            <a:effectRef idx="0">
+              <a:schemeClr val="accent1"/>
+            </a:effectRef>
+            <a:fontRef idx="minor">
+              <a:schemeClr val="tx1"/>
+            </a:fontRef>
+          </p:style>
+        </p:cxnSp>
+        <p:cxnSp>
+          <p:nvCxnSpPr>
+            <p:cNvPr id="52" name="Straight Arrow Connector 51">
+              <a:extLst>
+                <a:ext uri="{FF2B5EF4-FFF2-40B4-BE49-F238E27FC236}">
+                  <a16:creationId xmlns:a16="http://schemas.microsoft.com/office/drawing/2014/main" id="{CF028ACF-A1D9-4CBF-AB46-84EE0FF61100}"/>
+                </a:ext>
+              </a:extLst>
+            </p:cNvPr>
+            <p:cNvCxnSpPr>
+              <a:cxnSpLocks/>
+            </p:cNvCxnSpPr>
+            <p:nvPr/>
+          </p:nvCxnSpPr>
+          <p:spPr>
+            <a:xfrm flipV="1">
+              <a:off x="3573199" y="5135954"/>
+              <a:ext cx="0" cy="254000"/>
+            </a:xfrm>
+            <a:prstGeom prst="straightConnector1">
+              <a:avLst/>
+            </a:prstGeom>
+            <a:ln>
+              <a:tailEnd type="triangle"/>
+            </a:ln>
+          </p:spPr>
+          <p:style>
+            <a:lnRef idx="1">
+              <a:schemeClr val="accent1"/>
+            </a:lnRef>
+            <a:fillRef idx="0">
+              <a:schemeClr val="accent1"/>
+            </a:fillRef>
+            <a:effectRef idx="0">
+              <a:schemeClr val="accent1"/>
+            </a:effectRef>
+            <a:fontRef idx="minor">
+              <a:schemeClr val="tx1"/>
+            </a:fontRef>
+          </p:style>
+        </p:cxnSp>
+        <p:cxnSp>
+          <p:nvCxnSpPr>
+            <p:cNvPr id="53" name="Straight Arrow Connector 52">
+              <a:extLst>
+                <a:ext uri="{FF2B5EF4-FFF2-40B4-BE49-F238E27FC236}">
+                  <a16:creationId xmlns:a16="http://schemas.microsoft.com/office/drawing/2014/main" id="{AD26AFC5-242F-4CA3-BE90-26C8D34EED03}"/>
+                </a:ext>
+              </a:extLst>
+            </p:cNvPr>
+            <p:cNvCxnSpPr>
+              <a:cxnSpLocks/>
+            </p:cNvCxnSpPr>
+            <p:nvPr/>
+          </p:nvCxnSpPr>
+          <p:spPr>
+            <a:xfrm flipV="1">
+              <a:off x="3970074" y="5135954"/>
+              <a:ext cx="0" cy="254000"/>
+            </a:xfrm>
+            <a:prstGeom prst="straightConnector1">
+              <a:avLst/>
+            </a:prstGeom>
+            <a:ln>
+              <a:tailEnd type="triangle"/>
+            </a:ln>
+          </p:spPr>
+          <p:style>
+            <a:lnRef idx="1">
+              <a:schemeClr val="accent1"/>
+            </a:lnRef>
+            <a:fillRef idx="0">
+              <a:schemeClr val="accent1"/>
+            </a:fillRef>
+            <a:effectRef idx="0">
+              <a:schemeClr val="accent1"/>
+            </a:effectRef>
+            <a:fontRef idx="minor">
+              <a:schemeClr val="tx1"/>
+            </a:fontRef>
+          </p:style>
+        </p:cxnSp>
+        <p:cxnSp>
+          <p:nvCxnSpPr>
+            <p:cNvPr id="54" name="Straight Arrow Connector 53">
+              <a:extLst>
+                <a:ext uri="{FF2B5EF4-FFF2-40B4-BE49-F238E27FC236}">
+                  <a16:creationId xmlns:a16="http://schemas.microsoft.com/office/drawing/2014/main" id="{8208A43E-FE8C-44A0-A05A-2EBE97B30A55}"/>
+                </a:ext>
+              </a:extLst>
+            </p:cNvPr>
+            <p:cNvCxnSpPr>
+              <a:cxnSpLocks/>
+            </p:cNvCxnSpPr>
+            <p:nvPr/>
+          </p:nvCxnSpPr>
+          <p:spPr>
+            <a:xfrm flipV="1">
+              <a:off x="4493949" y="5135954"/>
+              <a:ext cx="0" cy="254000"/>
+            </a:xfrm>
+            <a:prstGeom prst="straightConnector1">
+              <a:avLst/>
+            </a:prstGeom>
+            <a:ln>
+              <a:tailEnd type="triangle"/>
+            </a:ln>
+          </p:spPr>
+          <p:style>
+            <a:lnRef idx="1">
+              <a:schemeClr val="accent1"/>
+            </a:lnRef>
+            <a:fillRef idx="0">
+              <a:schemeClr val="accent1"/>
+            </a:fillRef>
+            <a:effectRef idx="0">
+              <a:schemeClr val="accent1"/>
+            </a:effectRef>
+            <a:fontRef idx="minor">
+              <a:schemeClr val="tx1"/>
+            </a:fontRef>
+          </p:style>
+        </p:cxnSp>
+        <p:cxnSp>
+          <p:nvCxnSpPr>
+            <p:cNvPr id="55" name="Straight Arrow Connector 54">
+              <a:extLst>
+                <a:ext uri="{FF2B5EF4-FFF2-40B4-BE49-F238E27FC236}">
+                  <a16:creationId xmlns:a16="http://schemas.microsoft.com/office/drawing/2014/main" id="{416E6EFA-0586-4B9C-9389-564E730607F6}"/>
+                </a:ext>
+              </a:extLst>
+            </p:cNvPr>
+            <p:cNvCxnSpPr>
+              <a:cxnSpLocks/>
+            </p:cNvCxnSpPr>
+            <p:nvPr/>
+          </p:nvCxnSpPr>
+          <p:spPr>
+            <a:xfrm flipV="1">
+              <a:off x="4811449" y="5135954"/>
+              <a:ext cx="0" cy="254000"/>
+            </a:xfrm>
+            <a:prstGeom prst="straightConnector1">
+              <a:avLst/>
+            </a:prstGeom>
+            <a:ln>
+              <a:tailEnd type="triangle"/>
+            </a:ln>
+          </p:spPr>
+          <p:style>
+            <a:lnRef idx="1">
+              <a:schemeClr val="accent1"/>
+            </a:lnRef>
+            <a:fillRef idx="0">
+              <a:schemeClr val="accent1"/>
+            </a:fillRef>
+            <a:effectRef idx="0">
+              <a:schemeClr val="accent1"/>
+            </a:effectRef>
+            <a:fontRef idx="minor">
+              <a:schemeClr val="tx1"/>
+            </a:fontRef>
+          </p:style>
+        </p:cxnSp>
+        <p:cxnSp>
+          <p:nvCxnSpPr>
+            <p:cNvPr id="56" name="Straight Arrow Connector 55">
+              <a:extLst>
+                <a:ext uri="{FF2B5EF4-FFF2-40B4-BE49-F238E27FC236}">
+                  <a16:creationId xmlns:a16="http://schemas.microsoft.com/office/drawing/2014/main" id="{5CBF7D18-D30F-42D5-BEC5-D463C54CC596}"/>
+                </a:ext>
+              </a:extLst>
+            </p:cNvPr>
+            <p:cNvCxnSpPr>
+              <a:cxnSpLocks/>
+            </p:cNvCxnSpPr>
+            <p:nvPr/>
+          </p:nvCxnSpPr>
+          <p:spPr>
+            <a:xfrm flipV="1">
+              <a:off x="5300399" y="5135954"/>
+              <a:ext cx="0" cy="254000"/>
+            </a:xfrm>
+            <a:prstGeom prst="straightConnector1">
+              <a:avLst/>
+            </a:prstGeom>
+            <a:ln>
+              <a:tailEnd type="triangle"/>
+            </a:ln>
+          </p:spPr>
+          <p:style>
+            <a:lnRef idx="1">
+              <a:schemeClr val="accent2"/>
+            </a:lnRef>
+            <a:fillRef idx="0">
+              <a:schemeClr val="accent2"/>
+            </a:fillRef>
+            <a:effectRef idx="0">
+              <a:schemeClr val="accent2"/>
+            </a:effectRef>
+            <a:fontRef idx="minor">
+              <a:schemeClr val="tx1"/>
+            </a:fontRef>
+          </p:style>
+        </p:cxnSp>
+        <p:cxnSp>
+          <p:nvCxnSpPr>
+            <p:cNvPr id="57" name="Straight Arrow Connector 56">
+              <a:extLst>
+                <a:ext uri="{FF2B5EF4-FFF2-40B4-BE49-F238E27FC236}">
+                  <a16:creationId xmlns:a16="http://schemas.microsoft.com/office/drawing/2014/main" id="{49555377-2045-4828-BEE0-EDA508224470}"/>
+                </a:ext>
+              </a:extLst>
+            </p:cNvPr>
+            <p:cNvCxnSpPr>
+              <a:cxnSpLocks/>
+            </p:cNvCxnSpPr>
+            <p:nvPr/>
+          </p:nvCxnSpPr>
+          <p:spPr>
+            <a:xfrm flipV="1">
+              <a:off x="5681403" y="5135954"/>
+              <a:ext cx="0" cy="254000"/>
+            </a:xfrm>
+            <a:prstGeom prst="straightConnector1">
+              <a:avLst/>
+            </a:prstGeom>
+            <a:ln>
+              <a:tailEnd type="triangle"/>
+            </a:ln>
+          </p:spPr>
+          <p:style>
+            <a:lnRef idx="1">
+              <a:schemeClr val="accent2"/>
+            </a:lnRef>
+            <a:fillRef idx="0">
+              <a:schemeClr val="accent2"/>
+            </a:fillRef>
+            <a:effectRef idx="0">
+              <a:schemeClr val="accent2"/>
+            </a:effectRef>
+            <a:fontRef idx="minor">
+              <a:schemeClr val="tx1"/>
+            </a:fontRef>
+          </p:style>
+        </p:cxnSp>
+        <p:cxnSp>
+          <p:nvCxnSpPr>
+            <p:cNvPr id="58" name="Straight Arrow Connector 57">
+              <a:extLst>
+                <a:ext uri="{FF2B5EF4-FFF2-40B4-BE49-F238E27FC236}">
+                  <a16:creationId xmlns:a16="http://schemas.microsoft.com/office/drawing/2014/main" id="{79BD7B98-E41F-4127-AEDB-D06F28012F8A}"/>
+                </a:ext>
+              </a:extLst>
+            </p:cNvPr>
+            <p:cNvCxnSpPr>
+              <a:cxnSpLocks/>
+            </p:cNvCxnSpPr>
+            <p:nvPr/>
+          </p:nvCxnSpPr>
+          <p:spPr>
+            <a:xfrm flipV="1">
+              <a:off x="6071925" y="5135954"/>
+              <a:ext cx="0" cy="254000"/>
+            </a:xfrm>
+            <a:prstGeom prst="straightConnector1">
+              <a:avLst/>
+            </a:prstGeom>
+            <a:ln>
+              <a:tailEnd type="triangle"/>
+            </a:ln>
+          </p:spPr>
+          <p:style>
+            <a:lnRef idx="1">
+              <a:schemeClr val="accent2"/>
+            </a:lnRef>
+            <a:fillRef idx="0">
+              <a:schemeClr val="accent2"/>
+            </a:fillRef>
+            <a:effectRef idx="0">
+              <a:schemeClr val="accent2"/>
+            </a:effectRef>
+            <a:fontRef idx="minor">
+              <a:schemeClr val="tx1"/>
+            </a:fontRef>
+          </p:style>
+        </p:cxnSp>
+        <p:cxnSp>
+          <p:nvCxnSpPr>
+            <p:cNvPr id="59" name="Straight Arrow Connector 58">
+              <a:extLst>
+                <a:ext uri="{FF2B5EF4-FFF2-40B4-BE49-F238E27FC236}">
+                  <a16:creationId xmlns:a16="http://schemas.microsoft.com/office/drawing/2014/main" id="{A7741FB8-B697-46FD-B3B6-3B54D7B316C2}"/>
+                </a:ext>
+              </a:extLst>
+            </p:cNvPr>
+            <p:cNvCxnSpPr>
+              <a:cxnSpLocks/>
+            </p:cNvCxnSpPr>
+            <p:nvPr/>
+          </p:nvCxnSpPr>
+          <p:spPr>
+            <a:xfrm flipV="1">
+              <a:off x="6494201" y="5135954"/>
+              <a:ext cx="0" cy="254000"/>
+            </a:xfrm>
+            <a:prstGeom prst="straightConnector1">
+              <a:avLst/>
+            </a:prstGeom>
+            <a:ln>
+              <a:tailEnd type="triangle"/>
+            </a:ln>
+          </p:spPr>
+          <p:style>
+            <a:lnRef idx="1">
+              <a:schemeClr val="accent2"/>
+            </a:lnRef>
+            <a:fillRef idx="0">
+              <a:schemeClr val="accent2"/>
+            </a:fillRef>
+            <a:effectRef idx="0">
+              <a:schemeClr val="accent2"/>
+            </a:effectRef>
+            <a:fontRef idx="minor">
+              <a:schemeClr val="tx1"/>
+            </a:fontRef>
+          </p:style>
+        </p:cxnSp>
+        <p:cxnSp>
+          <p:nvCxnSpPr>
+            <p:cNvPr id="60" name="Straight Arrow Connector 59">
+              <a:extLst>
+                <a:ext uri="{FF2B5EF4-FFF2-40B4-BE49-F238E27FC236}">
+                  <a16:creationId xmlns:a16="http://schemas.microsoft.com/office/drawing/2014/main" id="{0B57E367-FA3B-4189-84AD-EB73CA418B87}"/>
+                </a:ext>
+              </a:extLst>
+            </p:cNvPr>
+            <p:cNvCxnSpPr>
+              <a:cxnSpLocks/>
+            </p:cNvCxnSpPr>
+            <p:nvPr/>
+          </p:nvCxnSpPr>
+          <p:spPr>
+            <a:xfrm flipV="1">
+              <a:off x="6856149" y="5135954"/>
+              <a:ext cx="0" cy="254000"/>
+            </a:xfrm>
+            <a:prstGeom prst="straightConnector1">
+              <a:avLst/>
+            </a:prstGeom>
+            <a:ln>
+              <a:tailEnd type="triangle"/>
+            </a:ln>
+          </p:spPr>
+          <p:style>
+            <a:lnRef idx="1">
+              <a:schemeClr val="accent2"/>
+            </a:lnRef>
+            <a:fillRef idx="0">
+              <a:schemeClr val="accent2"/>
+            </a:fillRef>
+            <a:effectRef idx="0">
+              <a:schemeClr val="accent2"/>
+            </a:effectRef>
+            <a:fontRef idx="minor">
+              <a:schemeClr val="tx1"/>
+            </a:fontRef>
+          </p:style>
+        </p:cxnSp>
+        <p:cxnSp>
+          <p:nvCxnSpPr>
+            <p:cNvPr id="61" name="Straight Arrow Connector 60">
+              <a:extLst>
+                <a:ext uri="{FF2B5EF4-FFF2-40B4-BE49-F238E27FC236}">
+                  <a16:creationId xmlns:a16="http://schemas.microsoft.com/office/drawing/2014/main" id="{F4BB5BF0-ABBF-430C-AFF6-C7CEF29D5609}"/>
+                </a:ext>
+              </a:extLst>
+            </p:cNvPr>
+            <p:cNvCxnSpPr>
+              <a:cxnSpLocks/>
+            </p:cNvCxnSpPr>
+            <p:nvPr/>
+          </p:nvCxnSpPr>
+          <p:spPr>
+            <a:xfrm flipV="1">
+              <a:off x="3176324" y="4329504"/>
+              <a:ext cx="0" cy="254000"/>
+            </a:xfrm>
+            <a:prstGeom prst="straightConnector1">
+              <a:avLst/>
+            </a:prstGeom>
+            <a:ln>
+              <a:tailEnd type="triangle"/>
+            </a:ln>
+          </p:spPr>
+          <p:style>
+            <a:lnRef idx="1">
+              <a:schemeClr val="accent1"/>
+            </a:lnRef>
+            <a:fillRef idx="0">
+              <a:schemeClr val="accent1"/>
+            </a:fillRef>
+            <a:effectRef idx="0">
+              <a:schemeClr val="accent1"/>
+            </a:effectRef>
+            <a:fontRef idx="minor">
+              <a:schemeClr val="tx1"/>
+            </a:fontRef>
+          </p:style>
+        </p:cxnSp>
+        <p:cxnSp>
+          <p:nvCxnSpPr>
+            <p:cNvPr id="62" name="Straight Arrow Connector 61">
+              <a:extLst>
+                <a:ext uri="{FF2B5EF4-FFF2-40B4-BE49-F238E27FC236}">
+                  <a16:creationId xmlns:a16="http://schemas.microsoft.com/office/drawing/2014/main" id="{416D16D7-063C-479B-B62C-01DD1B101789}"/>
+                </a:ext>
+              </a:extLst>
+            </p:cNvPr>
+            <p:cNvCxnSpPr>
+              <a:cxnSpLocks/>
+            </p:cNvCxnSpPr>
+            <p:nvPr/>
+          </p:nvCxnSpPr>
+          <p:spPr>
+            <a:xfrm flipV="1">
+              <a:off x="3560499" y="4329504"/>
+              <a:ext cx="0" cy="254000"/>
+            </a:xfrm>
+            <a:prstGeom prst="straightConnector1">
+              <a:avLst/>
+            </a:prstGeom>
+            <a:ln>
+              <a:tailEnd type="triangle"/>
+            </a:ln>
+          </p:spPr>
+          <p:style>
+            <a:lnRef idx="1">
+              <a:schemeClr val="accent1"/>
+            </a:lnRef>
+            <a:fillRef idx="0">
+              <a:schemeClr val="accent1"/>
+            </a:fillRef>
+            <a:effectRef idx="0">
+              <a:schemeClr val="accent1"/>
+            </a:effectRef>
+            <a:fontRef idx="minor">
+              <a:schemeClr val="tx1"/>
+            </a:fontRef>
+          </p:style>
+        </p:cxnSp>
+        <p:cxnSp>
+          <p:nvCxnSpPr>
+            <p:cNvPr id="63" name="Straight Arrow Connector 62">
+              <a:extLst>
+                <a:ext uri="{FF2B5EF4-FFF2-40B4-BE49-F238E27FC236}">
+                  <a16:creationId xmlns:a16="http://schemas.microsoft.com/office/drawing/2014/main" id="{4D333F3C-9DD0-431A-81E5-7C3744D05CA8}"/>
+                </a:ext>
+              </a:extLst>
+            </p:cNvPr>
+            <p:cNvCxnSpPr>
+              <a:cxnSpLocks/>
+            </p:cNvCxnSpPr>
+            <p:nvPr/>
+          </p:nvCxnSpPr>
+          <p:spPr>
+            <a:xfrm flipV="1">
+              <a:off x="3957374" y="4329504"/>
+              <a:ext cx="0" cy="254000"/>
+            </a:xfrm>
+            <a:prstGeom prst="straightConnector1">
+              <a:avLst/>
+            </a:prstGeom>
+            <a:ln>
+              <a:tailEnd type="triangle"/>
+            </a:ln>
+          </p:spPr>
+          <p:style>
+            <a:lnRef idx="1">
+              <a:schemeClr val="accent1"/>
+            </a:lnRef>
+            <a:fillRef idx="0">
+              <a:schemeClr val="accent1"/>
+            </a:fillRef>
+            <a:effectRef idx="0">
+              <a:schemeClr val="accent1"/>
+            </a:effectRef>
+            <a:fontRef idx="minor">
+              <a:schemeClr val="tx1"/>
+            </a:fontRef>
+          </p:style>
+        </p:cxnSp>
+        <p:cxnSp>
+          <p:nvCxnSpPr>
+            <p:cNvPr id="64" name="Straight Arrow Connector 63">
+              <a:extLst>
+                <a:ext uri="{FF2B5EF4-FFF2-40B4-BE49-F238E27FC236}">
+                  <a16:creationId xmlns:a16="http://schemas.microsoft.com/office/drawing/2014/main" id="{7BD24517-E470-4637-8D15-11876C9DE1E4}"/>
+                </a:ext>
+              </a:extLst>
+            </p:cNvPr>
+            <p:cNvCxnSpPr>
+              <a:cxnSpLocks/>
+            </p:cNvCxnSpPr>
+            <p:nvPr/>
+          </p:nvCxnSpPr>
+          <p:spPr>
+            <a:xfrm flipV="1">
+              <a:off x="4481249" y="4329504"/>
+              <a:ext cx="0" cy="254000"/>
+            </a:xfrm>
+            <a:prstGeom prst="straightConnector1">
+              <a:avLst/>
+            </a:prstGeom>
+            <a:ln>
+              <a:tailEnd type="triangle"/>
+            </a:ln>
+          </p:spPr>
+          <p:style>
+            <a:lnRef idx="1">
+              <a:schemeClr val="accent1"/>
+            </a:lnRef>
+            <a:fillRef idx="0">
+              <a:schemeClr val="accent1"/>
+            </a:fillRef>
+            <a:effectRef idx="0">
+              <a:schemeClr val="accent1"/>
+            </a:effectRef>
+            <a:fontRef idx="minor">
+              <a:schemeClr val="tx1"/>
+            </a:fontRef>
+          </p:style>
+        </p:cxnSp>
+        <p:cxnSp>
+          <p:nvCxnSpPr>
+            <p:cNvPr id="65" name="Straight Arrow Connector 64">
+              <a:extLst>
+                <a:ext uri="{FF2B5EF4-FFF2-40B4-BE49-F238E27FC236}">
+                  <a16:creationId xmlns:a16="http://schemas.microsoft.com/office/drawing/2014/main" id="{27DA9398-9C79-4AC3-A8A9-5776CD7B343F}"/>
+                </a:ext>
+              </a:extLst>
+            </p:cNvPr>
+            <p:cNvCxnSpPr>
+              <a:cxnSpLocks/>
+            </p:cNvCxnSpPr>
+            <p:nvPr/>
+          </p:nvCxnSpPr>
+          <p:spPr>
+            <a:xfrm flipV="1">
+              <a:off x="4798749" y="4329504"/>
+              <a:ext cx="0" cy="254000"/>
+            </a:xfrm>
+            <a:prstGeom prst="straightConnector1">
+              <a:avLst/>
+            </a:prstGeom>
+            <a:ln>
+              <a:tailEnd type="triangle"/>
+            </a:ln>
+          </p:spPr>
+          <p:style>
+            <a:lnRef idx="1">
+              <a:schemeClr val="accent1"/>
+            </a:lnRef>
+            <a:fillRef idx="0">
+              <a:schemeClr val="accent1"/>
+            </a:fillRef>
+            <a:effectRef idx="0">
+              <a:schemeClr val="accent1"/>
+            </a:effectRef>
+            <a:fontRef idx="minor">
+              <a:schemeClr val="tx1"/>
+            </a:fontRef>
+          </p:style>
+        </p:cxnSp>
+        <p:cxnSp>
+          <p:nvCxnSpPr>
+            <p:cNvPr id="66" name="Straight Arrow Connector 65">
+              <a:extLst>
+                <a:ext uri="{FF2B5EF4-FFF2-40B4-BE49-F238E27FC236}">
+                  <a16:creationId xmlns:a16="http://schemas.microsoft.com/office/drawing/2014/main" id="{53487002-17BF-4C95-89F0-5287D1A95BB9}"/>
+                </a:ext>
+              </a:extLst>
+            </p:cNvPr>
+            <p:cNvCxnSpPr>
+              <a:cxnSpLocks/>
+            </p:cNvCxnSpPr>
+            <p:nvPr/>
+          </p:nvCxnSpPr>
+          <p:spPr>
+            <a:xfrm flipV="1">
+              <a:off x="5287699" y="4329504"/>
+              <a:ext cx="0" cy="254000"/>
+            </a:xfrm>
+            <a:prstGeom prst="straightConnector1">
+              <a:avLst/>
+            </a:prstGeom>
+            <a:ln>
+              <a:tailEnd type="triangle"/>
+            </a:ln>
+          </p:spPr>
+          <p:style>
+            <a:lnRef idx="1">
+              <a:schemeClr val="accent2"/>
+            </a:lnRef>
+            <a:fillRef idx="0">
+              <a:schemeClr val="accent2"/>
+            </a:fillRef>
+            <a:effectRef idx="0">
+              <a:schemeClr val="accent2"/>
+            </a:effectRef>
+            <a:fontRef idx="minor">
+              <a:schemeClr val="tx1"/>
+            </a:fontRef>
+          </p:style>
+        </p:cxnSp>
+        <p:cxnSp>
+          <p:nvCxnSpPr>
+            <p:cNvPr id="67" name="Straight Arrow Connector 66">
+              <a:extLst>
+                <a:ext uri="{FF2B5EF4-FFF2-40B4-BE49-F238E27FC236}">
+                  <a16:creationId xmlns:a16="http://schemas.microsoft.com/office/drawing/2014/main" id="{A14363CE-FCF8-48CD-B307-C42A421B60CC}"/>
+                </a:ext>
+              </a:extLst>
+            </p:cNvPr>
+            <p:cNvCxnSpPr>
+              <a:cxnSpLocks/>
+            </p:cNvCxnSpPr>
+            <p:nvPr/>
+          </p:nvCxnSpPr>
+          <p:spPr>
+            <a:xfrm flipV="1">
+              <a:off x="5668703" y="4329504"/>
+              <a:ext cx="0" cy="254000"/>
+            </a:xfrm>
+            <a:prstGeom prst="straightConnector1">
+              <a:avLst/>
+            </a:prstGeom>
+            <a:ln>
+              <a:tailEnd type="triangle"/>
+            </a:ln>
+          </p:spPr>
+          <p:style>
+            <a:lnRef idx="1">
+              <a:schemeClr val="accent2"/>
+            </a:lnRef>
+            <a:fillRef idx="0">
+              <a:schemeClr val="accent2"/>
+            </a:fillRef>
+            <a:effectRef idx="0">
+              <a:schemeClr val="accent2"/>
+            </a:effectRef>
+            <a:fontRef idx="minor">
+              <a:schemeClr val="tx1"/>
+            </a:fontRef>
+          </p:style>
+        </p:cxnSp>
+        <p:cxnSp>
+          <p:nvCxnSpPr>
+            <p:cNvPr id="68" name="Straight Arrow Connector 67">
+              <a:extLst>
+                <a:ext uri="{FF2B5EF4-FFF2-40B4-BE49-F238E27FC236}">
+                  <a16:creationId xmlns:a16="http://schemas.microsoft.com/office/drawing/2014/main" id="{D6EB9284-5BE0-4A5B-8D3D-70B60002C942}"/>
+                </a:ext>
+              </a:extLst>
+            </p:cNvPr>
+            <p:cNvCxnSpPr>
+              <a:cxnSpLocks/>
+            </p:cNvCxnSpPr>
+            <p:nvPr/>
+          </p:nvCxnSpPr>
+          <p:spPr>
+            <a:xfrm flipV="1">
+              <a:off x="6059225" y="4329504"/>
+              <a:ext cx="0" cy="254000"/>
+            </a:xfrm>
+            <a:prstGeom prst="straightConnector1">
+              <a:avLst/>
+            </a:prstGeom>
+            <a:ln>
+              <a:tailEnd type="triangle"/>
+            </a:ln>
+          </p:spPr>
+          <p:style>
+            <a:lnRef idx="1">
+              <a:schemeClr val="accent2"/>
+            </a:lnRef>
+            <a:fillRef idx="0">
+              <a:schemeClr val="accent2"/>
+            </a:fillRef>
+            <a:effectRef idx="0">
+              <a:schemeClr val="accent2"/>
+            </a:effectRef>
+            <a:fontRef idx="minor">
+              <a:schemeClr val="tx1"/>
+            </a:fontRef>
+          </p:style>
+        </p:cxnSp>
+        <p:cxnSp>
+          <p:nvCxnSpPr>
+            <p:cNvPr id="69" name="Straight Arrow Connector 68">
+              <a:extLst>
+                <a:ext uri="{FF2B5EF4-FFF2-40B4-BE49-F238E27FC236}">
+                  <a16:creationId xmlns:a16="http://schemas.microsoft.com/office/drawing/2014/main" id="{573EB2D7-CE72-40A3-A172-C373DC091FC8}"/>
+                </a:ext>
+              </a:extLst>
+            </p:cNvPr>
+            <p:cNvCxnSpPr>
+              <a:cxnSpLocks/>
+            </p:cNvCxnSpPr>
+            <p:nvPr/>
+          </p:nvCxnSpPr>
+          <p:spPr>
+            <a:xfrm flipV="1">
+              <a:off x="6481501" y="4329504"/>
+              <a:ext cx="0" cy="254000"/>
+            </a:xfrm>
+            <a:prstGeom prst="straightConnector1">
+              <a:avLst/>
+            </a:prstGeom>
+            <a:ln>
+              <a:tailEnd type="triangle"/>
+            </a:ln>
+          </p:spPr>
+          <p:style>
+            <a:lnRef idx="1">
+              <a:schemeClr val="accent2"/>
+            </a:lnRef>
+            <a:fillRef idx="0">
+              <a:schemeClr val="accent2"/>
+            </a:fillRef>
+            <a:effectRef idx="0">
+              <a:schemeClr val="accent2"/>
+            </a:effectRef>
+            <a:fontRef idx="minor">
+              <a:schemeClr val="tx1"/>
+            </a:fontRef>
+          </p:style>
+        </p:cxnSp>
+        <p:cxnSp>
+          <p:nvCxnSpPr>
+            <p:cNvPr id="70" name="Straight Arrow Connector 69">
+              <a:extLst>
+                <a:ext uri="{FF2B5EF4-FFF2-40B4-BE49-F238E27FC236}">
+                  <a16:creationId xmlns:a16="http://schemas.microsoft.com/office/drawing/2014/main" id="{0F34FBB2-3DFB-4119-8657-1EE172B2121D}"/>
+                </a:ext>
+              </a:extLst>
+            </p:cNvPr>
+            <p:cNvCxnSpPr>
+              <a:cxnSpLocks/>
+            </p:cNvCxnSpPr>
+            <p:nvPr/>
+          </p:nvCxnSpPr>
+          <p:spPr>
+            <a:xfrm flipV="1">
+              <a:off x="6843449" y="4329504"/>
+              <a:ext cx="0" cy="254000"/>
+            </a:xfrm>
+            <a:prstGeom prst="straightConnector1">
+              <a:avLst/>
+            </a:prstGeom>
+            <a:ln>
+              <a:tailEnd type="triangle"/>
+            </a:ln>
+          </p:spPr>
+          <p:style>
+            <a:lnRef idx="1">
+              <a:schemeClr val="accent2"/>
+            </a:lnRef>
+            <a:fillRef idx="0">
+              <a:schemeClr val="accent2"/>
+            </a:fillRef>
+            <a:effectRef idx="0">
+              <a:schemeClr val="accent2"/>
+            </a:effectRef>
+            <a:fontRef idx="minor">
+              <a:schemeClr val="tx1"/>
+            </a:fontRef>
+          </p:style>
+        </p:cxnSp>
+        <p:cxnSp>
+          <p:nvCxnSpPr>
+            <p:cNvPr id="81" name="Straight Arrow Connector 80">
+              <a:extLst>
+                <a:ext uri="{FF2B5EF4-FFF2-40B4-BE49-F238E27FC236}">
+                  <a16:creationId xmlns:a16="http://schemas.microsoft.com/office/drawing/2014/main" id="{60762A95-C98D-411E-9A8C-12A68C91C607}"/>
+                </a:ext>
+              </a:extLst>
+            </p:cNvPr>
+            <p:cNvCxnSpPr>
+              <a:cxnSpLocks/>
+            </p:cNvCxnSpPr>
+            <p:nvPr/>
+          </p:nvCxnSpPr>
+          <p:spPr>
+            <a:xfrm flipV="1">
+              <a:off x="3182674" y="3370654"/>
+              <a:ext cx="0" cy="254000"/>
+            </a:xfrm>
+            <a:prstGeom prst="straightConnector1">
+              <a:avLst/>
+            </a:prstGeom>
+            <a:ln>
+              <a:tailEnd type="triangle"/>
+            </a:ln>
+          </p:spPr>
+          <p:style>
+            <a:lnRef idx="1">
+              <a:schemeClr val="accent1"/>
+            </a:lnRef>
+            <a:fillRef idx="0">
+              <a:schemeClr val="accent1"/>
+            </a:fillRef>
+            <a:effectRef idx="0">
+              <a:schemeClr val="accent1"/>
+            </a:effectRef>
+            <a:fontRef idx="minor">
+              <a:schemeClr val="tx1"/>
+            </a:fontRef>
+          </p:style>
+        </p:cxnSp>
+        <p:cxnSp>
+          <p:nvCxnSpPr>
+            <p:cNvPr id="82" name="Straight Arrow Connector 81">
+              <a:extLst>
+                <a:ext uri="{FF2B5EF4-FFF2-40B4-BE49-F238E27FC236}">
+                  <a16:creationId xmlns:a16="http://schemas.microsoft.com/office/drawing/2014/main" id="{10B3E363-7819-47F3-8E5E-31BEA329B2A9}"/>
+                </a:ext>
+              </a:extLst>
+            </p:cNvPr>
+            <p:cNvCxnSpPr>
+              <a:cxnSpLocks/>
+            </p:cNvCxnSpPr>
+            <p:nvPr/>
+          </p:nvCxnSpPr>
+          <p:spPr>
+            <a:xfrm flipV="1">
+              <a:off x="3566849" y="3370654"/>
+              <a:ext cx="0" cy="254000"/>
+            </a:xfrm>
+            <a:prstGeom prst="straightConnector1">
+              <a:avLst/>
+            </a:prstGeom>
+            <a:ln>
+              <a:tailEnd type="triangle"/>
+            </a:ln>
+          </p:spPr>
+          <p:style>
+            <a:lnRef idx="1">
+              <a:schemeClr val="accent1"/>
+            </a:lnRef>
+            <a:fillRef idx="0">
+              <a:schemeClr val="accent1"/>
+            </a:fillRef>
+            <a:effectRef idx="0">
+              <a:schemeClr val="accent1"/>
+            </a:effectRef>
+            <a:fontRef idx="minor">
+              <a:schemeClr val="tx1"/>
+            </a:fontRef>
+          </p:style>
+        </p:cxnSp>
+        <p:cxnSp>
+          <p:nvCxnSpPr>
+            <p:cNvPr id="83" name="Straight Arrow Connector 82">
+              <a:extLst>
+                <a:ext uri="{FF2B5EF4-FFF2-40B4-BE49-F238E27FC236}">
+                  <a16:creationId xmlns:a16="http://schemas.microsoft.com/office/drawing/2014/main" id="{9A4E646A-30E8-4E46-8876-7BAD62AC54FF}"/>
+                </a:ext>
+              </a:extLst>
+            </p:cNvPr>
+            <p:cNvCxnSpPr>
+              <a:cxnSpLocks/>
+            </p:cNvCxnSpPr>
+            <p:nvPr/>
+          </p:nvCxnSpPr>
+          <p:spPr>
+            <a:xfrm flipV="1">
+              <a:off x="3970074" y="3370654"/>
+              <a:ext cx="0" cy="254000"/>
+            </a:xfrm>
+            <a:prstGeom prst="straightConnector1">
+              <a:avLst/>
+            </a:prstGeom>
+            <a:ln>
+              <a:tailEnd type="triangle"/>
+            </a:ln>
+          </p:spPr>
+          <p:style>
+            <a:lnRef idx="1">
+              <a:schemeClr val="accent1"/>
+            </a:lnRef>
+            <a:fillRef idx="0">
+              <a:schemeClr val="accent1"/>
+            </a:fillRef>
+            <a:effectRef idx="0">
+              <a:schemeClr val="accent1"/>
+            </a:effectRef>
+            <a:fontRef idx="minor">
+              <a:schemeClr val="tx1"/>
+            </a:fontRef>
+          </p:style>
+        </p:cxnSp>
+        <p:cxnSp>
+          <p:nvCxnSpPr>
+            <p:cNvPr id="84" name="Straight Arrow Connector 83">
+              <a:extLst>
+                <a:ext uri="{FF2B5EF4-FFF2-40B4-BE49-F238E27FC236}">
+                  <a16:creationId xmlns:a16="http://schemas.microsoft.com/office/drawing/2014/main" id="{F3A6AB01-1F8A-4A95-BAF7-B156A39A3651}"/>
+                </a:ext>
+              </a:extLst>
+            </p:cNvPr>
+            <p:cNvCxnSpPr>
+              <a:cxnSpLocks/>
+            </p:cNvCxnSpPr>
+            <p:nvPr/>
+          </p:nvCxnSpPr>
+          <p:spPr>
+            <a:xfrm flipV="1">
+              <a:off x="4487599" y="3370654"/>
+              <a:ext cx="0" cy="254000"/>
+            </a:xfrm>
+            <a:prstGeom prst="straightConnector1">
+              <a:avLst/>
+            </a:prstGeom>
+            <a:ln>
+              <a:tailEnd type="triangle"/>
+            </a:ln>
+          </p:spPr>
+          <p:style>
+            <a:lnRef idx="1">
+              <a:schemeClr val="accent1"/>
+            </a:lnRef>
+            <a:fillRef idx="0">
+              <a:schemeClr val="accent1"/>
+            </a:fillRef>
+            <a:effectRef idx="0">
+              <a:schemeClr val="accent1"/>
+            </a:effectRef>
+            <a:fontRef idx="minor">
+              <a:schemeClr val="tx1"/>
+            </a:fontRef>
+          </p:style>
+        </p:cxnSp>
+        <p:cxnSp>
+          <p:nvCxnSpPr>
+            <p:cNvPr id="85" name="Straight Arrow Connector 84">
+              <a:extLst>
+                <a:ext uri="{FF2B5EF4-FFF2-40B4-BE49-F238E27FC236}">
+                  <a16:creationId xmlns:a16="http://schemas.microsoft.com/office/drawing/2014/main" id="{C1A81F5B-DA20-4697-83C9-7092970D8550}"/>
+                </a:ext>
+              </a:extLst>
+            </p:cNvPr>
+            <p:cNvCxnSpPr>
+              <a:cxnSpLocks/>
+            </p:cNvCxnSpPr>
+            <p:nvPr/>
+          </p:nvCxnSpPr>
+          <p:spPr>
+            <a:xfrm flipV="1">
+              <a:off x="4805099" y="3370654"/>
+              <a:ext cx="0" cy="254000"/>
+            </a:xfrm>
+            <a:prstGeom prst="straightConnector1">
+              <a:avLst/>
+            </a:prstGeom>
+            <a:ln>
+              <a:tailEnd type="triangle"/>
+            </a:ln>
+          </p:spPr>
+          <p:style>
+            <a:lnRef idx="1">
+              <a:schemeClr val="accent1"/>
+            </a:lnRef>
+            <a:fillRef idx="0">
+              <a:schemeClr val="accent1"/>
+            </a:fillRef>
+            <a:effectRef idx="0">
+              <a:schemeClr val="accent1"/>
+            </a:effectRef>
+            <a:fontRef idx="minor">
+              <a:schemeClr val="tx1"/>
+            </a:fontRef>
+          </p:style>
+        </p:cxnSp>
+        <p:cxnSp>
+          <p:nvCxnSpPr>
+            <p:cNvPr id="86" name="Straight Arrow Connector 85">
+              <a:extLst>
+                <a:ext uri="{FF2B5EF4-FFF2-40B4-BE49-F238E27FC236}">
+                  <a16:creationId xmlns:a16="http://schemas.microsoft.com/office/drawing/2014/main" id="{1AEF2AFC-880B-4B97-A8EF-986E804984B8}"/>
+                </a:ext>
+              </a:extLst>
+            </p:cNvPr>
+            <p:cNvCxnSpPr>
+              <a:cxnSpLocks/>
+            </p:cNvCxnSpPr>
+            <p:nvPr/>
+          </p:nvCxnSpPr>
+          <p:spPr>
+            <a:xfrm flipV="1">
+              <a:off x="5294049" y="3370654"/>
+              <a:ext cx="0" cy="254000"/>
+            </a:xfrm>
+            <a:prstGeom prst="straightConnector1">
+              <a:avLst/>
+            </a:prstGeom>
+            <a:ln>
+              <a:tailEnd type="triangle"/>
+            </a:ln>
+          </p:spPr>
+          <p:style>
+            <a:lnRef idx="1">
+              <a:schemeClr val="accent2"/>
+            </a:lnRef>
+            <a:fillRef idx="0">
+              <a:schemeClr val="accent2"/>
+            </a:fillRef>
+            <a:effectRef idx="0">
+              <a:schemeClr val="accent2"/>
+            </a:effectRef>
+            <a:fontRef idx="minor">
+              <a:schemeClr val="tx1"/>
+            </a:fontRef>
+          </p:style>
+        </p:cxnSp>
+        <p:cxnSp>
+          <p:nvCxnSpPr>
+            <p:cNvPr id="87" name="Straight Arrow Connector 86">
+              <a:extLst>
+                <a:ext uri="{FF2B5EF4-FFF2-40B4-BE49-F238E27FC236}">
+                  <a16:creationId xmlns:a16="http://schemas.microsoft.com/office/drawing/2014/main" id="{6DDE3F92-A46D-4848-90C5-D870212A1F13}"/>
+                </a:ext>
+              </a:extLst>
+            </p:cNvPr>
+            <p:cNvCxnSpPr>
+              <a:cxnSpLocks/>
+            </p:cNvCxnSpPr>
+            <p:nvPr/>
+          </p:nvCxnSpPr>
+          <p:spPr>
+            <a:xfrm flipV="1">
+              <a:off x="5675053" y="3370654"/>
+              <a:ext cx="0" cy="254000"/>
+            </a:xfrm>
+            <a:prstGeom prst="straightConnector1">
+              <a:avLst/>
+            </a:prstGeom>
+            <a:ln>
+              <a:tailEnd type="triangle"/>
+            </a:ln>
+          </p:spPr>
+          <p:style>
+            <a:lnRef idx="1">
+              <a:schemeClr val="accent2"/>
+            </a:lnRef>
+            <a:fillRef idx="0">
+              <a:schemeClr val="accent2"/>
+            </a:fillRef>
+            <a:effectRef idx="0">
+              <a:schemeClr val="accent2"/>
+            </a:effectRef>
+            <a:fontRef idx="minor">
+              <a:schemeClr val="tx1"/>
+            </a:fontRef>
+          </p:style>
+        </p:cxnSp>
+        <p:cxnSp>
+          <p:nvCxnSpPr>
+            <p:cNvPr id="88" name="Straight Arrow Connector 87">
+              <a:extLst>
+                <a:ext uri="{FF2B5EF4-FFF2-40B4-BE49-F238E27FC236}">
+                  <a16:creationId xmlns:a16="http://schemas.microsoft.com/office/drawing/2014/main" id="{BFEBF224-0C3E-4F18-ACDA-C546513DE22E}"/>
+                </a:ext>
+              </a:extLst>
+            </p:cNvPr>
+            <p:cNvCxnSpPr>
+              <a:cxnSpLocks/>
+            </p:cNvCxnSpPr>
+            <p:nvPr/>
+          </p:nvCxnSpPr>
+          <p:spPr>
+            <a:xfrm flipV="1">
+              <a:off x="6065575" y="3370654"/>
+              <a:ext cx="0" cy="254000"/>
+            </a:xfrm>
+            <a:prstGeom prst="straightConnector1">
+              <a:avLst/>
+            </a:prstGeom>
+            <a:ln>
+              <a:tailEnd type="triangle"/>
+            </a:ln>
+          </p:spPr>
+          <p:style>
+            <a:lnRef idx="1">
+              <a:schemeClr val="accent2"/>
+            </a:lnRef>
+            <a:fillRef idx="0">
+              <a:schemeClr val="accent2"/>
+            </a:fillRef>
+            <a:effectRef idx="0">
+              <a:schemeClr val="accent2"/>
+            </a:effectRef>
+            <a:fontRef idx="minor">
+              <a:schemeClr val="tx1"/>
+            </a:fontRef>
+          </p:style>
+        </p:cxnSp>
+        <p:cxnSp>
+          <p:nvCxnSpPr>
+            <p:cNvPr id="89" name="Straight Arrow Connector 88">
+              <a:extLst>
+                <a:ext uri="{FF2B5EF4-FFF2-40B4-BE49-F238E27FC236}">
+                  <a16:creationId xmlns:a16="http://schemas.microsoft.com/office/drawing/2014/main" id="{6EE66A89-97DA-49AA-AE0A-AFCD4CC086F8}"/>
+                </a:ext>
+              </a:extLst>
+            </p:cNvPr>
+            <p:cNvCxnSpPr>
+              <a:cxnSpLocks/>
+            </p:cNvCxnSpPr>
+            <p:nvPr/>
+          </p:nvCxnSpPr>
+          <p:spPr>
+            <a:xfrm flipV="1">
+              <a:off x="6487851" y="3370654"/>
+              <a:ext cx="0" cy="254000"/>
+            </a:xfrm>
+            <a:prstGeom prst="straightConnector1">
+              <a:avLst/>
+            </a:prstGeom>
+            <a:ln>
+              <a:tailEnd type="triangle"/>
+            </a:ln>
+          </p:spPr>
+          <p:style>
+            <a:lnRef idx="1">
+              <a:schemeClr val="accent2"/>
+            </a:lnRef>
+            <a:fillRef idx="0">
+              <a:schemeClr val="accent2"/>
+            </a:fillRef>
+            <a:effectRef idx="0">
+              <a:schemeClr val="accent2"/>
+            </a:effectRef>
+            <a:fontRef idx="minor">
+              <a:schemeClr val="tx1"/>
+            </a:fontRef>
+          </p:style>
+        </p:cxnSp>
+        <p:cxnSp>
+          <p:nvCxnSpPr>
+            <p:cNvPr id="90" name="Straight Arrow Connector 89">
+              <a:extLst>
+                <a:ext uri="{FF2B5EF4-FFF2-40B4-BE49-F238E27FC236}">
+                  <a16:creationId xmlns:a16="http://schemas.microsoft.com/office/drawing/2014/main" id="{A6AA1B47-FA2B-4B09-A78E-DB488CADAD81}"/>
+                </a:ext>
+              </a:extLst>
+            </p:cNvPr>
+            <p:cNvCxnSpPr>
+              <a:cxnSpLocks/>
+            </p:cNvCxnSpPr>
+            <p:nvPr/>
+          </p:nvCxnSpPr>
+          <p:spPr>
+            <a:xfrm flipV="1">
+              <a:off x="6849799" y="3370654"/>
+              <a:ext cx="0" cy="254000"/>
+            </a:xfrm>
+            <a:prstGeom prst="straightConnector1">
+              <a:avLst/>
+            </a:prstGeom>
+            <a:ln>
+              <a:tailEnd type="triangle"/>
+            </a:ln>
+          </p:spPr>
+          <p:style>
+            <a:lnRef idx="1">
+              <a:schemeClr val="accent2"/>
+            </a:lnRef>
+            <a:fillRef idx="0">
+              <a:schemeClr val="accent2"/>
+            </a:fillRef>
+            <a:effectRef idx="0">
+              <a:schemeClr val="accent2"/>
+            </a:effectRef>
+            <a:fontRef idx="minor">
+              <a:schemeClr val="tx1"/>
+            </a:fontRef>
+          </p:style>
+        </p:cxnSp>
+        <p:cxnSp>
+          <p:nvCxnSpPr>
+            <p:cNvPr id="91" name="Straight Arrow Connector 90">
+              <a:extLst>
+                <a:ext uri="{FF2B5EF4-FFF2-40B4-BE49-F238E27FC236}">
+                  <a16:creationId xmlns:a16="http://schemas.microsoft.com/office/drawing/2014/main" id="{2BAE529E-6737-46EF-BBB0-CE81E6FDC31E}"/>
+                </a:ext>
+              </a:extLst>
+            </p:cNvPr>
+            <p:cNvCxnSpPr>
+              <a:cxnSpLocks/>
+            </p:cNvCxnSpPr>
+            <p:nvPr/>
+          </p:nvCxnSpPr>
+          <p:spPr>
+            <a:xfrm flipV="1">
+              <a:off x="5287699" y="2507054"/>
+              <a:ext cx="0" cy="254000"/>
+            </a:xfrm>
+            <a:prstGeom prst="straightConnector1">
+              <a:avLst/>
+            </a:prstGeom>
+            <a:ln>
+              <a:tailEnd type="triangle"/>
+            </a:ln>
+          </p:spPr>
+          <p:style>
+            <a:lnRef idx="1">
+              <a:schemeClr val="accent2"/>
+            </a:lnRef>
+            <a:fillRef idx="0">
+              <a:schemeClr val="accent2"/>
+            </a:fillRef>
+            <a:effectRef idx="0">
+              <a:schemeClr val="accent2"/>
+            </a:effectRef>
+            <a:fontRef idx="minor">
+              <a:schemeClr val="tx1"/>
+            </a:fontRef>
+          </p:style>
+        </p:cxnSp>
+        <p:cxnSp>
+          <p:nvCxnSpPr>
+            <p:cNvPr id="92" name="Straight Arrow Connector 91">
+              <a:extLst>
+                <a:ext uri="{FF2B5EF4-FFF2-40B4-BE49-F238E27FC236}">
+                  <a16:creationId xmlns:a16="http://schemas.microsoft.com/office/drawing/2014/main" id="{D3146410-BF3B-4DDB-B151-0112ADB6774B}"/>
+                </a:ext>
+              </a:extLst>
+            </p:cNvPr>
+            <p:cNvCxnSpPr>
+              <a:cxnSpLocks/>
+            </p:cNvCxnSpPr>
+            <p:nvPr/>
+          </p:nvCxnSpPr>
+          <p:spPr>
+            <a:xfrm flipV="1">
+              <a:off x="5668703" y="2507054"/>
+              <a:ext cx="0" cy="254000"/>
+            </a:xfrm>
+            <a:prstGeom prst="straightConnector1">
+              <a:avLst/>
+            </a:prstGeom>
+            <a:ln>
+              <a:tailEnd type="triangle"/>
+            </a:ln>
+          </p:spPr>
+          <p:style>
+            <a:lnRef idx="1">
+              <a:schemeClr val="accent2"/>
+            </a:lnRef>
+            <a:fillRef idx="0">
+              <a:schemeClr val="accent2"/>
+            </a:fillRef>
+            <a:effectRef idx="0">
+              <a:schemeClr val="accent2"/>
+            </a:effectRef>
+            <a:fontRef idx="minor">
+              <a:schemeClr val="tx1"/>
+            </a:fontRef>
+          </p:style>
+        </p:cxnSp>
+        <p:cxnSp>
+          <p:nvCxnSpPr>
+            <p:cNvPr id="93" name="Straight Arrow Connector 92">
+              <a:extLst>
+                <a:ext uri="{FF2B5EF4-FFF2-40B4-BE49-F238E27FC236}">
+                  <a16:creationId xmlns:a16="http://schemas.microsoft.com/office/drawing/2014/main" id="{D713BEE5-3FF5-4601-9F61-487E7820F247}"/>
+                </a:ext>
+              </a:extLst>
+            </p:cNvPr>
+            <p:cNvCxnSpPr>
+              <a:cxnSpLocks/>
+            </p:cNvCxnSpPr>
+            <p:nvPr/>
+          </p:nvCxnSpPr>
+          <p:spPr>
+            <a:xfrm flipV="1">
+              <a:off x="6059225" y="2507054"/>
+              <a:ext cx="0" cy="254000"/>
+            </a:xfrm>
+            <a:prstGeom prst="straightConnector1">
+              <a:avLst/>
+            </a:prstGeom>
+            <a:ln>
+              <a:tailEnd type="triangle"/>
+            </a:ln>
+          </p:spPr>
+          <p:style>
+            <a:lnRef idx="1">
+              <a:schemeClr val="accent2"/>
+            </a:lnRef>
+            <a:fillRef idx="0">
+              <a:schemeClr val="accent2"/>
+            </a:fillRef>
+            <a:effectRef idx="0">
+              <a:schemeClr val="accent2"/>
+            </a:effectRef>
+            <a:fontRef idx="minor">
+              <a:schemeClr val="tx1"/>
+            </a:fontRef>
+          </p:style>
+        </p:cxnSp>
+        <p:cxnSp>
+          <p:nvCxnSpPr>
+            <p:cNvPr id="94" name="Straight Arrow Connector 93">
+              <a:extLst>
+                <a:ext uri="{FF2B5EF4-FFF2-40B4-BE49-F238E27FC236}">
+                  <a16:creationId xmlns:a16="http://schemas.microsoft.com/office/drawing/2014/main" id="{FF9281BA-71F5-4BE7-9544-938D669B29F9}"/>
+                </a:ext>
+              </a:extLst>
+            </p:cNvPr>
+            <p:cNvCxnSpPr>
+              <a:cxnSpLocks/>
+            </p:cNvCxnSpPr>
+            <p:nvPr/>
+          </p:nvCxnSpPr>
+          <p:spPr>
+            <a:xfrm flipV="1">
+              <a:off x="6481501" y="2507054"/>
+              <a:ext cx="0" cy="254000"/>
+            </a:xfrm>
+            <a:prstGeom prst="straightConnector1">
+              <a:avLst/>
+            </a:prstGeom>
+            <a:ln>
+              <a:tailEnd type="triangle"/>
+            </a:ln>
+          </p:spPr>
+          <p:style>
+            <a:lnRef idx="1">
+              <a:schemeClr val="accent2"/>
+            </a:lnRef>
+            <a:fillRef idx="0">
+              <a:schemeClr val="accent2"/>
+            </a:fillRef>
+            <a:effectRef idx="0">
+              <a:schemeClr val="accent2"/>
+            </a:effectRef>
+            <a:fontRef idx="minor">
+              <a:schemeClr val="tx1"/>
+            </a:fontRef>
+          </p:style>
+        </p:cxnSp>
+        <p:cxnSp>
+          <p:nvCxnSpPr>
+            <p:cNvPr id="95" name="Straight Arrow Connector 94">
+              <a:extLst>
+                <a:ext uri="{FF2B5EF4-FFF2-40B4-BE49-F238E27FC236}">
+                  <a16:creationId xmlns:a16="http://schemas.microsoft.com/office/drawing/2014/main" id="{435D704D-B60D-46B2-B493-2F6C211F1455}"/>
+                </a:ext>
+              </a:extLst>
+            </p:cNvPr>
+            <p:cNvCxnSpPr>
+              <a:cxnSpLocks/>
+            </p:cNvCxnSpPr>
+            <p:nvPr/>
+          </p:nvCxnSpPr>
+          <p:spPr>
+            <a:xfrm flipV="1">
+              <a:off x="6843449" y="2507054"/>
+              <a:ext cx="0" cy="254000"/>
+            </a:xfrm>
+            <a:prstGeom prst="straightConnector1">
+              <a:avLst/>
+            </a:prstGeom>
+            <a:ln>
+              <a:tailEnd type="triangle"/>
+            </a:ln>
+          </p:spPr>
+          <p:style>
+            <a:lnRef idx="1">
+              <a:schemeClr val="accent2"/>
+            </a:lnRef>
+            <a:fillRef idx="0">
+              <a:schemeClr val="accent2"/>
+            </a:fillRef>
+            <a:effectRef idx="0">
+              <a:schemeClr val="accent2"/>
+            </a:effectRef>
+            <a:fontRef idx="minor">
+              <a:schemeClr val="tx1"/>
+            </a:fontRef>
+          </p:style>
+        </p:cxnSp>
+        <p:cxnSp>
+          <p:nvCxnSpPr>
+            <p:cNvPr id="96" name="Straight Arrow Connector 95">
+              <a:extLst>
+                <a:ext uri="{FF2B5EF4-FFF2-40B4-BE49-F238E27FC236}">
+                  <a16:creationId xmlns:a16="http://schemas.microsoft.com/office/drawing/2014/main" id="{9C41EB80-03CF-4340-A28C-278FFEC03AA0}"/>
+                </a:ext>
+              </a:extLst>
+            </p:cNvPr>
+            <p:cNvCxnSpPr>
+              <a:cxnSpLocks/>
+            </p:cNvCxnSpPr>
+            <p:nvPr/>
+          </p:nvCxnSpPr>
+          <p:spPr>
+            <a:xfrm>
+              <a:off x="3265224" y="3929970"/>
+              <a:ext cx="231775" cy="0"/>
+            </a:xfrm>
+            <a:prstGeom prst="straightConnector1">
+              <a:avLst/>
+            </a:prstGeom>
+            <a:ln>
+              <a:tailEnd type="triangle"/>
+            </a:ln>
+          </p:spPr>
+          <p:style>
+            <a:lnRef idx="1">
+              <a:schemeClr val="accent1"/>
+            </a:lnRef>
+            <a:fillRef idx="0">
+              <a:schemeClr val="accent1"/>
+            </a:fillRef>
+            <a:effectRef idx="0">
+              <a:schemeClr val="accent1"/>
+            </a:effectRef>
+            <a:fontRef idx="minor">
+              <a:schemeClr val="tx1"/>
+            </a:fontRef>
+          </p:style>
+        </p:cxnSp>
+        <p:cxnSp>
+          <p:nvCxnSpPr>
+            <p:cNvPr id="98" name="Straight Arrow Connector 97">
+              <a:extLst>
+                <a:ext uri="{FF2B5EF4-FFF2-40B4-BE49-F238E27FC236}">
+                  <a16:creationId xmlns:a16="http://schemas.microsoft.com/office/drawing/2014/main" id="{F87A284A-8D32-46E2-80FB-3041CDF1865E}"/>
+                </a:ext>
+              </a:extLst>
+            </p:cNvPr>
+            <p:cNvCxnSpPr>
+              <a:cxnSpLocks/>
+            </p:cNvCxnSpPr>
+            <p:nvPr/>
+          </p:nvCxnSpPr>
+          <p:spPr>
+            <a:xfrm>
+              <a:off x="3655749" y="3929970"/>
+              <a:ext cx="231775" cy="0"/>
+            </a:xfrm>
+            <a:prstGeom prst="straightConnector1">
+              <a:avLst/>
+            </a:prstGeom>
+            <a:ln>
+              <a:tailEnd type="triangle"/>
+            </a:ln>
+          </p:spPr>
+          <p:style>
+            <a:lnRef idx="1">
+              <a:schemeClr val="accent1"/>
+            </a:lnRef>
+            <a:fillRef idx="0">
+              <a:schemeClr val="accent1"/>
+            </a:fillRef>
+            <a:effectRef idx="0">
+              <a:schemeClr val="accent1"/>
+            </a:effectRef>
+            <a:fontRef idx="minor">
+              <a:schemeClr val="tx1"/>
+            </a:fontRef>
+          </p:style>
+        </p:cxnSp>
+        <p:cxnSp>
+          <p:nvCxnSpPr>
+            <p:cNvPr id="99" name="Straight Arrow Connector 98">
+              <a:extLst>
+                <a:ext uri="{FF2B5EF4-FFF2-40B4-BE49-F238E27FC236}">
+                  <a16:creationId xmlns:a16="http://schemas.microsoft.com/office/drawing/2014/main" id="{71CE7293-A36C-4C3B-A79B-786C2338000F}"/>
+                </a:ext>
+              </a:extLst>
+            </p:cNvPr>
+            <p:cNvCxnSpPr>
+              <a:cxnSpLocks/>
+            </p:cNvCxnSpPr>
+            <p:nvPr/>
+          </p:nvCxnSpPr>
+          <p:spPr>
+            <a:xfrm>
+              <a:off x="4066910" y="3929970"/>
+              <a:ext cx="231775" cy="0"/>
+            </a:xfrm>
+            <a:prstGeom prst="straightConnector1">
+              <a:avLst/>
+            </a:prstGeom>
+            <a:ln>
+              <a:tailEnd type="triangle"/>
+            </a:ln>
+          </p:spPr>
+          <p:style>
+            <a:lnRef idx="1">
+              <a:schemeClr val="accent1"/>
+            </a:lnRef>
+            <a:fillRef idx="0">
+              <a:schemeClr val="accent1"/>
+            </a:fillRef>
+            <a:effectRef idx="0">
+              <a:schemeClr val="accent1"/>
+            </a:effectRef>
+            <a:fontRef idx="minor">
+              <a:schemeClr val="tx1"/>
+            </a:fontRef>
+          </p:style>
+        </p:cxnSp>
+        <p:cxnSp>
+          <p:nvCxnSpPr>
+            <p:cNvPr id="100" name="Straight Arrow Connector 99">
+              <a:extLst>
+                <a:ext uri="{FF2B5EF4-FFF2-40B4-BE49-F238E27FC236}">
+                  <a16:creationId xmlns:a16="http://schemas.microsoft.com/office/drawing/2014/main" id="{B9D1EE70-9517-45B3-AD8A-C9B42F8E319D}"/>
+                </a:ext>
+              </a:extLst>
+            </p:cNvPr>
+            <p:cNvCxnSpPr>
+              <a:cxnSpLocks/>
+            </p:cNvCxnSpPr>
+            <p:nvPr/>
+          </p:nvCxnSpPr>
+          <p:spPr>
+            <a:xfrm>
+              <a:off x="4506649" y="3929970"/>
+              <a:ext cx="231775" cy="0"/>
+            </a:xfrm>
+            <a:prstGeom prst="straightConnector1">
+              <a:avLst/>
+            </a:prstGeom>
+            <a:ln>
+              <a:tailEnd type="triangle"/>
+            </a:ln>
+          </p:spPr>
+          <p:style>
+            <a:lnRef idx="1">
+              <a:schemeClr val="accent1"/>
+            </a:lnRef>
+            <a:fillRef idx="0">
+              <a:schemeClr val="accent1"/>
+            </a:fillRef>
+            <a:effectRef idx="0">
+              <a:schemeClr val="accent1"/>
+            </a:effectRef>
+            <a:fontRef idx="minor">
+              <a:schemeClr val="tx1"/>
+            </a:fontRef>
+          </p:style>
+        </p:cxnSp>
+        <p:cxnSp>
+          <p:nvCxnSpPr>
+            <p:cNvPr id="101" name="Straight Arrow Connector 100">
+              <a:extLst>
+                <a:ext uri="{FF2B5EF4-FFF2-40B4-BE49-F238E27FC236}">
+                  <a16:creationId xmlns:a16="http://schemas.microsoft.com/office/drawing/2014/main" id="{4C423463-EC40-4E3F-A768-CD81C4737F66}"/>
+                </a:ext>
+              </a:extLst>
+            </p:cNvPr>
+            <p:cNvCxnSpPr>
+              <a:cxnSpLocks/>
+            </p:cNvCxnSpPr>
+            <p:nvPr/>
+          </p:nvCxnSpPr>
+          <p:spPr>
+            <a:xfrm>
+              <a:off x="3277924" y="3002870"/>
+              <a:ext cx="231775" cy="0"/>
+            </a:xfrm>
+            <a:prstGeom prst="straightConnector1">
+              <a:avLst/>
+            </a:prstGeom>
+            <a:ln>
+              <a:tailEnd type="triangle"/>
+            </a:ln>
+          </p:spPr>
+          <p:style>
+            <a:lnRef idx="1">
+              <a:schemeClr val="accent1"/>
+            </a:lnRef>
+            <a:fillRef idx="0">
+              <a:schemeClr val="accent1"/>
+            </a:fillRef>
+            <a:effectRef idx="0">
+              <a:schemeClr val="accent1"/>
+            </a:effectRef>
+            <a:fontRef idx="minor">
+              <a:schemeClr val="tx1"/>
+            </a:fontRef>
+          </p:style>
+        </p:cxnSp>
+        <p:cxnSp>
+          <p:nvCxnSpPr>
+            <p:cNvPr id="102" name="Straight Arrow Connector 101">
+              <a:extLst>
+                <a:ext uri="{FF2B5EF4-FFF2-40B4-BE49-F238E27FC236}">
+                  <a16:creationId xmlns:a16="http://schemas.microsoft.com/office/drawing/2014/main" id="{DFF39801-0478-4841-AA0D-A3E76FCE458B}"/>
+                </a:ext>
+              </a:extLst>
+            </p:cNvPr>
+            <p:cNvCxnSpPr>
+              <a:cxnSpLocks/>
+            </p:cNvCxnSpPr>
+            <p:nvPr/>
+          </p:nvCxnSpPr>
+          <p:spPr>
+            <a:xfrm>
+              <a:off x="3668449" y="3002870"/>
+              <a:ext cx="231775" cy="0"/>
+            </a:xfrm>
+            <a:prstGeom prst="straightConnector1">
+              <a:avLst/>
+            </a:prstGeom>
+            <a:ln>
+              <a:tailEnd type="triangle"/>
+            </a:ln>
+          </p:spPr>
+          <p:style>
+            <a:lnRef idx="1">
+              <a:schemeClr val="accent1"/>
+            </a:lnRef>
+            <a:fillRef idx="0">
+              <a:schemeClr val="accent1"/>
+            </a:fillRef>
+            <a:effectRef idx="0">
+              <a:schemeClr val="accent1"/>
+            </a:effectRef>
+            <a:fontRef idx="minor">
+              <a:schemeClr val="tx1"/>
+            </a:fontRef>
+          </p:style>
+        </p:cxnSp>
+        <p:cxnSp>
+          <p:nvCxnSpPr>
+            <p:cNvPr id="103" name="Straight Arrow Connector 102">
+              <a:extLst>
+                <a:ext uri="{FF2B5EF4-FFF2-40B4-BE49-F238E27FC236}">
+                  <a16:creationId xmlns:a16="http://schemas.microsoft.com/office/drawing/2014/main" id="{DF658AF7-F3B2-4A1B-9FF1-B64D0E8633CE}"/>
+                </a:ext>
+              </a:extLst>
+            </p:cNvPr>
+            <p:cNvCxnSpPr>
+              <a:cxnSpLocks/>
+            </p:cNvCxnSpPr>
+            <p:nvPr/>
+          </p:nvCxnSpPr>
+          <p:spPr>
+            <a:xfrm>
+              <a:off x="4079610" y="3002870"/>
+              <a:ext cx="231775" cy="0"/>
+            </a:xfrm>
+            <a:prstGeom prst="straightConnector1">
+              <a:avLst/>
+            </a:prstGeom>
+            <a:ln>
+              <a:tailEnd type="triangle"/>
+            </a:ln>
+          </p:spPr>
+          <p:style>
+            <a:lnRef idx="1">
+              <a:schemeClr val="accent1"/>
+            </a:lnRef>
+            <a:fillRef idx="0">
+              <a:schemeClr val="accent1"/>
+            </a:fillRef>
+            <a:effectRef idx="0">
+              <a:schemeClr val="accent1"/>
+            </a:effectRef>
+            <a:fontRef idx="minor">
+              <a:schemeClr val="tx1"/>
+            </a:fontRef>
+          </p:style>
+        </p:cxnSp>
+        <p:cxnSp>
+          <p:nvCxnSpPr>
+            <p:cNvPr id="104" name="Straight Arrow Connector 103">
+              <a:extLst>
+                <a:ext uri="{FF2B5EF4-FFF2-40B4-BE49-F238E27FC236}">
+                  <a16:creationId xmlns:a16="http://schemas.microsoft.com/office/drawing/2014/main" id="{5B816FF3-C37D-4342-8BF6-4B03F90931F7}"/>
+                </a:ext>
+              </a:extLst>
+            </p:cNvPr>
+            <p:cNvCxnSpPr>
+              <a:cxnSpLocks/>
+            </p:cNvCxnSpPr>
+            <p:nvPr/>
+          </p:nvCxnSpPr>
+          <p:spPr>
+            <a:xfrm>
+              <a:off x="4519349" y="3002870"/>
+              <a:ext cx="231775" cy="0"/>
+            </a:xfrm>
+            <a:prstGeom prst="straightConnector1">
+              <a:avLst/>
+            </a:prstGeom>
+            <a:ln>
+              <a:tailEnd type="triangle"/>
+            </a:ln>
+          </p:spPr>
+          <p:style>
+            <a:lnRef idx="1">
+              <a:schemeClr val="accent1"/>
+            </a:lnRef>
+            <a:fillRef idx="0">
+              <a:schemeClr val="accent1"/>
+            </a:fillRef>
+            <a:effectRef idx="0">
+              <a:schemeClr val="accent1"/>
+            </a:effectRef>
+            <a:fontRef idx="minor">
+              <a:schemeClr val="tx1"/>
+            </a:fontRef>
+          </p:style>
+        </p:cxnSp>
+        <p:cxnSp>
+          <p:nvCxnSpPr>
+            <p:cNvPr id="105" name="Straight Arrow Connector 104">
+              <a:extLst>
+                <a:ext uri="{FF2B5EF4-FFF2-40B4-BE49-F238E27FC236}">
+                  <a16:creationId xmlns:a16="http://schemas.microsoft.com/office/drawing/2014/main" id="{FFBE694D-96D0-4F91-AF3D-55599B853523}"/>
+                </a:ext>
+              </a:extLst>
+            </p:cNvPr>
+            <p:cNvCxnSpPr>
+              <a:cxnSpLocks/>
+            </p:cNvCxnSpPr>
+            <p:nvPr/>
+          </p:nvCxnSpPr>
+          <p:spPr>
+            <a:xfrm>
+              <a:off x="5354374" y="3009220"/>
+              <a:ext cx="231775" cy="0"/>
+            </a:xfrm>
+            <a:prstGeom prst="straightConnector1">
+              <a:avLst/>
+            </a:prstGeom>
+            <a:ln>
+              <a:tailEnd type="triangle"/>
+            </a:ln>
+          </p:spPr>
+          <p:style>
+            <a:lnRef idx="1">
+              <a:schemeClr val="accent2"/>
+            </a:lnRef>
+            <a:fillRef idx="0">
+              <a:schemeClr val="accent2"/>
+            </a:fillRef>
+            <a:effectRef idx="0">
+              <a:schemeClr val="accent2"/>
+            </a:effectRef>
+            <a:fontRef idx="minor">
+              <a:schemeClr val="tx1"/>
+            </a:fontRef>
+          </p:style>
+        </p:cxnSp>
+        <p:cxnSp>
+          <p:nvCxnSpPr>
+            <p:cNvPr id="106" name="Straight Arrow Connector 105">
+              <a:extLst>
+                <a:ext uri="{FF2B5EF4-FFF2-40B4-BE49-F238E27FC236}">
+                  <a16:creationId xmlns:a16="http://schemas.microsoft.com/office/drawing/2014/main" id="{9F8CCDCC-F398-479D-B3F5-7E231A40AECE}"/>
+                </a:ext>
+              </a:extLst>
+            </p:cNvPr>
+            <p:cNvCxnSpPr>
+              <a:cxnSpLocks/>
+            </p:cNvCxnSpPr>
+            <p:nvPr/>
+          </p:nvCxnSpPr>
+          <p:spPr>
+            <a:xfrm>
+              <a:off x="5744899" y="3009220"/>
+              <a:ext cx="231775" cy="0"/>
+            </a:xfrm>
+            <a:prstGeom prst="straightConnector1">
+              <a:avLst/>
+            </a:prstGeom>
+            <a:ln>
+              <a:tailEnd type="triangle"/>
+            </a:ln>
+          </p:spPr>
+          <p:style>
+            <a:lnRef idx="1">
+              <a:schemeClr val="accent2"/>
+            </a:lnRef>
+            <a:fillRef idx="0">
+              <a:schemeClr val="accent2"/>
+            </a:fillRef>
+            <a:effectRef idx="0">
+              <a:schemeClr val="accent2"/>
+            </a:effectRef>
+            <a:fontRef idx="minor">
+              <a:schemeClr val="tx1"/>
+            </a:fontRef>
+          </p:style>
+        </p:cxnSp>
+        <p:cxnSp>
+          <p:nvCxnSpPr>
+            <p:cNvPr id="107" name="Straight Arrow Connector 106">
+              <a:extLst>
+                <a:ext uri="{FF2B5EF4-FFF2-40B4-BE49-F238E27FC236}">
+                  <a16:creationId xmlns:a16="http://schemas.microsoft.com/office/drawing/2014/main" id="{72404CFB-CEC3-4306-8795-762D20700341}"/>
+                </a:ext>
+              </a:extLst>
+            </p:cNvPr>
+            <p:cNvCxnSpPr>
+              <a:cxnSpLocks/>
+            </p:cNvCxnSpPr>
+            <p:nvPr/>
+          </p:nvCxnSpPr>
+          <p:spPr>
+            <a:xfrm>
+              <a:off x="6156060" y="3009220"/>
+              <a:ext cx="231775" cy="0"/>
+            </a:xfrm>
+            <a:prstGeom prst="straightConnector1">
+              <a:avLst/>
+            </a:prstGeom>
+            <a:ln>
+              <a:tailEnd type="triangle"/>
+            </a:ln>
+          </p:spPr>
+          <p:style>
+            <a:lnRef idx="1">
+              <a:schemeClr val="accent2"/>
+            </a:lnRef>
+            <a:fillRef idx="0">
+              <a:schemeClr val="accent2"/>
+            </a:fillRef>
+            <a:effectRef idx="0">
+              <a:schemeClr val="accent2"/>
+            </a:effectRef>
+            <a:fontRef idx="minor">
+              <a:schemeClr val="tx1"/>
+            </a:fontRef>
+          </p:style>
+        </p:cxnSp>
+        <p:cxnSp>
+          <p:nvCxnSpPr>
+            <p:cNvPr id="108" name="Straight Arrow Connector 107">
+              <a:extLst>
+                <a:ext uri="{FF2B5EF4-FFF2-40B4-BE49-F238E27FC236}">
+                  <a16:creationId xmlns:a16="http://schemas.microsoft.com/office/drawing/2014/main" id="{DB2EB4A3-102B-47FC-8D8D-B375799ADADF}"/>
+                </a:ext>
+              </a:extLst>
+            </p:cNvPr>
+            <p:cNvCxnSpPr>
+              <a:cxnSpLocks/>
+            </p:cNvCxnSpPr>
+            <p:nvPr/>
+          </p:nvCxnSpPr>
+          <p:spPr>
+            <a:xfrm>
+              <a:off x="6576749" y="3009220"/>
+              <a:ext cx="231775" cy="0"/>
+            </a:xfrm>
+            <a:prstGeom prst="straightConnector1">
+              <a:avLst/>
+            </a:prstGeom>
+            <a:ln>
+              <a:tailEnd type="triangle"/>
+            </a:ln>
+          </p:spPr>
+          <p:style>
+            <a:lnRef idx="1">
+              <a:schemeClr val="accent2"/>
+            </a:lnRef>
+            <a:fillRef idx="0">
+              <a:schemeClr val="accent2"/>
+            </a:fillRef>
+            <a:effectRef idx="0">
+              <a:schemeClr val="accent2"/>
+            </a:effectRef>
+            <a:fontRef idx="minor">
+              <a:schemeClr val="tx1"/>
+            </a:fontRef>
+          </p:style>
+        </p:cxnSp>
+        <p:cxnSp>
+          <p:nvCxnSpPr>
+            <p:cNvPr id="109" name="Straight Arrow Connector 108">
+              <a:extLst>
+                <a:ext uri="{FF2B5EF4-FFF2-40B4-BE49-F238E27FC236}">
+                  <a16:creationId xmlns:a16="http://schemas.microsoft.com/office/drawing/2014/main" id="{84B60079-7728-4C5E-B68F-DEC8A4C7F58E}"/>
+                </a:ext>
+              </a:extLst>
+            </p:cNvPr>
+            <p:cNvCxnSpPr>
+              <a:cxnSpLocks/>
+            </p:cNvCxnSpPr>
+            <p:nvPr/>
+          </p:nvCxnSpPr>
+          <p:spPr>
+            <a:xfrm>
+              <a:off x="5367074" y="3929970"/>
+              <a:ext cx="231775" cy="0"/>
+            </a:xfrm>
+            <a:prstGeom prst="straightConnector1">
+              <a:avLst/>
+            </a:prstGeom>
+            <a:ln>
+              <a:tailEnd type="triangle"/>
+            </a:ln>
+          </p:spPr>
+          <p:style>
+            <a:lnRef idx="1">
+              <a:schemeClr val="accent2"/>
+            </a:lnRef>
+            <a:fillRef idx="0">
+              <a:schemeClr val="accent2"/>
+            </a:fillRef>
+            <a:effectRef idx="0">
+              <a:schemeClr val="accent2"/>
+            </a:effectRef>
+            <a:fontRef idx="minor">
+              <a:schemeClr val="tx1"/>
+            </a:fontRef>
+          </p:style>
+        </p:cxnSp>
+        <p:cxnSp>
+          <p:nvCxnSpPr>
+            <p:cNvPr id="110" name="Straight Arrow Connector 109">
+              <a:extLst>
+                <a:ext uri="{FF2B5EF4-FFF2-40B4-BE49-F238E27FC236}">
+                  <a16:creationId xmlns:a16="http://schemas.microsoft.com/office/drawing/2014/main" id="{86F5D6BB-41F4-4658-B821-2E7840356E74}"/>
+                </a:ext>
+              </a:extLst>
+            </p:cNvPr>
+            <p:cNvCxnSpPr>
+              <a:cxnSpLocks/>
+            </p:cNvCxnSpPr>
+            <p:nvPr/>
+          </p:nvCxnSpPr>
+          <p:spPr>
+            <a:xfrm>
+              <a:off x="5757599" y="3929970"/>
+              <a:ext cx="231775" cy="0"/>
+            </a:xfrm>
+            <a:prstGeom prst="straightConnector1">
+              <a:avLst/>
+            </a:prstGeom>
+            <a:ln>
+              <a:tailEnd type="triangle"/>
+            </a:ln>
+          </p:spPr>
+          <p:style>
+            <a:lnRef idx="1">
+              <a:schemeClr val="accent2"/>
+            </a:lnRef>
+            <a:fillRef idx="0">
+              <a:schemeClr val="accent2"/>
+            </a:fillRef>
+            <a:effectRef idx="0">
+              <a:schemeClr val="accent2"/>
+            </a:effectRef>
+            <a:fontRef idx="minor">
+              <a:schemeClr val="tx1"/>
+            </a:fontRef>
+          </p:style>
+        </p:cxnSp>
+        <p:cxnSp>
+          <p:nvCxnSpPr>
+            <p:cNvPr id="111" name="Straight Arrow Connector 110">
+              <a:extLst>
+                <a:ext uri="{FF2B5EF4-FFF2-40B4-BE49-F238E27FC236}">
+                  <a16:creationId xmlns:a16="http://schemas.microsoft.com/office/drawing/2014/main" id="{937B7EDB-3114-4328-B982-0FF01CAC0A44}"/>
+                </a:ext>
+              </a:extLst>
+            </p:cNvPr>
+            <p:cNvCxnSpPr>
+              <a:cxnSpLocks/>
+            </p:cNvCxnSpPr>
+            <p:nvPr/>
+          </p:nvCxnSpPr>
+          <p:spPr>
+            <a:xfrm>
+              <a:off x="6168760" y="3929970"/>
+              <a:ext cx="231775" cy="0"/>
+            </a:xfrm>
+            <a:prstGeom prst="straightConnector1">
+              <a:avLst/>
+            </a:prstGeom>
+            <a:ln>
+              <a:tailEnd type="triangle"/>
+            </a:ln>
+          </p:spPr>
+          <p:style>
+            <a:lnRef idx="1">
+              <a:schemeClr val="accent2"/>
+            </a:lnRef>
+            <a:fillRef idx="0">
+              <a:schemeClr val="accent2"/>
+            </a:fillRef>
+            <a:effectRef idx="0">
+              <a:schemeClr val="accent2"/>
+            </a:effectRef>
+            <a:fontRef idx="minor">
+              <a:schemeClr val="tx1"/>
+            </a:fontRef>
+          </p:style>
+        </p:cxnSp>
+        <p:cxnSp>
+          <p:nvCxnSpPr>
+            <p:cNvPr id="112" name="Straight Arrow Connector 111">
+              <a:extLst>
+                <a:ext uri="{FF2B5EF4-FFF2-40B4-BE49-F238E27FC236}">
+                  <a16:creationId xmlns:a16="http://schemas.microsoft.com/office/drawing/2014/main" id="{EDAE977C-C95D-4FD3-9CCB-25BCACBF4A51}"/>
+                </a:ext>
+              </a:extLst>
+            </p:cNvPr>
+            <p:cNvCxnSpPr>
+              <a:cxnSpLocks/>
+            </p:cNvCxnSpPr>
+            <p:nvPr/>
+          </p:nvCxnSpPr>
+          <p:spPr>
+            <a:xfrm>
+              <a:off x="6589449" y="3929970"/>
+              <a:ext cx="231775" cy="0"/>
+            </a:xfrm>
+            <a:prstGeom prst="straightConnector1">
+              <a:avLst/>
+            </a:prstGeom>
+            <a:ln>
+              <a:tailEnd type="triangle"/>
+            </a:ln>
+          </p:spPr>
+          <p:style>
+            <a:lnRef idx="1">
+              <a:schemeClr val="accent2"/>
+            </a:lnRef>
+            <a:fillRef idx="0">
+              <a:schemeClr val="accent2"/>
+            </a:fillRef>
+            <a:effectRef idx="0">
+              <a:schemeClr val="accent2"/>
+            </a:effectRef>
+            <a:fontRef idx="minor">
+              <a:schemeClr val="tx1"/>
+            </a:fontRef>
+          </p:style>
+        </p:cxnSp>
+        <p:cxnSp>
+          <p:nvCxnSpPr>
+            <p:cNvPr id="113" name="Straight Arrow Connector 112">
+              <a:extLst>
+                <a:ext uri="{FF2B5EF4-FFF2-40B4-BE49-F238E27FC236}">
+                  <a16:creationId xmlns:a16="http://schemas.microsoft.com/office/drawing/2014/main" id="{2B4A84DB-76BB-4082-9D30-8727091EB341}"/>
+                </a:ext>
+              </a:extLst>
+            </p:cNvPr>
+            <p:cNvCxnSpPr>
+              <a:cxnSpLocks/>
+            </p:cNvCxnSpPr>
+            <p:nvPr/>
+          </p:nvCxnSpPr>
+          <p:spPr>
+            <a:xfrm>
+              <a:off x="4935274" y="3018594"/>
+              <a:ext cx="231775" cy="0"/>
+            </a:xfrm>
+            <a:prstGeom prst="straightConnector1">
+              <a:avLst/>
+            </a:prstGeom>
+            <a:ln>
+              <a:tailEnd type="triangle"/>
+            </a:ln>
+          </p:spPr>
+          <p:style>
+            <a:lnRef idx="1">
+              <a:schemeClr val="accent2"/>
+            </a:lnRef>
+            <a:fillRef idx="0">
+              <a:schemeClr val="accent2"/>
+            </a:fillRef>
+            <a:effectRef idx="0">
+              <a:schemeClr val="accent2"/>
+            </a:effectRef>
+            <a:fontRef idx="minor">
+              <a:schemeClr val="tx1"/>
+            </a:fontRef>
+          </p:style>
+        </p:cxnSp>
+        <p:cxnSp>
+          <p:nvCxnSpPr>
+            <p:cNvPr id="115" name="Straight Arrow Connector 114">
+              <a:extLst>
+                <a:ext uri="{FF2B5EF4-FFF2-40B4-BE49-F238E27FC236}">
+                  <a16:creationId xmlns:a16="http://schemas.microsoft.com/office/drawing/2014/main" id="{FC751EA3-C59F-4B7D-853B-692BD5C3D3D3}"/>
+                </a:ext>
+              </a:extLst>
+            </p:cNvPr>
+            <p:cNvCxnSpPr>
+              <a:cxnSpLocks/>
+            </p:cNvCxnSpPr>
+            <p:nvPr/>
+          </p:nvCxnSpPr>
+          <p:spPr>
+            <a:xfrm>
+              <a:off x="4935274" y="3932994"/>
+              <a:ext cx="231775" cy="0"/>
+            </a:xfrm>
+            <a:prstGeom prst="straightConnector1">
+              <a:avLst/>
+            </a:prstGeom>
+            <a:ln>
+              <a:tailEnd type="triangle"/>
+            </a:ln>
+          </p:spPr>
+          <p:style>
+            <a:lnRef idx="1">
+              <a:schemeClr val="accent2"/>
+            </a:lnRef>
+            <a:fillRef idx="0">
+              <a:schemeClr val="accent2"/>
+            </a:fillRef>
+            <a:effectRef idx="0">
+              <a:schemeClr val="accent2"/>
+            </a:effectRef>
+            <a:fontRef idx="minor">
+              <a:schemeClr val="tx1"/>
+            </a:fontRef>
+          </p:style>
+        </p:cxnSp>
+        <p:sp>
+          <p:nvSpPr>
+            <p:cNvPr id="116" name="Rectangle 115">
+              <a:extLst>
+                <a:ext uri="{FF2B5EF4-FFF2-40B4-BE49-F238E27FC236}">
+                  <a16:creationId xmlns:a16="http://schemas.microsoft.com/office/drawing/2014/main" id="{EBC96C74-CCDE-4920-93B4-99F597E1B455}"/>
+                </a:ext>
+              </a:extLst>
+            </p:cNvPr>
+            <p:cNvSpPr/>
+            <p:nvPr/>
+          </p:nvSpPr>
+          <p:spPr>
+            <a:xfrm>
+              <a:off x="3044325" y="5509476"/>
+              <a:ext cx="1159292" cy="215444"/>
+            </a:xfrm>
+            <a:prstGeom prst="rect">
+              <a:avLst/>
+            </a:prstGeom>
+          </p:spPr>
+          <p:txBody>
+            <a:bodyPr wrap="none">
+              <a:spAutoFit/>
+            </a:bodyPr>
+            <a:lstStyle/>
+            <a:p>
+              <a:r>
+                <a:rPr lang="en-US" sz="800" b="0" i="0" u="none" strike="noStrike" dirty="0">
+                  <a:solidFill>
+                    <a:srgbClr val="000000"/>
+                  </a:solidFill>
+                  <a:effectLst/>
+                  <a:latin typeface="Courier New" panose="02070309020205020404" pitchFamily="49" charset="0"/>
+                </a:rPr>
+                <a:t>New York City ……</a:t>
+              </a:r>
+              <a:endParaRPr lang="en-US" sz="800" dirty="0"/>
+            </a:p>
+          </p:txBody>
+        </p:sp>
+        <p:sp>
+          <p:nvSpPr>
+            <p:cNvPr id="118" name="Rectangle 117">
+              <a:extLst>
+                <a:ext uri="{FF2B5EF4-FFF2-40B4-BE49-F238E27FC236}">
+                  <a16:creationId xmlns:a16="http://schemas.microsoft.com/office/drawing/2014/main" id="{A8450855-AFBA-444F-8B17-2909C02C7C03}"/>
+                </a:ext>
+              </a:extLst>
+            </p:cNvPr>
+            <p:cNvSpPr/>
+            <p:nvPr/>
+          </p:nvSpPr>
+          <p:spPr>
+            <a:xfrm>
+              <a:off x="5136651" y="5524663"/>
+              <a:ext cx="1159292" cy="215444"/>
+            </a:xfrm>
+            <a:prstGeom prst="rect">
+              <a:avLst/>
+            </a:prstGeom>
+          </p:spPr>
+          <p:txBody>
+            <a:bodyPr wrap="none">
+              <a:spAutoFit/>
+            </a:bodyPr>
+            <a:lstStyle/>
+            <a:p>
+              <a:r>
+                <a:rPr lang="en-US" sz="800" b="0" i="0" u="none" strike="noStrike" dirty="0">
+                  <a:solidFill>
+                    <a:srgbClr val="000000"/>
+                  </a:solidFill>
+                  <a:effectLst/>
+                  <a:latin typeface="Courier New" panose="02070309020205020404" pitchFamily="49" charset="0"/>
+                </a:rPr>
+                <a:t>&lt;GO&gt; New York ……</a:t>
+              </a:r>
+              <a:endParaRPr lang="en-US" sz="800" dirty="0"/>
+            </a:p>
+          </p:txBody>
+        </p:sp>
+        <p:sp>
+          <p:nvSpPr>
+            <p:cNvPr id="119" name="Rectangle 118">
+              <a:extLst>
+                <a:ext uri="{FF2B5EF4-FFF2-40B4-BE49-F238E27FC236}">
+                  <a16:creationId xmlns:a16="http://schemas.microsoft.com/office/drawing/2014/main" id="{40FD0F77-6D9A-443D-80BF-6E06BF7EAFE1}"/>
+                </a:ext>
+              </a:extLst>
+            </p:cNvPr>
+            <p:cNvSpPr/>
+            <p:nvPr/>
+          </p:nvSpPr>
+          <p:spPr>
+            <a:xfrm>
+              <a:off x="4180974" y="5535393"/>
+              <a:ext cx="1037463" cy="215444"/>
+            </a:xfrm>
+            <a:prstGeom prst="rect">
+              <a:avLst/>
+            </a:prstGeom>
+          </p:spPr>
+          <p:txBody>
+            <a:bodyPr wrap="none">
+              <a:spAutoFit/>
+            </a:bodyPr>
+            <a:lstStyle/>
+            <a:p>
+              <a:r>
+                <a:rPr lang="en-US" sz="800" b="0" i="0" u="none" strike="noStrike" dirty="0">
+                  <a:solidFill>
+                    <a:srgbClr val="000000"/>
+                  </a:solidFill>
+                  <a:effectLst/>
+                  <a:latin typeface="Courier New" panose="02070309020205020404" pitchFamily="49" charset="0"/>
+                </a:rPr>
+                <a:t>affluent areas</a:t>
+              </a:r>
+              <a:endParaRPr lang="en-US" sz="800" dirty="0"/>
+            </a:p>
+          </p:txBody>
+        </p:sp>
+        <p:sp>
+          <p:nvSpPr>
+            <p:cNvPr id="120" name="Rectangle 119">
+              <a:extLst>
+                <a:ext uri="{FF2B5EF4-FFF2-40B4-BE49-F238E27FC236}">
+                  <a16:creationId xmlns:a16="http://schemas.microsoft.com/office/drawing/2014/main" id="{4ADF2922-D224-45C6-AC5D-CF1628DC1683}"/>
+                </a:ext>
+              </a:extLst>
+            </p:cNvPr>
+            <p:cNvSpPr/>
+            <p:nvPr/>
+          </p:nvSpPr>
+          <p:spPr>
+            <a:xfrm>
+              <a:off x="6215589" y="5548932"/>
+              <a:ext cx="1281120" cy="215444"/>
+            </a:xfrm>
+            <a:prstGeom prst="rect">
+              <a:avLst/>
+            </a:prstGeom>
+          </p:spPr>
+          <p:txBody>
+            <a:bodyPr wrap="none">
+              <a:spAutoFit/>
+            </a:bodyPr>
+            <a:lstStyle/>
+            <a:p>
+              <a:r>
+                <a:rPr lang="en-US" sz="800" b="0" i="0" u="none" strike="noStrike" dirty="0">
+                  <a:solidFill>
+                    <a:srgbClr val="000000"/>
+                  </a:solidFill>
+                  <a:effectLst/>
+                  <a:latin typeface="Courier New" panose="02070309020205020404" pitchFamily="49" charset="0"/>
+                </a:rPr>
+                <a:t>unexpected trouble</a:t>
+              </a:r>
+              <a:endParaRPr lang="en-US" sz="800" dirty="0"/>
+            </a:p>
+          </p:txBody>
+        </p:sp>
+        <p:sp>
+          <p:nvSpPr>
+            <p:cNvPr id="121" name="Rectangle 120">
+              <a:extLst>
+                <a:ext uri="{FF2B5EF4-FFF2-40B4-BE49-F238E27FC236}">
+                  <a16:creationId xmlns:a16="http://schemas.microsoft.com/office/drawing/2014/main" id="{8B9B9F76-4CF2-4C61-8C26-242B8F458BD6}"/>
+                </a:ext>
+              </a:extLst>
+            </p:cNvPr>
+            <p:cNvSpPr/>
+            <p:nvPr/>
+          </p:nvSpPr>
+          <p:spPr>
+            <a:xfrm>
+              <a:off x="5022351" y="717713"/>
+              <a:ext cx="1220206" cy="215444"/>
+            </a:xfrm>
+            <a:prstGeom prst="rect">
+              <a:avLst/>
+            </a:prstGeom>
+          </p:spPr>
+          <p:txBody>
+            <a:bodyPr wrap="none">
+              <a:spAutoFit/>
+            </a:bodyPr>
+            <a:lstStyle/>
+            <a:p>
+              <a:r>
+                <a:rPr lang="en-US" sz="800" b="0" i="0" u="none" strike="noStrike" dirty="0">
+                  <a:solidFill>
+                    <a:srgbClr val="000000"/>
+                  </a:solidFill>
+                  <a:effectLst/>
+                  <a:latin typeface="Courier New" panose="02070309020205020404" pitchFamily="49" charset="0"/>
+                </a:rPr>
+                <a:t>New York City  ……</a:t>
+              </a:r>
+              <a:endParaRPr lang="en-US" sz="800" dirty="0"/>
+            </a:p>
+          </p:txBody>
+        </p:sp>
+        <p:sp>
+          <p:nvSpPr>
+            <p:cNvPr id="122" name="Rectangle 121">
+              <a:extLst>
+                <a:ext uri="{FF2B5EF4-FFF2-40B4-BE49-F238E27FC236}">
+                  <a16:creationId xmlns:a16="http://schemas.microsoft.com/office/drawing/2014/main" id="{ADC488F0-919D-4403-96BC-29C60690BAE7}"/>
+                </a:ext>
+              </a:extLst>
+            </p:cNvPr>
+            <p:cNvSpPr/>
+            <p:nvPr/>
+          </p:nvSpPr>
+          <p:spPr>
+            <a:xfrm>
+              <a:off x="6101289" y="741982"/>
+              <a:ext cx="976549" cy="215444"/>
+            </a:xfrm>
+            <a:prstGeom prst="rect">
+              <a:avLst/>
+            </a:prstGeom>
+          </p:spPr>
+          <p:txBody>
+            <a:bodyPr wrap="none">
+              <a:spAutoFit/>
+            </a:bodyPr>
+            <a:lstStyle/>
+            <a:p>
+              <a:r>
+                <a:rPr lang="en-US" sz="800" b="0" i="0" u="none" strike="noStrike" dirty="0">
+                  <a:solidFill>
+                    <a:srgbClr val="000000"/>
+                  </a:solidFill>
+                  <a:effectLst/>
+                  <a:latin typeface="Courier New" panose="02070309020205020404" pitchFamily="49" charset="0"/>
+                </a:rPr>
+                <a:t>Trouble &lt;EOS&gt;</a:t>
+              </a:r>
+              <a:endParaRPr lang="en-US" sz="800" dirty="0"/>
+            </a:p>
+          </p:txBody>
+        </p:sp>
+        <p:cxnSp>
+          <p:nvCxnSpPr>
+            <p:cNvPr id="123" name="Straight Arrow Connector 122">
+              <a:extLst>
+                <a:ext uri="{FF2B5EF4-FFF2-40B4-BE49-F238E27FC236}">
+                  <a16:creationId xmlns:a16="http://schemas.microsoft.com/office/drawing/2014/main" id="{12FBF746-CA95-4D84-9B25-39C28B8FBEC9}"/>
+                </a:ext>
+              </a:extLst>
+            </p:cNvPr>
+            <p:cNvCxnSpPr>
+              <a:cxnSpLocks/>
+            </p:cNvCxnSpPr>
+            <p:nvPr/>
+          </p:nvCxnSpPr>
+          <p:spPr>
+            <a:xfrm flipV="1">
+              <a:off x="5274999" y="900504"/>
+              <a:ext cx="0" cy="254000"/>
+            </a:xfrm>
+            <a:prstGeom prst="straightConnector1">
+              <a:avLst/>
+            </a:prstGeom>
+            <a:ln>
+              <a:tailEnd type="triangle"/>
+            </a:ln>
+          </p:spPr>
+          <p:style>
+            <a:lnRef idx="1">
+              <a:schemeClr val="accent2"/>
+            </a:lnRef>
+            <a:fillRef idx="0">
+              <a:schemeClr val="accent2"/>
+            </a:fillRef>
+            <a:effectRef idx="0">
+              <a:schemeClr val="accent2"/>
+            </a:effectRef>
+            <a:fontRef idx="minor">
+              <a:schemeClr val="tx1"/>
+            </a:fontRef>
+          </p:style>
+        </p:cxnSp>
+        <p:cxnSp>
+          <p:nvCxnSpPr>
+            <p:cNvPr id="124" name="Straight Arrow Connector 123">
+              <a:extLst>
+                <a:ext uri="{FF2B5EF4-FFF2-40B4-BE49-F238E27FC236}">
+                  <a16:creationId xmlns:a16="http://schemas.microsoft.com/office/drawing/2014/main" id="{D4490F0C-BD9E-4268-A201-8211A963B629}"/>
+                </a:ext>
+              </a:extLst>
+            </p:cNvPr>
+            <p:cNvCxnSpPr>
+              <a:cxnSpLocks/>
+            </p:cNvCxnSpPr>
+            <p:nvPr/>
+          </p:nvCxnSpPr>
+          <p:spPr>
+            <a:xfrm flipV="1">
+              <a:off x="5656003" y="900504"/>
+              <a:ext cx="0" cy="254000"/>
+            </a:xfrm>
+            <a:prstGeom prst="straightConnector1">
+              <a:avLst/>
+            </a:prstGeom>
+            <a:ln>
+              <a:tailEnd type="triangle"/>
+            </a:ln>
+          </p:spPr>
+          <p:style>
+            <a:lnRef idx="1">
+              <a:schemeClr val="accent2"/>
+            </a:lnRef>
+            <a:fillRef idx="0">
+              <a:schemeClr val="accent2"/>
+            </a:fillRef>
+            <a:effectRef idx="0">
+              <a:schemeClr val="accent2"/>
+            </a:effectRef>
+            <a:fontRef idx="minor">
+              <a:schemeClr val="tx1"/>
+            </a:fontRef>
+          </p:style>
+        </p:cxnSp>
+        <p:cxnSp>
+          <p:nvCxnSpPr>
+            <p:cNvPr id="125" name="Straight Arrow Connector 124">
+              <a:extLst>
+                <a:ext uri="{FF2B5EF4-FFF2-40B4-BE49-F238E27FC236}">
+                  <a16:creationId xmlns:a16="http://schemas.microsoft.com/office/drawing/2014/main" id="{87C433E4-97A9-432F-A059-AD3D5389D680}"/>
+                </a:ext>
+              </a:extLst>
+            </p:cNvPr>
+            <p:cNvCxnSpPr>
+              <a:cxnSpLocks/>
+            </p:cNvCxnSpPr>
+            <p:nvPr/>
+          </p:nvCxnSpPr>
+          <p:spPr>
+            <a:xfrm flipV="1">
+              <a:off x="6046525" y="900504"/>
+              <a:ext cx="0" cy="254000"/>
+            </a:xfrm>
+            <a:prstGeom prst="straightConnector1">
+              <a:avLst/>
+            </a:prstGeom>
+            <a:ln>
+              <a:tailEnd type="triangle"/>
+            </a:ln>
+          </p:spPr>
+          <p:style>
+            <a:lnRef idx="1">
+              <a:schemeClr val="accent2"/>
+            </a:lnRef>
+            <a:fillRef idx="0">
+              <a:schemeClr val="accent2"/>
+            </a:fillRef>
+            <a:effectRef idx="0">
+              <a:schemeClr val="accent2"/>
+            </a:effectRef>
+            <a:fontRef idx="minor">
+              <a:schemeClr val="tx1"/>
+            </a:fontRef>
+          </p:style>
+        </p:cxnSp>
+        <p:cxnSp>
+          <p:nvCxnSpPr>
+            <p:cNvPr id="126" name="Straight Arrow Connector 125">
+              <a:extLst>
+                <a:ext uri="{FF2B5EF4-FFF2-40B4-BE49-F238E27FC236}">
+                  <a16:creationId xmlns:a16="http://schemas.microsoft.com/office/drawing/2014/main" id="{03CDBF2B-1633-46FF-927B-67062FC5B94E}"/>
+                </a:ext>
+              </a:extLst>
+            </p:cNvPr>
+            <p:cNvCxnSpPr>
+              <a:cxnSpLocks/>
+            </p:cNvCxnSpPr>
+            <p:nvPr/>
+          </p:nvCxnSpPr>
+          <p:spPr>
+            <a:xfrm flipV="1">
+              <a:off x="6468801" y="900504"/>
+              <a:ext cx="0" cy="254000"/>
+            </a:xfrm>
+            <a:prstGeom prst="straightConnector1">
+              <a:avLst/>
+            </a:prstGeom>
+            <a:ln>
+              <a:tailEnd type="triangle"/>
+            </a:ln>
+          </p:spPr>
+          <p:style>
+            <a:lnRef idx="1">
+              <a:schemeClr val="accent2"/>
+            </a:lnRef>
+            <a:fillRef idx="0">
+              <a:schemeClr val="accent2"/>
+            </a:fillRef>
+            <a:effectRef idx="0">
+              <a:schemeClr val="accent2"/>
+            </a:effectRef>
+            <a:fontRef idx="minor">
+              <a:schemeClr val="tx1"/>
+            </a:fontRef>
+          </p:style>
+        </p:cxnSp>
+        <p:cxnSp>
+          <p:nvCxnSpPr>
+            <p:cNvPr id="127" name="Straight Arrow Connector 126">
+              <a:extLst>
+                <a:ext uri="{FF2B5EF4-FFF2-40B4-BE49-F238E27FC236}">
+                  <a16:creationId xmlns:a16="http://schemas.microsoft.com/office/drawing/2014/main" id="{124973B5-0C71-48DF-99D7-A86B96909422}"/>
+                </a:ext>
+              </a:extLst>
+            </p:cNvPr>
+            <p:cNvCxnSpPr>
+              <a:cxnSpLocks/>
+            </p:cNvCxnSpPr>
+            <p:nvPr/>
+          </p:nvCxnSpPr>
+          <p:spPr>
+            <a:xfrm flipV="1">
+              <a:off x="6830749" y="900504"/>
+              <a:ext cx="0" cy="254000"/>
+            </a:xfrm>
+            <a:prstGeom prst="straightConnector1">
+              <a:avLst/>
+            </a:prstGeom>
+            <a:ln>
+              <a:tailEnd type="triangle"/>
+            </a:ln>
+          </p:spPr>
+          <p:style>
+            <a:lnRef idx="1">
+              <a:schemeClr val="accent2"/>
+            </a:lnRef>
+            <a:fillRef idx="0">
+              <a:schemeClr val="accent2"/>
+            </a:fillRef>
+            <a:effectRef idx="0">
+              <a:schemeClr val="accent2"/>
+            </a:effectRef>
+            <a:fontRef idx="minor">
+              <a:schemeClr val="tx1"/>
+            </a:fontRef>
+          </p:style>
+        </p:cxnSp>
+        <p:sp>
+          <p:nvSpPr>
+            <p:cNvPr id="128" name="Rectangle 127">
+              <a:extLst>
+                <a:ext uri="{FF2B5EF4-FFF2-40B4-BE49-F238E27FC236}">
+                  <a16:creationId xmlns:a16="http://schemas.microsoft.com/office/drawing/2014/main" id="{6312880B-F848-4060-A634-46B58948A883}"/>
+                </a:ext>
+              </a:extLst>
+            </p:cNvPr>
+            <p:cNvSpPr/>
+            <p:nvPr/>
+          </p:nvSpPr>
+          <p:spPr>
+            <a:xfrm>
+              <a:off x="6996361" y="4752055"/>
+              <a:ext cx="1338828" cy="246221"/>
+            </a:xfrm>
+            <a:prstGeom prst="rect">
+              <a:avLst/>
+            </a:prstGeom>
+          </p:spPr>
+          <p:txBody>
+            <a:bodyPr wrap="none">
+              <a:spAutoFit/>
+            </a:bodyPr>
+            <a:lstStyle/>
+            <a:p>
+              <a:r>
+                <a:rPr lang="en-US" sz="1000" i="1" dirty="0">
+                  <a:solidFill>
+                    <a:srgbClr val="000000"/>
+                  </a:solidFill>
+                  <a:latin typeface="Courier New" panose="02070309020205020404" pitchFamily="49" charset="0"/>
+                </a:rPr>
+                <a:t>embedding layer</a:t>
+              </a:r>
+              <a:endParaRPr lang="en-US" sz="1000" i="1" dirty="0"/>
+            </a:p>
+          </p:txBody>
+        </p:sp>
+        <p:sp>
+          <p:nvSpPr>
+            <p:cNvPr id="129" name="Rectangle 128">
+              <a:extLst>
+                <a:ext uri="{FF2B5EF4-FFF2-40B4-BE49-F238E27FC236}">
+                  <a16:creationId xmlns:a16="http://schemas.microsoft.com/office/drawing/2014/main" id="{7BB6790A-ABAD-4555-AE50-4A14EC02CEE3}"/>
+                </a:ext>
+              </a:extLst>
+            </p:cNvPr>
+            <p:cNvSpPr/>
+            <p:nvPr/>
+          </p:nvSpPr>
+          <p:spPr>
+            <a:xfrm>
+              <a:off x="6996361" y="3760154"/>
+              <a:ext cx="1261884" cy="246221"/>
+            </a:xfrm>
+            <a:prstGeom prst="rect">
+              <a:avLst/>
+            </a:prstGeom>
+          </p:spPr>
+          <p:txBody>
+            <a:bodyPr wrap="none">
+              <a:spAutoFit/>
+            </a:bodyPr>
+            <a:lstStyle/>
+            <a:p>
+              <a:r>
+                <a:rPr lang="en-US" sz="1000" i="1" dirty="0">
+                  <a:solidFill>
+                    <a:srgbClr val="000000"/>
+                  </a:solidFill>
+                  <a:latin typeface="Courier New" panose="02070309020205020404" pitchFamily="49" charset="0"/>
+                </a:rPr>
+                <a:t>hidden layer 1</a:t>
+              </a:r>
+              <a:endParaRPr lang="en-US" sz="1000" i="1" dirty="0"/>
+            </a:p>
+          </p:txBody>
+        </p:sp>
+        <p:sp>
+          <p:nvSpPr>
+            <p:cNvPr id="130" name="Rectangle 129">
+              <a:extLst>
+                <a:ext uri="{FF2B5EF4-FFF2-40B4-BE49-F238E27FC236}">
+                  <a16:creationId xmlns:a16="http://schemas.microsoft.com/office/drawing/2014/main" id="{A6F286C8-977F-4DC5-B788-841EB16DC6EE}"/>
+                </a:ext>
+              </a:extLst>
+            </p:cNvPr>
+            <p:cNvSpPr/>
+            <p:nvPr/>
+          </p:nvSpPr>
+          <p:spPr>
+            <a:xfrm>
+              <a:off x="6996361" y="2840278"/>
+              <a:ext cx="1261884" cy="246221"/>
+            </a:xfrm>
+            <a:prstGeom prst="rect">
+              <a:avLst/>
+            </a:prstGeom>
+          </p:spPr>
+          <p:txBody>
+            <a:bodyPr wrap="none">
+              <a:spAutoFit/>
+            </a:bodyPr>
+            <a:lstStyle/>
+            <a:p>
+              <a:r>
+                <a:rPr lang="en-US" sz="1000" i="1" dirty="0">
+                  <a:solidFill>
+                    <a:srgbClr val="000000"/>
+                  </a:solidFill>
+                  <a:latin typeface="Courier New" panose="02070309020205020404" pitchFamily="49" charset="0"/>
+                </a:rPr>
+                <a:t>hidden layer 2</a:t>
+              </a:r>
+              <a:endParaRPr lang="en-US" sz="1000" i="1" dirty="0"/>
+            </a:p>
+          </p:txBody>
+        </p:sp>
+        <p:sp>
+          <p:nvSpPr>
+            <p:cNvPr id="131" name="Rectangle 130">
+              <a:extLst>
+                <a:ext uri="{FF2B5EF4-FFF2-40B4-BE49-F238E27FC236}">
+                  <a16:creationId xmlns:a16="http://schemas.microsoft.com/office/drawing/2014/main" id="{F0A6C768-A6E9-47B5-92E1-1392D139DED4}"/>
+                </a:ext>
+              </a:extLst>
+            </p:cNvPr>
+            <p:cNvSpPr/>
+            <p:nvPr/>
+          </p:nvSpPr>
+          <p:spPr>
+            <a:xfrm>
+              <a:off x="6996361" y="1383456"/>
+              <a:ext cx="1415772" cy="246221"/>
+            </a:xfrm>
+            <a:prstGeom prst="rect">
+              <a:avLst/>
+            </a:prstGeom>
+          </p:spPr>
+          <p:txBody>
+            <a:bodyPr wrap="none">
+              <a:spAutoFit/>
+            </a:bodyPr>
+            <a:lstStyle/>
+            <a:p>
+              <a:r>
+                <a:rPr lang="en-US" sz="1000" i="1" dirty="0">
+                  <a:solidFill>
+                    <a:srgbClr val="000000"/>
+                  </a:solidFill>
+                  <a:latin typeface="Courier New" panose="02070309020205020404" pitchFamily="49" charset="0"/>
+                </a:rPr>
+                <a:t>projection layer</a:t>
+              </a:r>
+              <a:endParaRPr lang="en-US" sz="1000" i="1" dirty="0"/>
+            </a:p>
+          </p:txBody>
+        </p:sp>
+        <p:sp>
+          <p:nvSpPr>
+            <p:cNvPr id="132" name="Rectangle 131">
+              <a:extLst>
+                <a:ext uri="{FF2B5EF4-FFF2-40B4-BE49-F238E27FC236}">
+                  <a16:creationId xmlns:a16="http://schemas.microsoft.com/office/drawing/2014/main" id="{CEE5A8A0-EBDF-4D85-AC18-B819A16489E2}"/>
+                </a:ext>
+              </a:extLst>
+            </p:cNvPr>
+            <p:cNvSpPr/>
+            <p:nvPr/>
+          </p:nvSpPr>
+          <p:spPr>
+            <a:xfrm>
+              <a:off x="6996361" y="834315"/>
+              <a:ext cx="954107" cy="246221"/>
+            </a:xfrm>
+            <a:prstGeom prst="rect">
+              <a:avLst/>
+            </a:prstGeom>
+          </p:spPr>
+          <p:txBody>
+            <a:bodyPr wrap="none">
+              <a:spAutoFit/>
+            </a:bodyPr>
+            <a:lstStyle/>
+            <a:p>
+              <a:r>
+                <a:rPr lang="en-US" sz="1000" i="1" dirty="0">
+                  <a:solidFill>
+                    <a:srgbClr val="000000"/>
+                  </a:solidFill>
+                  <a:latin typeface="Courier New" panose="02070309020205020404" pitchFamily="49" charset="0"/>
+                </a:rPr>
+                <a:t>loss layer</a:t>
+              </a:r>
+              <a:endParaRPr lang="en-US" sz="1000" i="1" dirty="0"/>
+            </a:p>
+          </p:txBody>
+        </p:sp>
+        <p:sp>
+          <p:nvSpPr>
+            <p:cNvPr id="133" name="Rectangle 132">
+              <a:extLst>
+                <a:ext uri="{FF2B5EF4-FFF2-40B4-BE49-F238E27FC236}">
+                  <a16:creationId xmlns:a16="http://schemas.microsoft.com/office/drawing/2014/main" id="{E38C658C-85F8-470C-81E0-5BF70DD65885}"/>
+                </a:ext>
+              </a:extLst>
+            </p:cNvPr>
+            <p:cNvSpPr/>
+            <p:nvPr/>
+          </p:nvSpPr>
+          <p:spPr>
+            <a:xfrm>
+              <a:off x="5209544" y="400270"/>
+              <a:ext cx="1646605" cy="246221"/>
+            </a:xfrm>
+            <a:prstGeom prst="rect">
+              <a:avLst/>
+            </a:prstGeom>
+          </p:spPr>
+          <p:txBody>
+            <a:bodyPr wrap="none">
+              <a:spAutoFit/>
+            </a:bodyPr>
+            <a:lstStyle/>
+            <a:p>
+              <a:r>
+                <a:rPr lang="en-US" sz="1000" i="1" dirty="0">
+                  <a:solidFill>
+                    <a:srgbClr val="000000"/>
+                  </a:solidFill>
+                  <a:latin typeface="Courier New" panose="02070309020205020404" pitchFamily="49" charset="0"/>
+                </a:rPr>
+                <a:t>target output words</a:t>
+              </a:r>
+              <a:endParaRPr lang="en-US" sz="1000" i="1" dirty="0"/>
+            </a:p>
+          </p:txBody>
+        </p:sp>
+        <p:cxnSp>
+          <p:nvCxnSpPr>
+            <p:cNvPr id="135" name="Straight Arrow Connector 134">
+              <a:extLst>
+                <a:ext uri="{FF2B5EF4-FFF2-40B4-BE49-F238E27FC236}">
+                  <a16:creationId xmlns:a16="http://schemas.microsoft.com/office/drawing/2014/main" id="{BA8AFEDB-FA94-45B1-B54A-01523208A88B}"/>
+                </a:ext>
+              </a:extLst>
+            </p:cNvPr>
+            <p:cNvCxnSpPr/>
+            <p:nvPr/>
+          </p:nvCxnSpPr>
+          <p:spPr>
+            <a:xfrm>
+              <a:off x="5136651" y="703641"/>
+              <a:ext cx="1786173" cy="0"/>
+            </a:xfrm>
+            <a:prstGeom prst="straightConnector1">
+              <a:avLst/>
+            </a:prstGeom>
+            <a:ln>
+              <a:headEnd type="triangle"/>
+              <a:tailEnd type="triangle"/>
+            </a:ln>
+          </p:spPr>
+          <p:style>
+            <a:lnRef idx="1">
+              <a:schemeClr val="dk1"/>
+            </a:lnRef>
+            <a:fillRef idx="0">
+              <a:schemeClr val="dk1"/>
+            </a:fillRef>
+            <a:effectRef idx="0">
+              <a:schemeClr val="dk1"/>
+            </a:effectRef>
+            <a:fontRef idx="minor">
+              <a:schemeClr val="tx1"/>
+            </a:fontRef>
+          </p:style>
+        </p:cxnSp>
+        <p:sp>
+          <p:nvSpPr>
+            <p:cNvPr id="136" name="Left Brace 135">
+              <a:extLst>
+                <a:ext uri="{FF2B5EF4-FFF2-40B4-BE49-F238E27FC236}">
+                  <a16:creationId xmlns:a16="http://schemas.microsoft.com/office/drawing/2014/main" id="{6B6DCA73-E2F8-497B-BEF3-E55EA9BB66B3}"/>
+                </a:ext>
+              </a:extLst>
+            </p:cNvPr>
+            <p:cNvSpPr/>
+            <p:nvPr/>
+          </p:nvSpPr>
+          <p:spPr>
+            <a:xfrm rot="16200000">
+              <a:off x="3961732" y="4971996"/>
+              <a:ext cx="188413" cy="1796771"/>
+            </a:xfrm>
+            <a:prstGeom prst="leftBrace">
+              <a:avLst/>
+            </a:prstGeom>
+            <a:ln w="12700"/>
+          </p:spPr>
+          <p:style>
+            <a:lnRef idx="1">
+              <a:schemeClr val="dk1"/>
+            </a:lnRef>
+            <a:fillRef idx="0">
+              <a:schemeClr val="dk1"/>
+            </a:fillRef>
+            <a:effectRef idx="0">
+              <a:schemeClr val="dk1"/>
+            </a:effectRef>
+            <a:fontRef idx="minor">
+              <a:schemeClr val="tx1"/>
+            </a:fontRef>
+          </p:style>
+          <p:txBody>
+            <a:bodyPr rtlCol="0" anchor="ctr"/>
+            <a:lstStyle/>
+            <a:p>
+              <a:pPr algn="ctr"/>
+              <a:endParaRPr lang="en-US"/>
+            </a:p>
+          </p:txBody>
+        </p:sp>
+        <p:sp>
+          <p:nvSpPr>
+            <p:cNvPr id="137" name="Left Brace 136">
+              <a:extLst>
+                <a:ext uri="{FF2B5EF4-FFF2-40B4-BE49-F238E27FC236}">
+                  <a16:creationId xmlns:a16="http://schemas.microsoft.com/office/drawing/2014/main" id="{3F901B4D-B99F-4149-B96E-717A3A1E6B5F}"/>
+                </a:ext>
+              </a:extLst>
+            </p:cNvPr>
+            <p:cNvSpPr/>
+            <p:nvPr/>
+          </p:nvSpPr>
+          <p:spPr>
+            <a:xfrm rot="16200000">
+              <a:off x="6057232" y="4971996"/>
+              <a:ext cx="188413" cy="1796771"/>
+            </a:xfrm>
+            <a:prstGeom prst="leftBrace">
+              <a:avLst/>
+            </a:prstGeom>
+            <a:ln w="12700"/>
+          </p:spPr>
+          <p:style>
+            <a:lnRef idx="1">
+              <a:schemeClr val="dk1"/>
+            </a:lnRef>
+            <a:fillRef idx="0">
+              <a:schemeClr val="dk1"/>
+            </a:fillRef>
+            <a:effectRef idx="0">
+              <a:schemeClr val="dk1"/>
+            </a:effectRef>
+            <a:fontRef idx="minor">
+              <a:schemeClr val="tx1"/>
+            </a:fontRef>
+          </p:style>
+          <p:txBody>
+            <a:bodyPr rtlCol="0" anchor="ctr"/>
+            <a:lstStyle/>
+            <a:p>
+              <a:pPr algn="ctr"/>
+              <a:endParaRPr lang="en-US"/>
+            </a:p>
+          </p:txBody>
+        </p:sp>
+        <p:sp>
+          <p:nvSpPr>
+            <p:cNvPr id="138" name="Rectangle 137">
+              <a:extLst>
+                <a:ext uri="{FF2B5EF4-FFF2-40B4-BE49-F238E27FC236}">
+                  <a16:creationId xmlns:a16="http://schemas.microsoft.com/office/drawing/2014/main" id="{F4A0CEB0-1B71-40B3-BB78-F7F72ED6B2F6}"/>
+                </a:ext>
+              </a:extLst>
+            </p:cNvPr>
+            <p:cNvSpPr/>
+            <p:nvPr/>
+          </p:nvSpPr>
+          <p:spPr>
+            <a:xfrm>
+              <a:off x="3649280" y="6039898"/>
+              <a:ext cx="800219" cy="246221"/>
+            </a:xfrm>
+            <a:prstGeom prst="rect">
+              <a:avLst/>
+            </a:prstGeom>
+          </p:spPr>
+          <p:txBody>
+            <a:bodyPr wrap="none">
+              <a:spAutoFit/>
+            </a:bodyPr>
+            <a:lstStyle/>
+            <a:p>
+              <a:r>
+                <a:rPr lang="en-US" sz="1000" b="1" dirty="0">
+                  <a:solidFill>
+                    <a:srgbClr val="000000"/>
+                  </a:solidFill>
+                  <a:latin typeface="Courier New" panose="02070309020205020404" pitchFamily="49" charset="0"/>
+                </a:rPr>
+                <a:t>encoding</a:t>
+              </a:r>
+              <a:endParaRPr lang="en-US" sz="1000" b="1" dirty="0"/>
+            </a:p>
+          </p:txBody>
+        </p:sp>
+        <p:sp>
+          <p:nvSpPr>
+            <p:cNvPr id="139" name="Rectangle 138">
+              <a:extLst>
+                <a:ext uri="{FF2B5EF4-FFF2-40B4-BE49-F238E27FC236}">
+                  <a16:creationId xmlns:a16="http://schemas.microsoft.com/office/drawing/2014/main" id="{7B8E31BD-FC27-414B-9272-D53A3F55CEF0}"/>
+                </a:ext>
+              </a:extLst>
+            </p:cNvPr>
+            <p:cNvSpPr/>
+            <p:nvPr/>
+          </p:nvSpPr>
+          <p:spPr>
+            <a:xfrm>
+              <a:off x="5757482" y="6057138"/>
+              <a:ext cx="800219" cy="246221"/>
+            </a:xfrm>
+            <a:prstGeom prst="rect">
+              <a:avLst/>
+            </a:prstGeom>
+          </p:spPr>
+          <p:txBody>
+            <a:bodyPr wrap="none">
+              <a:spAutoFit/>
+            </a:bodyPr>
+            <a:lstStyle/>
+            <a:p>
+              <a:r>
+                <a:rPr lang="en-US" sz="1000" b="1" dirty="0">
+                  <a:solidFill>
+                    <a:srgbClr val="000000"/>
+                  </a:solidFill>
+                  <a:latin typeface="Courier New" panose="02070309020205020404" pitchFamily="49" charset="0"/>
+                </a:rPr>
+                <a:t>decoding</a:t>
+              </a:r>
+              <a:endParaRPr lang="en-US" sz="1000" b="1" dirty="0"/>
+            </a:p>
+          </p:txBody>
+        </p:sp>
+        <p:sp>
+          <p:nvSpPr>
+            <p:cNvPr id="142" name="Rectangle 141">
+              <a:extLst>
+                <a:ext uri="{FF2B5EF4-FFF2-40B4-BE49-F238E27FC236}">
+                  <a16:creationId xmlns:a16="http://schemas.microsoft.com/office/drawing/2014/main" id="{46CF4006-D342-45FC-BB68-6251FB37817A}"/>
+                </a:ext>
+              </a:extLst>
+            </p:cNvPr>
+            <p:cNvSpPr/>
+            <p:nvPr/>
+          </p:nvSpPr>
+          <p:spPr>
+            <a:xfrm>
+              <a:off x="2396051" y="63501"/>
+              <a:ext cx="6433693" cy="6318250"/>
+            </a:xfrm>
+            <a:prstGeom prst="rect">
+              <a:avLst/>
+            </a:prstGeom>
+            <a:noFill/>
+          </p:spPr>
+          <p:style>
+            <a:lnRef idx="2">
+              <a:schemeClr val="accent1"/>
+            </a:lnRef>
+            <a:fillRef idx="1">
+              <a:schemeClr val="lt1"/>
+            </a:fillRef>
+            <a:effectRef idx="0">
+              <a:schemeClr val="accent1"/>
+            </a:effectRef>
+            <a:fontRef idx="minor">
+              <a:schemeClr val="dk1"/>
+            </a:fontRef>
+          </p:style>
+          <p:txBody>
+            <a:bodyPr rtlCol="0" anchor="ctr"/>
+            <a:lstStyle/>
+            <a:p>
+              <a:pPr algn="ctr"/>
+              <a:endParaRPr lang="en-US"/>
+            </a:p>
+          </p:txBody>
+        </p:sp>
+        <p:sp>
+          <p:nvSpPr>
+            <p:cNvPr id="143" name="TextBox 142">
+              <a:extLst>
+                <a:ext uri="{FF2B5EF4-FFF2-40B4-BE49-F238E27FC236}">
+                  <a16:creationId xmlns:a16="http://schemas.microsoft.com/office/drawing/2014/main" id="{C58406D8-E68D-4F35-924E-DC3B1FCBB502}"/>
+                </a:ext>
+              </a:extLst>
+            </p:cNvPr>
+            <p:cNvSpPr txBox="1"/>
+            <p:nvPr/>
+          </p:nvSpPr>
+          <p:spPr>
+            <a:xfrm>
+              <a:off x="4385246" y="91080"/>
+              <a:ext cx="2189654" cy="369332"/>
+            </a:xfrm>
+            <a:prstGeom prst="rect">
+              <a:avLst/>
+            </a:prstGeom>
+            <a:noFill/>
+          </p:spPr>
+          <p:txBody>
+            <a:bodyPr wrap="square" rtlCol="0">
+              <a:spAutoFit/>
+            </a:bodyPr>
+            <a:lstStyle/>
+            <a:p>
+              <a:r>
+                <a:rPr lang="en-US" dirty="0"/>
+                <a:t>Seq-to-Seq Model</a:t>
+              </a:r>
+            </a:p>
+          </p:txBody>
+        </p:sp>
+        <p:sp>
+          <p:nvSpPr>
+            <p:cNvPr id="134" name="Rectangle 133">
+              <a:extLst>
+                <a:ext uri="{FF2B5EF4-FFF2-40B4-BE49-F238E27FC236}">
+                  <a16:creationId xmlns:a16="http://schemas.microsoft.com/office/drawing/2014/main" id="{DE838D7D-6CB3-442C-A90C-C36989702F18}"/>
+                </a:ext>
+              </a:extLst>
+            </p:cNvPr>
+            <p:cNvSpPr/>
+            <p:nvPr/>
+          </p:nvSpPr>
+          <p:spPr>
+            <a:xfrm>
+              <a:off x="3964190" y="1733737"/>
+              <a:ext cx="133350" cy="448036"/>
+            </a:xfrm>
+            <a:prstGeom prst="rect">
+              <a:avLst/>
+            </a:prstGeom>
+          </p:spPr>
+          <p:style>
+            <a:lnRef idx="1">
+              <a:schemeClr val="accent3"/>
+            </a:lnRef>
+            <a:fillRef idx="2">
+              <a:schemeClr val="accent3"/>
+            </a:fillRef>
+            <a:effectRef idx="1">
+              <a:schemeClr val="accent3"/>
+            </a:effectRef>
+            <a:fontRef idx="minor">
+              <a:schemeClr val="dk1"/>
+            </a:fontRef>
+          </p:style>
+          <p:txBody>
+            <a:bodyPr rtlCol="0" anchor="ctr"/>
+            <a:lstStyle/>
+            <a:p>
+              <a:pPr algn="ctr"/>
+              <a:endParaRPr lang="en-US"/>
+            </a:p>
+          </p:txBody>
+        </p:sp>
+        <p:sp>
+          <p:nvSpPr>
+            <p:cNvPr id="3" name="Oval 2">
+              <a:extLst>
+                <a:ext uri="{FF2B5EF4-FFF2-40B4-BE49-F238E27FC236}">
+                  <a16:creationId xmlns:a16="http://schemas.microsoft.com/office/drawing/2014/main" id="{684D1A73-83AA-4189-BFB1-6A033DB2B53A}"/>
+                </a:ext>
+              </a:extLst>
+            </p:cNvPr>
+            <p:cNvSpPr/>
+            <p:nvPr/>
+          </p:nvSpPr>
+          <p:spPr>
+            <a:xfrm>
+              <a:off x="3033747" y="2348540"/>
+              <a:ext cx="310554" cy="304799"/>
+            </a:xfrm>
+            <a:prstGeom prst="ellipse">
+              <a:avLst/>
+            </a:prstGeom>
+            <a:ln w="19050"/>
+          </p:spPr>
+          <p:style>
+            <a:lnRef idx="2">
+              <a:schemeClr val="accent3"/>
+            </a:lnRef>
+            <a:fillRef idx="1">
+              <a:schemeClr val="lt1"/>
+            </a:fillRef>
+            <a:effectRef idx="0">
+              <a:schemeClr val="accent3"/>
+            </a:effectRef>
+            <a:fontRef idx="minor">
+              <a:schemeClr val="dk1"/>
+            </a:fontRef>
+          </p:style>
+          <p:txBody>
+            <a:bodyPr vert="horz" lIns="0" tIns="0" rIns="0" bIns="0" rtlCol="0" anchor="ctr">
+              <a:noAutofit/>
+            </a:bodyPr>
+            <a:lstStyle/>
+            <a:p>
+              <a:pPr algn="ctr"/>
+              <a:r>
+                <a:rPr lang="en-US" sz="900" kern="900" dirty="0"/>
+                <a:t>0.3</a:t>
+              </a:r>
+            </a:p>
+          </p:txBody>
+        </p:sp>
+        <p:sp>
+          <p:nvSpPr>
+            <p:cNvPr id="141" name="Oval 140">
+              <a:extLst>
+                <a:ext uri="{FF2B5EF4-FFF2-40B4-BE49-F238E27FC236}">
+                  <a16:creationId xmlns:a16="http://schemas.microsoft.com/office/drawing/2014/main" id="{2C24AA7E-25C9-4ED3-9C2C-874E1383EDCF}"/>
+                </a:ext>
+              </a:extLst>
+            </p:cNvPr>
+            <p:cNvSpPr/>
+            <p:nvPr/>
+          </p:nvSpPr>
+          <p:spPr>
+            <a:xfrm>
+              <a:off x="3408957" y="2348540"/>
+              <a:ext cx="310554" cy="304799"/>
+            </a:xfrm>
+            <a:prstGeom prst="ellipse">
+              <a:avLst/>
+            </a:prstGeom>
+            <a:ln w="19050"/>
+          </p:spPr>
+          <p:style>
+            <a:lnRef idx="2">
+              <a:schemeClr val="accent3"/>
+            </a:lnRef>
+            <a:fillRef idx="1">
+              <a:schemeClr val="lt1"/>
+            </a:fillRef>
+            <a:effectRef idx="0">
+              <a:schemeClr val="accent3"/>
+            </a:effectRef>
+            <a:fontRef idx="minor">
+              <a:schemeClr val="dk1"/>
+            </a:fontRef>
+          </p:style>
+          <p:txBody>
+            <a:bodyPr vert="horz" lIns="0" tIns="0" rIns="0" bIns="0" rtlCol="0" anchor="ctr">
+              <a:noAutofit/>
+            </a:bodyPr>
+            <a:lstStyle/>
+            <a:p>
+              <a:pPr algn="ctr"/>
+              <a:r>
+                <a:rPr lang="en-US" sz="900" kern="900" dirty="0"/>
+                <a:t>0.2</a:t>
+              </a:r>
+            </a:p>
+          </p:txBody>
+        </p:sp>
+        <p:sp>
+          <p:nvSpPr>
+            <p:cNvPr id="145" name="Oval 144">
+              <a:extLst>
+                <a:ext uri="{FF2B5EF4-FFF2-40B4-BE49-F238E27FC236}">
+                  <a16:creationId xmlns:a16="http://schemas.microsoft.com/office/drawing/2014/main" id="{0D933B6A-02AC-4A6C-A57C-12229124B933}"/>
+                </a:ext>
+              </a:extLst>
+            </p:cNvPr>
+            <p:cNvSpPr/>
+            <p:nvPr/>
+          </p:nvSpPr>
+          <p:spPr>
+            <a:xfrm>
+              <a:off x="3799117" y="2348540"/>
+              <a:ext cx="310554" cy="304799"/>
+            </a:xfrm>
+            <a:prstGeom prst="ellipse">
+              <a:avLst/>
+            </a:prstGeom>
+            <a:ln w="19050"/>
+          </p:spPr>
+          <p:style>
+            <a:lnRef idx="2">
+              <a:schemeClr val="accent3"/>
+            </a:lnRef>
+            <a:fillRef idx="1">
+              <a:schemeClr val="lt1"/>
+            </a:fillRef>
+            <a:effectRef idx="0">
+              <a:schemeClr val="accent3"/>
+            </a:effectRef>
+            <a:fontRef idx="minor">
+              <a:schemeClr val="dk1"/>
+            </a:fontRef>
+          </p:style>
+          <p:txBody>
+            <a:bodyPr vert="horz" lIns="0" tIns="0" rIns="0" bIns="0" rtlCol="0" anchor="ctr">
+              <a:noAutofit/>
+            </a:bodyPr>
+            <a:lstStyle/>
+            <a:p>
+              <a:pPr algn="ctr"/>
+              <a:r>
+                <a:rPr lang="en-US" sz="900" kern="900" dirty="0"/>
+                <a:t>0.1</a:t>
+              </a:r>
+            </a:p>
+          </p:txBody>
+        </p:sp>
+        <p:sp>
+          <p:nvSpPr>
+            <p:cNvPr id="148" name="Oval 147">
+              <a:extLst>
+                <a:ext uri="{FF2B5EF4-FFF2-40B4-BE49-F238E27FC236}">
+                  <a16:creationId xmlns:a16="http://schemas.microsoft.com/office/drawing/2014/main" id="{4CAA3236-8C30-41B0-8A18-44068ABF84E5}"/>
+                </a:ext>
+              </a:extLst>
+            </p:cNvPr>
+            <p:cNvSpPr/>
+            <p:nvPr/>
+          </p:nvSpPr>
+          <p:spPr>
+            <a:xfrm>
+              <a:off x="4297535" y="2348540"/>
+              <a:ext cx="310554" cy="304799"/>
+            </a:xfrm>
+            <a:prstGeom prst="ellipse">
+              <a:avLst/>
+            </a:prstGeom>
+            <a:ln w="19050"/>
+          </p:spPr>
+          <p:style>
+            <a:lnRef idx="2">
+              <a:schemeClr val="accent3"/>
+            </a:lnRef>
+            <a:fillRef idx="1">
+              <a:schemeClr val="lt1"/>
+            </a:fillRef>
+            <a:effectRef idx="0">
+              <a:schemeClr val="accent3"/>
+            </a:effectRef>
+            <a:fontRef idx="minor">
+              <a:schemeClr val="dk1"/>
+            </a:fontRef>
+          </p:style>
+          <p:txBody>
+            <a:bodyPr vert="horz" lIns="0" tIns="0" rIns="0" bIns="0" rtlCol="0" anchor="ctr">
+              <a:noAutofit/>
+            </a:bodyPr>
+            <a:lstStyle/>
+            <a:p>
+              <a:pPr algn="ctr"/>
+              <a:r>
+                <a:rPr lang="en-US" sz="900" kern="900" dirty="0"/>
+                <a:t>0.1</a:t>
+              </a:r>
+            </a:p>
+          </p:txBody>
+        </p:sp>
+        <p:sp>
+          <p:nvSpPr>
+            <p:cNvPr id="150" name="Oval 149">
+              <a:extLst>
+                <a:ext uri="{FF2B5EF4-FFF2-40B4-BE49-F238E27FC236}">
+                  <a16:creationId xmlns:a16="http://schemas.microsoft.com/office/drawing/2014/main" id="{EF06C3E9-AE5E-4C62-BDE4-88B1E0919BF8}"/>
+                </a:ext>
+              </a:extLst>
+            </p:cNvPr>
+            <p:cNvSpPr/>
+            <p:nvPr/>
+          </p:nvSpPr>
+          <p:spPr>
+            <a:xfrm>
+              <a:off x="4664706" y="2348540"/>
+              <a:ext cx="310554" cy="304799"/>
+            </a:xfrm>
+            <a:prstGeom prst="ellipse">
+              <a:avLst/>
+            </a:prstGeom>
+            <a:ln w="19050"/>
+          </p:spPr>
+          <p:style>
+            <a:lnRef idx="2">
+              <a:schemeClr val="accent3"/>
+            </a:lnRef>
+            <a:fillRef idx="1">
+              <a:schemeClr val="lt1"/>
+            </a:fillRef>
+            <a:effectRef idx="0">
+              <a:schemeClr val="accent3"/>
+            </a:effectRef>
+            <a:fontRef idx="minor">
+              <a:schemeClr val="dk1"/>
+            </a:fontRef>
+          </p:style>
+          <p:txBody>
+            <a:bodyPr vert="horz" lIns="0" tIns="0" rIns="0" bIns="0" rtlCol="0" anchor="ctr">
+              <a:noAutofit/>
+            </a:bodyPr>
+            <a:lstStyle/>
+            <a:p>
+              <a:pPr algn="ctr"/>
+              <a:r>
+                <a:rPr lang="en-US" sz="900" kern="900" dirty="0"/>
+                <a:t>0.1</a:t>
+              </a:r>
+            </a:p>
+          </p:txBody>
+        </p:sp>
+        <p:sp>
+          <p:nvSpPr>
+            <p:cNvPr id="151" name="TextBox 150">
+              <a:extLst>
+                <a:ext uri="{FF2B5EF4-FFF2-40B4-BE49-F238E27FC236}">
+                  <a16:creationId xmlns:a16="http://schemas.microsoft.com/office/drawing/2014/main" id="{841F0ACD-834F-4960-BA69-D6340F288EE9}"/>
+                </a:ext>
+              </a:extLst>
+            </p:cNvPr>
+            <p:cNvSpPr txBox="1"/>
+            <p:nvPr/>
+          </p:nvSpPr>
+          <p:spPr>
+            <a:xfrm>
+              <a:off x="4018624" y="2297505"/>
+              <a:ext cx="523878" cy="369332"/>
+            </a:xfrm>
+            <a:prstGeom prst="rect">
+              <a:avLst/>
+            </a:prstGeom>
+            <a:noFill/>
+          </p:spPr>
+          <p:txBody>
+            <a:bodyPr wrap="square" rtlCol="0">
+              <a:spAutoFit/>
+            </a:bodyPr>
+            <a:lstStyle/>
+            <a:p>
+              <a:r>
+                <a:rPr lang="en-US" dirty="0"/>
+                <a:t>...</a:t>
+              </a:r>
+            </a:p>
+          </p:txBody>
+        </p:sp>
+        <p:sp>
+          <p:nvSpPr>
+            <p:cNvPr id="152" name="Rectangle 151">
+              <a:extLst>
+                <a:ext uri="{FF2B5EF4-FFF2-40B4-BE49-F238E27FC236}">
+                  <a16:creationId xmlns:a16="http://schemas.microsoft.com/office/drawing/2014/main" id="{DF592222-4F80-42D8-B5F3-1256FB784142}"/>
+                </a:ext>
+              </a:extLst>
+            </p:cNvPr>
+            <p:cNvSpPr/>
+            <p:nvPr/>
+          </p:nvSpPr>
+          <p:spPr>
+            <a:xfrm>
+              <a:off x="2381134" y="2162146"/>
+              <a:ext cx="1105544" cy="400110"/>
+            </a:xfrm>
+            <a:prstGeom prst="rect">
+              <a:avLst/>
+            </a:prstGeom>
+          </p:spPr>
+          <p:txBody>
+            <a:bodyPr wrap="square">
+              <a:spAutoFit/>
+            </a:bodyPr>
+            <a:lstStyle/>
+            <a:p>
+              <a:r>
+                <a:rPr lang="en-US" sz="1000" i="1" dirty="0">
+                  <a:solidFill>
+                    <a:srgbClr val="000000"/>
+                  </a:solidFill>
+                  <a:latin typeface="Courier New" panose="02070309020205020404" pitchFamily="49" charset="0"/>
+                </a:rPr>
+                <a:t>Attention weights</a:t>
+              </a:r>
+              <a:endParaRPr lang="en-US" sz="1000" i="1" dirty="0"/>
+            </a:p>
+          </p:txBody>
+        </p:sp>
+        <p:sp>
+          <p:nvSpPr>
+            <p:cNvPr id="153" name="Rectangle 152">
+              <a:extLst>
+                <a:ext uri="{FF2B5EF4-FFF2-40B4-BE49-F238E27FC236}">
+                  <a16:creationId xmlns:a16="http://schemas.microsoft.com/office/drawing/2014/main" id="{87EE8640-B97C-4A38-A409-172FD03FDAC7}"/>
+                </a:ext>
+              </a:extLst>
+            </p:cNvPr>
+            <p:cNvSpPr/>
+            <p:nvPr/>
+          </p:nvSpPr>
+          <p:spPr>
+            <a:xfrm>
+              <a:off x="3067599" y="1668124"/>
+              <a:ext cx="795855" cy="400110"/>
+            </a:xfrm>
+            <a:prstGeom prst="rect">
+              <a:avLst/>
+            </a:prstGeom>
+          </p:spPr>
+          <p:txBody>
+            <a:bodyPr wrap="square">
+              <a:spAutoFit/>
+            </a:bodyPr>
+            <a:lstStyle/>
+            <a:p>
+              <a:r>
+                <a:rPr lang="en-US" sz="1000" i="1" dirty="0">
+                  <a:solidFill>
+                    <a:srgbClr val="000000"/>
+                  </a:solidFill>
+                  <a:latin typeface="Courier New" panose="02070309020205020404" pitchFamily="49" charset="0"/>
+                </a:rPr>
+                <a:t>Context vector</a:t>
+              </a:r>
+              <a:endParaRPr lang="en-US" sz="1000" i="1" dirty="0"/>
+            </a:p>
+          </p:txBody>
+        </p:sp>
+        <p:cxnSp>
+          <p:nvCxnSpPr>
+            <p:cNvPr id="154" name="Straight Arrow Connector 153">
+              <a:extLst>
+                <a:ext uri="{FF2B5EF4-FFF2-40B4-BE49-F238E27FC236}">
+                  <a16:creationId xmlns:a16="http://schemas.microsoft.com/office/drawing/2014/main" id="{22B1CECD-4B25-4340-B783-976CB37C22BA}"/>
+                </a:ext>
+              </a:extLst>
+            </p:cNvPr>
+            <p:cNvCxnSpPr>
+              <a:cxnSpLocks/>
+            </p:cNvCxnSpPr>
+            <p:nvPr/>
+          </p:nvCxnSpPr>
+          <p:spPr>
+            <a:xfrm flipV="1">
+              <a:off x="3228413" y="2162146"/>
+              <a:ext cx="635041" cy="187210"/>
+            </a:xfrm>
+            <a:prstGeom prst="straightConnector1">
+              <a:avLst/>
+            </a:prstGeom>
+            <a:ln w="9525" cap="flat" cmpd="sng" algn="ctr">
+              <a:solidFill>
+                <a:schemeClr val="accent3"/>
+              </a:solidFill>
+              <a:prstDash val="dash"/>
+              <a:round/>
+              <a:headEnd type="none" w="med" len="med"/>
+              <a:tailEnd type="arrow" w="med" len="med"/>
+            </a:ln>
+          </p:spPr>
+          <p:style>
+            <a:lnRef idx="0">
+              <a:scrgbClr r="0" g="0" b="0"/>
+            </a:lnRef>
+            <a:fillRef idx="0">
+              <a:scrgbClr r="0" g="0" b="0"/>
+            </a:fillRef>
+            <a:effectRef idx="0">
+              <a:scrgbClr r="0" g="0" b="0"/>
+            </a:effectRef>
+            <a:fontRef idx="minor">
+              <a:schemeClr val="tx1"/>
+            </a:fontRef>
+          </p:style>
+        </p:cxnSp>
+        <p:cxnSp>
+          <p:nvCxnSpPr>
+            <p:cNvPr id="155" name="Straight Arrow Connector 154">
+              <a:extLst>
+                <a:ext uri="{FF2B5EF4-FFF2-40B4-BE49-F238E27FC236}">
+                  <a16:creationId xmlns:a16="http://schemas.microsoft.com/office/drawing/2014/main" id="{81CC8660-BACF-4915-AADD-DF083456D2DC}"/>
+                </a:ext>
+              </a:extLst>
+            </p:cNvPr>
+            <p:cNvCxnSpPr>
+              <a:cxnSpLocks/>
+              <a:stCxn id="141" idx="0"/>
+              <a:endCxn id="134" idx="2"/>
+            </p:cNvCxnSpPr>
+            <p:nvPr/>
+          </p:nvCxnSpPr>
+          <p:spPr>
+            <a:xfrm flipV="1">
+              <a:off x="3564234" y="2181773"/>
+              <a:ext cx="466631" cy="166767"/>
+            </a:xfrm>
+            <a:prstGeom prst="straightConnector1">
+              <a:avLst/>
+            </a:prstGeom>
+            <a:ln w="9525" cap="flat" cmpd="sng" algn="ctr">
+              <a:solidFill>
+                <a:schemeClr val="accent3"/>
+              </a:solidFill>
+              <a:prstDash val="dash"/>
+              <a:round/>
+              <a:headEnd type="none" w="med" len="med"/>
+              <a:tailEnd type="arrow" w="med" len="med"/>
+            </a:ln>
+          </p:spPr>
+          <p:style>
+            <a:lnRef idx="0">
+              <a:scrgbClr r="0" g="0" b="0"/>
+            </a:lnRef>
+            <a:fillRef idx="0">
+              <a:scrgbClr r="0" g="0" b="0"/>
+            </a:fillRef>
+            <a:effectRef idx="0">
+              <a:scrgbClr r="0" g="0" b="0"/>
+            </a:effectRef>
+            <a:fontRef idx="minor">
+              <a:schemeClr val="tx1"/>
+            </a:fontRef>
+          </p:style>
+        </p:cxnSp>
+        <p:cxnSp>
+          <p:nvCxnSpPr>
+            <p:cNvPr id="156" name="Straight Arrow Connector 155">
+              <a:extLst>
+                <a:ext uri="{FF2B5EF4-FFF2-40B4-BE49-F238E27FC236}">
+                  <a16:creationId xmlns:a16="http://schemas.microsoft.com/office/drawing/2014/main" id="{C2F066D0-01D8-4891-8AFB-E34961DE53DE}"/>
+                </a:ext>
+              </a:extLst>
+            </p:cNvPr>
+            <p:cNvCxnSpPr>
+              <a:cxnSpLocks/>
+              <a:stCxn id="145" idx="0"/>
+              <a:endCxn id="134" idx="2"/>
+            </p:cNvCxnSpPr>
+            <p:nvPr/>
+          </p:nvCxnSpPr>
+          <p:spPr>
+            <a:xfrm flipV="1">
+              <a:off x="3954394" y="2181773"/>
+              <a:ext cx="76471" cy="166767"/>
+            </a:xfrm>
+            <a:prstGeom prst="straightConnector1">
+              <a:avLst/>
+            </a:prstGeom>
+            <a:ln w="9525" cap="flat" cmpd="sng" algn="ctr">
+              <a:solidFill>
+                <a:schemeClr val="accent3"/>
+              </a:solidFill>
+              <a:prstDash val="dash"/>
+              <a:round/>
+              <a:headEnd type="none" w="med" len="med"/>
+              <a:tailEnd type="arrow" w="med" len="med"/>
+            </a:ln>
+          </p:spPr>
+          <p:style>
+            <a:lnRef idx="0">
+              <a:scrgbClr r="0" g="0" b="0"/>
+            </a:lnRef>
+            <a:fillRef idx="0">
+              <a:scrgbClr r="0" g="0" b="0"/>
+            </a:fillRef>
+            <a:effectRef idx="0">
+              <a:scrgbClr r="0" g="0" b="0"/>
+            </a:effectRef>
+            <a:fontRef idx="minor">
+              <a:schemeClr val="tx1"/>
+            </a:fontRef>
+          </p:style>
+        </p:cxnSp>
+        <p:cxnSp>
+          <p:nvCxnSpPr>
+            <p:cNvPr id="157" name="Straight Arrow Connector 156">
+              <a:extLst>
+                <a:ext uri="{FF2B5EF4-FFF2-40B4-BE49-F238E27FC236}">
+                  <a16:creationId xmlns:a16="http://schemas.microsoft.com/office/drawing/2014/main" id="{70A56139-844F-47E0-9805-FC90D2209E51}"/>
+                </a:ext>
+              </a:extLst>
+            </p:cNvPr>
+            <p:cNvCxnSpPr>
+              <a:cxnSpLocks/>
+            </p:cNvCxnSpPr>
+            <p:nvPr/>
+          </p:nvCxnSpPr>
+          <p:spPr>
+            <a:xfrm flipH="1" flipV="1">
+              <a:off x="4124948" y="2093035"/>
+              <a:ext cx="317611" cy="269928"/>
+            </a:xfrm>
+            <a:prstGeom prst="straightConnector1">
+              <a:avLst/>
+            </a:prstGeom>
+            <a:ln w="9525" cap="flat" cmpd="sng" algn="ctr">
+              <a:solidFill>
+                <a:schemeClr val="accent3"/>
+              </a:solidFill>
+              <a:prstDash val="dash"/>
+              <a:round/>
+              <a:headEnd type="none" w="med" len="med"/>
+              <a:tailEnd type="arrow" w="med" len="med"/>
+            </a:ln>
+          </p:spPr>
+          <p:style>
+            <a:lnRef idx="0">
+              <a:scrgbClr r="0" g="0" b="0"/>
+            </a:lnRef>
+            <a:fillRef idx="0">
+              <a:scrgbClr r="0" g="0" b="0"/>
+            </a:fillRef>
+            <a:effectRef idx="0">
+              <a:scrgbClr r="0" g="0" b="0"/>
+            </a:effectRef>
+            <a:fontRef idx="minor">
+              <a:schemeClr val="tx1"/>
+            </a:fontRef>
+          </p:style>
+        </p:cxnSp>
+        <p:cxnSp>
+          <p:nvCxnSpPr>
+            <p:cNvPr id="158" name="Straight Arrow Connector 157">
+              <a:extLst>
+                <a:ext uri="{FF2B5EF4-FFF2-40B4-BE49-F238E27FC236}">
+                  <a16:creationId xmlns:a16="http://schemas.microsoft.com/office/drawing/2014/main" id="{4AD0AE1F-E692-4E0D-8044-8046DAED4710}"/>
+                </a:ext>
+              </a:extLst>
+            </p:cNvPr>
+            <p:cNvCxnSpPr>
+              <a:cxnSpLocks/>
+              <a:stCxn id="150" idx="0"/>
+            </p:cNvCxnSpPr>
+            <p:nvPr/>
+          </p:nvCxnSpPr>
+          <p:spPr>
+            <a:xfrm flipH="1" flipV="1">
+              <a:off x="4162107" y="2117066"/>
+              <a:ext cx="657876" cy="231474"/>
+            </a:xfrm>
+            <a:prstGeom prst="straightConnector1">
+              <a:avLst/>
+            </a:prstGeom>
+            <a:ln w="9525" cap="flat" cmpd="sng" algn="ctr">
+              <a:solidFill>
+                <a:schemeClr val="accent3"/>
+              </a:solidFill>
+              <a:prstDash val="dash"/>
+              <a:round/>
+              <a:headEnd type="none" w="med" len="med"/>
+              <a:tailEnd type="arrow" w="med" len="med"/>
+            </a:ln>
+          </p:spPr>
+          <p:style>
+            <a:lnRef idx="0">
+              <a:scrgbClr r="0" g="0" b="0"/>
+            </a:lnRef>
+            <a:fillRef idx="0">
+              <a:scrgbClr r="0" g="0" b="0"/>
+            </a:fillRef>
+            <a:effectRef idx="0">
+              <a:scrgbClr r="0" g="0" b="0"/>
+            </a:effectRef>
+            <a:fontRef idx="minor">
+              <a:schemeClr val="tx1"/>
+            </a:fontRef>
+          </p:style>
+        </p:cxnSp>
+        <p:cxnSp>
+          <p:nvCxnSpPr>
+            <p:cNvPr id="159" name="Straight Arrow Connector 158">
+              <a:extLst>
+                <a:ext uri="{FF2B5EF4-FFF2-40B4-BE49-F238E27FC236}">
+                  <a16:creationId xmlns:a16="http://schemas.microsoft.com/office/drawing/2014/main" id="{2CC30E9E-6A82-4A3D-9E5B-178B1EC41B5E}"/>
+                </a:ext>
+              </a:extLst>
+            </p:cNvPr>
+            <p:cNvCxnSpPr>
+              <a:cxnSpLocks/>
+            </p:cNvCxnSpPr>
+            <p:nvPr/>
+          </p:nvCxnSpPr>
+          <p:spPr>
+            <a:xfrm flipV="1">
+              <a:off x="3191029" y="2639148"/>
+              <a:ext cx="0" cy="184109"/>
+            </a:xfrm>
+            <a:prstGeom prst="straightConnector1">
+              <a:avLst/>
+            </a:prstGeom>
+            <a:ln w="9525" cap="flat" cmpd="sng" algn="ctr">
+              <a:solidFill>
+                <a:schemeClr val="accent3"/>
+              </a:solidFill>
+              <a:prstDash val="dash"/>
+              <a:round/>
+              <a:headEnd type="none" w="med" len="med"/>
+              <a:tailEnd type="arrow" w="med" len="med"/>
+            </a:ln>
+          </p:spPr>
+          <p:style>
+            <a:lnRef idx="0">
+              <a:scrgbClr r="0" g="0" b="0"/>
+            </a:lnRef>
+            <a:fillRef idx="0">
+              <a:scrgbClr r="0" g="0" b="0"/>
+            </a:fillRef>
+            <a:effectRef idx="0">
+              <a:scrgbClr r="0" g="0" b="0"/>
+            </a:effectRef>
+            <a:fontRef idx="minor">
+              <a:schemeClr val="tx1"/>
+            </a:fontRef>
+          </p:style>
+        </p:cxnSp>
+        <p:cxnSp>
+          <p:nvCxnSpPr>
+            <p:cNvPr id="160" name="Straight Arrow Connector 159">
+              <a:extLst>
+                <a:ext uri="{FF2B5EF4-FFF2-40B4-BE49-F238E27FC236}">
+                  <a16:creationId xmlns:a16="http://schemas.microsoft.com/office/drawing/2014/main" id="{54248AE6-FFB4-4719-86BB-E63C72666DBD}"/>
+                </a:ext>
+              </a:extLst>
+            </p:cNvPr>
+            <p:cNvCxnSpPr>
+              <a:cxnSpLocks/>
+            </p:cNvCxnSpPr>
+            <p:nvPr/>
+          </p:nvCxnSpPr>
+          <p:spPr>
+            <a:xfrm flipV="1">
+              <a:off x="3585119" y="2639148"/>
+              <a:ext cx="0" cy="184109"/>
+            </a:xfrm>
+            <a:prstGeom prst="straightConnector1">
+              <a:avLst/>
+            </a:prstGeom>
+            <a:ln w="9525" cap="flat" cmpd="sng" algn="ctr">
+              <a:solidFill>
+                <a:schemeClr val="accent3"/>
+              </a:solidFill>
+              <a:prstDash val="dash"/>
+              <a:round/>
+              <a:headEnd type="none" w="med" len="med"/>
+              <a:tailEnd type="arrow" w="med" len="med"/>
+            </a:ln>
+          </p:spPr>
+          <p:style>
+            <a:lnRef idx="0">
+              <a:scrgbClr r="0" g="0" b="0"/>
+            </a:lnRef>
+            <a:fillRef idx="0">
+              <a:scrgbClr r="0" g="0" b="0"/>
+            </a:fillRef>
+            <a:effectRef idx="0">
+              <a:scrgbClr r="0" g="0" b="0"/>
+            </a:effectRef>
+            <a:fontRef idx="minor">
+              <a:schemeClr val="tx1"/>
+            </a:fontRef>
+          </p:style>
+        </p:cxnSp>
+        <p:cxnSp>
+          <p:nvCxnSpPr>
+            <p:cNvPr id="161" name="Straight Arrow Connector 160">
+              <a:extLst>
+                <a:ext uri="{FF2B5EF4-FFF2-40B4-BE49-F238E27FC236}">
+                  <a16:creationId xmlns:a16="http://schemas.microsoft.com/office/drawing/2014/main" id="{6065D7E0-2138-4378-9E34-ABD13FB09928}"/>
+                </a:ext>
+              </a:extLst>
+            </p:cNvPr>
+            <p:cNvCxnSpPr>
+              <a:cxnSpLocks/>
+            </p:cNvCxnSpPr>
+            <p:nvPr/>
+          </p:nvCxnSpPr>
+          <p:spPr>
+            <a:xfrm flipV="1">
+              <a:off x="3954199" y="2639148"/>
+              <a:ext cx="0" cy="184109"/>
+            </a:xfrm>
+            <a:prstGeom prst="straightConnector1">
+              <a:avLst/>
+            </a:prstGeom>
+            <a:ln w="9525" cap="flat" cmpd="sng" algn="ctr">
+              <a:solidFill>
+                <a:schemeClr val="accent3"/>
+              </a:solidFill>
+              <a:prstDash val="dash"/>
+              <a:round/>
+              <a:headEnd type="none" w="med" len="med"/>
+              <a:tailEnd type="arrow" w="med" len="med"/>
+            </a:ln>
+          </p:spPr>
+          <p:style>
+            <a:lnRef idx="0">
+              <a:scrgbClr r="0" g="0" b="0"/>
+            </a:lnRef>
+            <a:fillRef idx="0">
+              <a:scrgbClr r="0" g="0" b="0"/>
+            </a:fillRef>
+            <a:effectRef idx="0">
+              <a:scrgbClr r="0" g="0" b="0"/>
+            </a:effectRef>
+            <a:fontRef idx="minor">
+              <a:schemeClr val="tx1"/>
+            </a:fontRef>
+          </p:style>
+        </p:cxnSp>
+        <p:cxnSp>
+          <p:nvCxnSpPr>
+            <p:cNvPr id="162" name="Straight Arrow Connector 161">
+              <a:extLst>
+                <a:ext uri="{FF2B5EF4-FFF2-40B4-BE49-F238E27FC236}">
+                  <a16:creationId xmlns:a16="http://schemas.microsoft.com/office/drawing/2014/main" id="{6E031181-1F4B-4823-8652-C0F3EA903B34}"/>
+                </a:ext>
+              </a:extLst>
+            </p:cNvPr>
+            <p:cNvCxnSpPr>
+              <a:cxnSpLocks/>
+            </p:cNvCxnSpPr>
+            <p:nvPr/>
+          </p:nvCxnSpPr>
+          <p:spPr>
+            <a:xfrm flipV="1">
+              <a:off x="4468890" y="2639148"/>
+              <a:ext cx="0" cy="184109"/>
+            </a:xfrm>
+            <a:prstGeom prst="straightConnector1">
+              <a:avLst/>
+            </a:prstGeom>
+            <a:ln w="9525" cap="flat" cmpd="sng" algn="ctr">
+              <a:solidFill>
+                <a:schemeClr val="accent3"/>
+              </a:solidFill>
+              <a:prstDash val="dash"/>
+              <a:round/>
+              <a:headEnd type="none" w="med" len="med"/>
+              <a:tailEnd type="arrow" w="med" len="med"/>
+            </a:ln>
+          </p:spPr>
+          <p:style>
+            <a:lnRef idx="0">
+              <a:scrgbClr r="0" g="0" b="0"/>
+            </a:lnRef>
+            <a:fillRef idx="0">
+              <a:scrgbClr r="0" g="0" b="0"/>
+            </a:fillRef>
+            <a:effectRef idx="0">
+              <a:scrgbClr r="0" g="0" b="0"/>
+            </a:effectRef>
+            <a:fontRef idx="minor">
+              <a:schemeClr val="tx1"/>
+            </a:fontRef>
+          </p:style>
+        </p:cxnSp>
+        <p:cxnSp>
+          <p:nvCxnSpPr>
+            <p:cNvPr id="163" name="Straight Arrow Connector 162">
+              <a:extLst>
+                <a:ext uri="{FF2B5EF4-FFF2-40B4-BE49-F238E27FC236}">
+                  <a16:creationId xmlns:a16="http://schemas.microsoft.com/office/drawing/2014/main" id="{9681C010-16F1-4316-92E7-D1D624EB3181}"/>
+                </a:ext>
+              </a:extLst>
+            </p:cNvPr>
+            <p:cNvCxnSpPr>
+              <a:cxnSpLocks/>
+            </p:cNvCxnSpPr>
+            <p:nvPr/>
+          </p:nvCxnSpPr>
+          <p:spPr>
+            <a:xfrm flipV="1">
+              <a:off x="4805099" y="2639148"/>
+              <a:ext cx="0" cy="184109"/>
+            </a:xfrm>
+            <a:prstGeom prst="straightConnector1">
+              <a:avLst/>
+            </a:prstGeom>
+            <a:ln w="9525" cap="flat" cmpd="sng" algn="ctr">
+              <a:solidFill>
+                <a:schemeClr val="accent3"/>
+              </a:solidFill>
+              <a:prstDash val="dash"/>
+              <a:round/>
+              <a:headEnd type="none" w="med" len="med"/>
+              <a:tailEnd type="arrow" w="med" len="med"/>
+            </a:ln>
+          </p:spPr>
+          <p:style>
+            <a:lnRef idx="0">
+              <a:scrgbClr r="0" g="0" b="0"/>
+            </a:lnRef>
+            <a:fillRef idx="0">
+              <a:scrgbClr r="0" g="0" b="0"/>
+            </a:fillRef>
+            <a:effectRef idx="0">
+              <a:scrgbClr r="0" g="0" b="0"/>
+            </a:effectRef>
+            <a:fontRef idx="minor">
+              <a:schemeClr val="tx1"/>
+            </a:fontRef>
+          </p:style>
+        </p:cxnSp>
+        <p:cxnSp>
+          <p:nvCxnSpPr>
+            <p:cNvPr id="97" name="Straight Arrow Connector 96">
+              <a:extLst>
+                <a:ext uri="{FF2B5EF4-FFF2-40B4-BE49-F238E27FC236}">
+                  <a16:creationId xmlns:a16="http://schemas.microsoft.com/office/drawing/2014/main" id="{321E4CFA-6ED6-4D2A-95A5-64C7A83A3326}"/>
+                </a:ext>
+              </a:extLst>
+            </p:cNvPr>
+            <p:cNvCxnSpPr>
+              <a:cxnSpLocks/>
+              <a:endCxn id="177" idx="1"/>
+            </p:cNvCxnSpPr>
+            <p:nvPr/>
+          </p:nvCxnSpPr>
+          <p:spPr>
+            <a:xfrm>
+              <a:off x="4074988" y="1965877"/>
+              <a:ext cx="1152564" cy="329403"/>
+            </a:xfrm>
+            <a:prstGeom prst="straightConnector1">
+              <a:avLst/>
+            </a:prstGeom>
+            <a:ln w="9525" cap="flat" cmpd="sng" algn="ctr">
+              <a:solidFill>
+                <a:schemeClr val="accent3"/>
+              </a:solidFill>
+              <a:prstDash val="solid"/>
+              <a:round/>
+              <a:headEnd type="none" w="med" len="med"/>
+              <a:tailEnd type="arrow" w="med" len="med"/>
+            </a:ln>
+          </p:spPr>
+          <p:style>
+            <a:lnRef idx="0">
+              <a:scrgbClr r="0" g="0" b="0"/>
+            </a:lnRef>
+            <a:fillRef idx="0">
+              <a:scrgbClr r="0" g="0" b="0"/>
+            </a:fillRef>
+            <a:effectRef idx="0">
+              <a:scrgbClr r="0" g="0" b="0"/>
+            </a:effectRef>
+            <a:fontRef idx="minor">
+              <a:schemeClr val="tx1"/>
+            </a:fontRef>
+          </p:style>
+        </p:cxnSp>
+        <p:cxnSp>
+          <p:nvCxnSpPr>
+            <p:cNvPr id="164" name="Straight Arrow Connector 163">
+              <a:extLst>
+                <a:ext uri="{FF2B5EF4-FFF2-40B4-BE49-F238E27FC236}">
+                  <a16:creationId xmlns:a16="http://schemas.microsoft.com/office/drawing/2014/main" id="{43BAAEC0-C29D-44F0-83C5-FA5BFE20E692}"/>
+                </a:ext>
+              </a:extLst>
+            </p:cNvPr>
+            <p:cNvCxnSpPr>
+              <a:cxnSpLocks/>
+              <a:stCxn id="31" idx="0"/>
+              <a:endCxn id="150" idx="4"/>
+            </p:cNvCxnSpPr>
+            <p:nvPr/>
+          </p:nvCxnSpPr>
+          <p:spPr>
+            <a:xfrm flipH="1" flipV="1">
+              <a:off x="4819983" y="2653339"/>
+              <a:ext cx="480416" cy="139465"/>
+            </a:xfrm>
+            <a:prstGeom prst="straightConnector1">
+              <a:avLst/>
+            </a:prstGeom>
+            <a:ln w="9525" cap="flat" cmpd="sng" algn="ctr">
+              <a:solidFill>
+                <a:schemeClr val="accent3"/>
+              </a:solidFill>
+              <a:prstDash val="dash"/>
+              <a:round/>
+              <a:headEnd type="none" w="med" len="med"/>
+              <a:tailEnd type="arrow" w="med" len="med"/>
+            </a:ln>
+          </p:spPr>
+          <p:style>
+            <a:lnRef idx="0">
+              <a:scrgbClr r="0" g="0" b="0"/>
+            </a:lnRef>
+            <a:fillRef idx="0">
+              <a:scrgbClr r="0" g="0" b="0"/>
+            </a:fillRef>
+            <a:effectRef idx="0">
+              <a:scrgbClr r="0" g="0" b="0"/>
+            </a:effectRef>
+            <a:fontRef idx="minor">
+              <a:schemeClr val="tx1"/>
+            </a:fontRef>
+          </p:style>
+        </p:cxnSp>
+        <p:cxnSp>
+          <p:nvCxnSpPr>
+            <p:cNvPr id="165" name="Straight Arrow Connector 164">
+              <a:extLst>
+                <a:ext uri="{FF2B5EF4-FFF2-40B4-BE49-F238E27FC236}">
+                  <a16:creationId xmlns:a16="http://schemas.microsoft.com/office/drawing/2014/main" id="{3F01AFB7-B8CA-474E-BD48-5F97EB6298EE}"/>
+                </a:ext>
+              </a:extLst>
+            </p:cNvPr>
+            <p:cNvCxnSpPr>
+              <a:cxnSpLocks/>
+              <a:stCxn id="31" idx="0"/>
+            </p:cNvCxnSpPr>
+            <p:nvPr/>
+          </p:nvCxnSpPr>
+          <p:spPr>
+            <a:xfrm flipH="1" flipV="1">
+              <a:off x="4493951" y="2679256"/>
+              <a:ext cx="806448" cy="113548"/>
+            </a:xfrm>
+            <a:prstGeom prst="straightConnector1">
+              <a:avLst/>
+            </a:prstGeom>
+            <a:ln w="9525" cap="flat" cmpd="sng" algn="ctr">
+              <a:solidFill>
+                <a:schemeClr val="accent3"/>
+              </a:solidFill>
+              <a:prstDash val="dash"/>
+              <a:round/>
+              <a:headEnd type="none" w="med" len="med"/>
+              <a:tailEnd type="arrow" w="med" len="med"/>
+            </a:ln>
+          </p:spPr>
+          <p:style>
+            <a:lnRef idx="0">
+              <a:scrgbClr r="0" g="0" b="0"/>
+            </a:lnRef>
+            <a:fillRef idx="0">
+              <a:scrgbClr r="0" g="0" b="0"/>
+            </a:fillRef>
+            <a:effectRef idx="0">
+              <a:scrgbClr r="0" g="0" b="0"/>
+            </a:effectRef>
+            <a:fontRef idx="minor">
+              <a:schemeClr val="tx1"/>
+            </a:fontRef>
+          </p:style>
+        </p:cxnSp>
+        <p:cxnSp>
+          <p:nvCxnSpPr>
+            <p:cNvPr id="166" name="Straight Arrow Connector 165">
+              <a:extLst>
+                <a:ext uri="{FF2B5EF4-FFF2-40B4-BE49-F238E27FC236}">
+                  <a16:creationId xmlns:a16="http://schemas.microsoft.com/office/drawing/2014/main" id="{F789AC82-283A-457E-AA85-D64278FDFD60}"/>
+                </a:ext>
+              </a:extLst>
+            </p:cNvPr>
+            <p:cNvCxnSpPr>
+              <a:cxnSpLocks/>
+              <a:stCxn id="31" idx="0"/>
+            </p:cNvCxnSpPr>
+            <p:nvPr/>
+          </p:nvCxnSpPr>
+          <p:spPr>
+            <a:xfrm flipH="1" flipV="1">
+              <a:off x="3191703" y="2671818"/>
+              <a:ext cx="2108696" cy="120986"/>
+            </a:xfrm>
+            <a:prstGeom prst="straightConnector1">
+              <a:avLst/>
+            </a:prstGeom>
+            <a:ln w="9525" cap="flat" cmpd="sng" algn="ctr">
+              <a:solidFill>
+                <a:schemeClr val="accent3"/>
+              </a:solidFill>
+              <a:prstDash val="dash"/>
+              <a:round/>
+              <a:headEnd type="none" w="med" len="med"/>
+              <a:tailEnd type="arrow" w="med" len="med"/>
+            </a:ln>
+          </p:spPr>
+          <p:style>
+            <a:lnRef idx="0">
+              <a:scrgbClr r="0" g="0" b="0"/>
+            </a:lnRef>
+            <a:fillRef idx="0">
+              <a:scrgbClr r="0" g="0" b="0"/>
+            </a:fillRef>
+            <a:effectRef idx="0">
+              <a:scrgbClr r="0" g="0" b="0"/>
+            </a:effectRef>
+            <a:fontRef idx="minor">
+              <a:schemeClr val="tx1"/>
+            </a:fontRef>
+          </p:style>
+        </p:cxnSp>
+        <p:cxnSp>
+          <p:nvCxnSpPr>
+            <p:cNvPr id="167" name="Straight Arrow Connector 166">
+              <a:extLst>
+                <a:ext uri="{FF2B5EF4-FFF2-40B4-BE49-F238E27FC236}">
+                  <a16:creationId xmlns:a16="http://schemas.microsoft.com/office/drawing/2014/main" id="{EDC2BD46-C8D0-4331-B5A9-1BEDE26AACBD}"/>
+                </a:ext>
+              </a:extLst>
+            </p:cNvPr>
+            <p:cNvCxnSpPr>
+              <a:cxnSpLocks/>
+              <a:stCxn id="31" idx="0"/>
+            </p:cNvCxnSpPr>
+            <p:nvPr/>
+          </p:nvCxnSpPr>
+          <p:spPr>
+            <a:xfrm flipH="1" flipV="1">
+              <a:off x="3924065" y="2644286"/>
+              <a:ext cx="1376334" cy="148518"/>
+            </a:xfrm>
+            <a:prstGeom prst="straightConnector1">
+              <a:avLst/>
+            </a:prstGeom>
+            <a:ln w="9525" cap="flat" cmpd="sng" algn="ctr">
+              <a:solidFill>
+                <a:schemeClr val="accent3"/>
+              </a:solidFill>
+              <a:prstDash val="dash"/>
+              <a:round/>
+              <a:headEnd type="none" w="med" len="med"/>
+              <a:tailEnd type="arrow" w="med" len="med"/>
+            </a:ln>
+          </p:spPr>
+          <p:style>
+            <a:lnRef idx="0">
+              <a:scrgbClr r="0" g="0" b="0"/>
+            </a:lnRef>
+            <a:fillRef idx="0">
+              <a:scrgbClr r="0" g="0" b="0"/>
+            </a:fillRef>
+            <a:effectRef idx="0">
+              <a:scrgbClr r="0" g="0" b="0"/>
+            </a:effectRef>
+            <a:fontRef idx="minor">
+              <a:schemeClr val="tx1"/>
+            </a:fontRef>
+          </p:style>
+        </p:cxnSp>
+        <p:cxnSp>
+          <p:nvCxnSpPr>
+            <p:cNvPr id="168" name="Straight Arrow Connector 167">
+              <a:extLst>
+                <a:ext uri="{FF2B5EF4-FFF2-40B4-BE49-F238E27FC236}">
+                  <a16:creationId xmlns:a16="http://schemas.microsoft.com/office/drawing/2014/main" id="{2F454B70-7F85-4A0A-B16A-8B65FC52FABE}"/>
+                </a:ext>
+              </a:extLst>
+            </p:cNvPr>
+            <p:cNvCxnSpPr>
+              <a:cxnSpLocks/>
+              <a:stCxn id="31" idx="0"/>
+            </p:cNvCxnSpPr>
+            <p:nvPr/>
+          </p:nvCxnSpPr>
+          <p:spPr>
+            <a:xfrm flipH="1" flipV="1">
+              <a:off x="3532027" y="2672656"/>
+              <a:ext cx="1768372" cy="120148"/>
+            </a:xfrm>
+            <a:prstGeom prst="straightConnector1">
+              <a:avLst/>
+            </a:prstGeom>
+            <a:ln w="9525" cap="flat" cmpd="sng" algn="ctr">
+              <a:solidFill>
+                <a:schemeClr val="accent3"/>
+              </a:solidFill>
+              <a:prstDash val="dash"/>
+              <a:round/>
+              <a:headEnd type="none" w="med" len="med"/>
+              <a:tailEnd type="arrow" w="med" len="med"/>
+            </a:ln>
+          </p:spPr>
+          <p:style>
+            <a:lnRef idx="0">
+              <a:scrgbClr r="0" g="0" b="0"/>
+            </a:lnRef>
+            <a:fillRef idx="0">
+              <a:scrgbClr r="0" g="0" b="0"/>
+            </a:fillRef>
+            <a:effectRef idx="0">
+              <a:scrgbClr r="0" g="0" b="0"/>
+            </a:effectRef>
+            <a:fontRef idx="minor">
+              <a:schemeClr val="tx1"/>
+            </a:fontRef>
+          </p:style>
+        </p:cxnSp>
+        <p:sp>
+          <p:nvSpPr>
+            <p:cNvPr id="177" name="Rectangle 176">
+              <a:extLst>
+                <a:ext uri="{FF2B5EF4-FFF2-40B4-BE49-F238E27FC236}">
+                  <a16:creationId xmlns:a16="http://schemas.microsoft.com/office/drawing/2014/main" id="{E13AFDB1-55BD-473E-AF66-C68B113B6679}"/>
+                </a:ext>
+              </a:extLst>
+            </p:cNvPr>
+            <p:cNvSpPr/>
+            <p:nvPr/>
+          </p:nvSpPr>
+          <p:spPr>
+            <a:xfrm>
+              <a:off x="5227552" y="2071262"/>
+              <a:ext cx="133350" cy="448036"/>
+            </a:xfrm>
+            <a:prstGeom prst="rect">
+              <a:avLst/>
+            </a:prstGeom>
+          </p:spPr>
+          <p:style>
+            <a:lnRef idx="2">
+              <a:schemeClr val="accent3">
+                <a:shade val="50000"/>
+              </a:schemeClr>
+            </a:lnRef>
+            <a:fillRef idx="1">
+              <a:schemeClr val="accent3"/>
+            </a:fillRef>
+            <a:effectRef idx="0">
+              <a:schemeClr val="accent3"/>
+            </a:effectRef>
+            <a:fontRef idx="minor">
+              <a:schemeClr val="lt1"/>
+            </a:fontRef>
+          </p:style>
+          <p:txBody>
+            <a:bodyPr rtlCol="0" anchor="ctr"/>
+            <a:lstStyle/>
+            <a:p>
+              <a:pPr algn="ctr"/>
+              <a:endParaRPr lang="en-US"/>
+            </a:p>
+          </p:txBody>
+        </p:sp>
+        <p:sp>
+          <p:nvSpPr>
+            <p:cNvPr id="179" name="Rectangle 178">
+              <a:extLst>
+                <a:ext uri="{FF2B5EF4-FFF2-40B4-BE49-F238E27FC236}">
+                  <a16:creationId xmlns:a16="http://schemas.microsoft.com/office/drawing/2014/main" id="{D9A520DE-BB15-4A67-BEF8-7CC2C12B5F01}"/>
+                </a:ext>
+              </a:extLst>
+            </p:cNvPr>
+            <p:cNvSpPr/>
+            <p:nvPr/>
+          </p:nvSpPr>
+          <p:spPr>
+            <a:xfrm>
+              <a:off x="5608380" y="2071262"/>
+              <a:ext cx="133350" cy="448036"/>
+            </a:xfrm>
+            <a:prstGeom prst="rect">
+              <a:avLst/>
+            </a:prstGeom>
+          </p:spPr>
+          <p:style>
+            <a:lnRef idx="2">
+              <a:schemeClr val="accent3">
+                <a:shade val="50000"/>
+              </a:schemeClr>
+            </a:lnRef>
+            <a:fillRef idx="1">
+              <a:schemeClr val="accent3"/>
+            </a:fillRef>
+            <a:effectRef idx="0">
+              <a:schemeClr val="accent3"/>
+            </a:effectRef>
+            <a:fontRef idx="minor">
+              <a:schemeClr val="lt1"/>
+            </a:fontRef>
+          </p:style>
+          <p:txBody>
+            <a:bodyPr rtlCol="0" anchor="ctr"/>
+            <a:lstStyle/>
+            <a:p>
+              <a:pPr algn="ctr"/>
+              <a:endParaRPr lang="en-US"/>
+            </a:p>
+          </p:txBody>
+        </p:sp>
+        <p:sp>
+          <p:nvSpPr>
+            <p:cNvPr id="180" name="Rectangle 179">
+              <a:extLst>
+                <a:ext uri="{FF2B5EF4-FFF2-40B4-BE49-F238E27FC236}">
+                  <a16:creationId xmlns:a16="http://schemas.microsoft.com/office/drawing/2014/main" id="{4CEAEC67-EE5D-4054-A3DC-8B75C08EF602}"/>
+                </a:ext>
+              </a:extLst>
+            </p:cNvPr>
+            <p:cNvSpPr/>
+            <p:nvPr/>
+          </p:nvSpPr>
+          <p:spPr>
+            <a:xfrm>
+              <a:off x="6002071" y="2071262"/>
+              <a:ext cx="133350" cy="448036"/>
+            </a:xfrm>
+            <a:prstGeom prst="rect">
+              <a:avLst/>
+            </a:prstGeom>
+          </p:spPr>
+          <p:style>
+            <a:lnRef idx="2">
+              <a:schemeClr val="accent3">
+                <a:shade val="50000"/>
+              </a:schemeClr>
+            </a:lnRef>
+            <a:fillRef idx="1">
+              <a:schemeClr val="accent3"/>
+            </a:fillRef>
+            <a:effectRef idx="0">
+              <a:schemeClr val="accent3"/>
+            </a:effectRef>
+            <a:fontRef idx="minor">
+              <a:schemeClr val="lt1"/>
+            </a:fontRef>
+          </p:style>
+          <p:txBody>
+            <a:bodyPr rtlCol="0" anchor="ctr"/>
+            <a:lstStyle/>
+            <a:p>
+              <a:pPr algn="ctr"/>
+              <a:endParaRPr lang="en-US"/>
+            </a:p>
+          </p:txBody>
+        </p:sp>
+        <p:sp>
+          <p:nvSpPr>
+            <p:cNvPr id="181" name="Rectangle 180">
+              <a:extLst>
+                <a:ext uri="{FF2B5EF4-FFF2-40B4-BE49-F238E27FC236}">
+                  <a16:creationId xmlns:a16="http://schemas.microsoft.com/office/drawing/2014/main" id="{870ADA24-1EE6-4BF9-9E90-68C784895353}"/>
+                </a:ext>
+              </a:extLst>
+            </p:cNvPr>
+            <p:cNvSpPr/>
+            <p:nvPr/>
+          </p:nvSpPr>
+          <p:spPr>
+            <a:xfrm>
+              <a:off x="6427526" y="2071262"/>
+              <a:ext cx="133350" cy="448036"/>
+            </a:xfrm>
+            <a:prstGeom prst="rect">
+              <a:avLst/>
+            </a:prstGeom>
+          </p:spPr>
+          <p:style>
+            <a:lnRef idx="2">
+              <a:schemeClr val="accent3">
+                <a:shade val="50000"/>
+              </a:schemeClr>
+            </a:lnRef>
+            <a:fillRef idx="1">
+              <a:schemeClr val="accent3"/>
+            </a:fillRef>
+            <a:effectRef idx="0">
+              <a:schemeClr val="accent3"/>
+            </a:effectRef>
+            <a:fontRef idx="minor">
+              <a:schemeClr val="lt1"/>
+            </a:fontRef>
+          </p:style>
+          <p:txBody>
+            <a:bodyPr rtlCol="0" anchor="ctr"/>
+            <a:lstStyle/>
+            <a:p>
+              <a:pPr algn="ctr"/>
+              <a:endParaRPr lang="en-US"/>
+            </a:p>
+          </p:txBody>
+        </p:sp>
+        <p:sp>
+          <p:nvSpPr>
+            <p:cNvPr id="182" name="Rectangle 181">
+              <a:extLst>
+                <a:ext uri="{FF2B5EF4-FFF2-40B4-BE49-F238E27FC236}">
+                  <a16:creationId xmlns:a16="http://schemas.microsoft.com/office/drawing/2014/main" id="{189181FA-E340-4892-84EA-C5180261883E}"/>
+                </a:ext>
+              </a:extLst>
+            </p:cNvPr>
+            <p:cNvSpPr/>
+            <p:nvPr/>
+          </p:nvSpPr>
+          <p:spPr>
+            <a:xfrm>
+              <a:off x="6790800" y="2071262"/>
+              <a:ext cx="133350" cy="448036"/>
+            </a:xfrm>
+            <a:prstGeom prst="rect">
+              <a:avLst/>
+            </a:prstGeom>
+          </p:spPr>
+          <p:style>
+            <a:lnRef idx="2">
+              <a:schemeClr val="accent3">
+                <a:shade val="50000"/>
+              </a:schemeClr>
+            </a:lnRef>
+            <a:fillRef idx="1">
+              <a:schemeClr val="accent3"/>
+            </a:fillRef>
+            <a:effectRef idx="0">
+              <a:schemeClr val="accent3"/>
+            </a:effectRef>
+            <a:fontRef idx="minor">
+              <a:schemeClr val="lt1"/>
+            </a:fontRef>
+          </p:style>
+          <p:txBody>
+            <a:bodyPr rtlCol="0" anchor="ctr"/>
+            <a:lstStyle/>
+            <a:p>
+              <a:pPr algn="ctr"/>
+              <a:endParaRPr lang="en-US"/>
+            </a:p>
+          </p:txBody>
+        </p:sp>
+        <p:sp>
+          <p:nvSpPr>
+            <p:cNvPr id="183" name="TextBox 182">
+              <a:extLst>
+                <a:ext uri="{FF2B5EF4-FFF2-40B4-BE49-F238E27FC236}">
+                  <a16:creationId xmlns:a16="http://schemas.microsoft.com/office/drawing/2014/main" id="{02C59FDA-84EC-4675-A0BF-35A8794FE8AB}"/>
+                </a:ext>
+              </a:extLst>
+            </p:cNvPr>
+            <p:cNvSpPr txBox="1"/>
+            <p:nvPr/>
+          </p:nvSpPr>
+          <p:spPr>
+            <a:xfrm>
+              <a:off x="6105259" y="2046528"/>
+              <a:ext cx="523878" cy="369332"/>
+            </a:xfrm>
+            <a:prstGeom prst="rect">
+              <a:avLst/>
+            </a:prstGeom>
+            <a:noFill/>
+          </p:spPr>
+          <p:txBody>
+            <a:bodyPr wrap="square" rtlCol="0">
+              <a:spAutoFit/>
+            </a:bodyPr>
+            <a:lstStyle/>
+            <a:p>
+              <a:r>
+                <a:rPr lang="en-US" dirty="0"/>
+                <a:t>...</a:t>
+              </a:r>
+            </a:p>
+          </p:txBody>
+        </p:sp>
+        <p:cxnSp>
+          <p:nvCxnSpPr>
+            <p:cNvPr id="184" name="Straight Arrow Connector 183">
+              <a:extLst>
+                <a:ext uri="{FF2B5EF4-FFF2-40B4-BE49-F238E27FC236}">
+                  <a16:creationId xmlns:a16="http://schemas.microsoft.com/office/drawing/2014/main" id="{9848E16B-F404-43F2-A0E4-3D4AEA7EA488}"/>
+                </a:ext>
+              </a:extLst>
+            </p:cNvPr>
+            <p:cNvCxnSpPr>
+              <a:cxnSpLocks/>
+            </p:cNvCxnSpPr>
+            <p:nvPr/>
+          </p:nvCxnSpPr>
+          <p:spPr>
+            <a:xfrm flipV="1">
+              <a:off x="5294049" y="1802204"/>
+              <a:ext cx="0" cy="254000"/>
+            </a:xfrm>
+            <a:prstGeom prst="straightConnector1">
+              <a:avLst/>
+            </a:prstGeom>
+            <a:ln>
+              <a:tailEnd type="triangle"/>
+            </a:ln>
+          </p:spPr>
+          <p:style>
+            <a:lnRef idx="1">
+              <a:schemeClr val="accent2"/>
+            </a:lnRef>
+            <a:fillRef idx="0">
+              <a:schemeClr val="accent2"/>
+            </a:fillRef>
+            <a:effectRef idx="0">
+              <a:schemeClr val="accent2"/>
+            </a:effectRef>
+            <a:fontRef idx="minor">
+              <a:schemeClr val="tx1"/>
+            </a:fontRef>
+          </p:style>
+        </p:cxnSp>
+        <p:cxnSp>
+          <p:nvCxnSpPr>
+            <p:cNvPr id="185" name="Straight Arrow Connector 184">
+              <a:extLst>
+                <a:ext uri="{FF2B5EF4-FFF2-40B4-BE49-F238E27FC236}">
+                  <a16:creationId xmlns:a16="http://schemas.microsoft.com/office/drawing/2014/main" id="{A221ADBB-0202-4B35-97AD-356CDCB7EDC4}"/>
+                </a:ext>
+              </a:extLst>
+            </p:cNvPr>
+            <p:cNvCxnSpPr>
+              <a:cxnSpLocks/>
+            </p:cNvCxnSpPr>
+            <p:nvPr/>
+          </p:nvCxnSpPr>
+          <p:spPr>
+            <a:xfrm flipV="1">
+              <a:off x="5675053" y="1802204"/>
+              <a:ext cx="0" cy="254000"/>
+            </a:xfrm>
+            <a:prstGeom prst="straightConnector1">
+              <a:avLst/>
+            </a:prstGeom>
+            <a:ln>
+              <a:tailEnd type="triangle"/>
+            </a:ln>
+          </p:spPr>
+          <p:style>
+            <a:lnRef idx="1">
+              <a:schemeClr val="accent2"/>
+            </a:lnRef>
+            <a:fillRef idx="0">
+              <a:schemeClr val="accent2"/>
+            </a:fillRef>
+            <a:effectRef idx="0">
+              <a:schemeClr val="accent2"/>
+            </a:effectRef>
+            <a:fontRef idx="minor">
+              <a:schemeClr val="tx1"/>
+            </a:fontRef>
+          </p:style>
+        </p:cxnSp>
+        <p:cxnSp>
+          <p:nvCxnSpPr>
+            <p:cNvPr id="186" name="Straight Arrow Connector 185">
+              <a:extLst>
+                <a:ext uri="{FF2B5EF4-FFF2-40B4-BE49-F238E27FC236}">
+                  <a16:creationId xmlns:a16="http://schemas.microsoft.com/office/drawing/2014/main" id="{67F91232-2320-40E9-98D8-E02173854E4B}"/>
+                </a:ext>
+              </a:extLst>
+            </p:cNvPr>
+            <p:cNvCxnSpPr>
+              <a:cxnSpLocks/>
+            </p:cNvCxnSpPr>
+            <p:nvPr/>
+          </p:nvCxnSpPr>
+          <p:spPr>
+            <a:xfrm flipV="1">
+              <a:off x="6065575" y="1802204"/>
+              <a:ext cx="0" cy="254000"/>
+            </a:xfrm>
+            <a:prstGeom prst="straightConnector1">
+              <a:avLst/>
+            </a:prstGeom>
+            <a:ln>
+              <a:tailEnd type="triangle"/>
+            </a:ln>
+          </p:spPr>
+          <p:style>
+            <a:lnRef idx="1">
+              <a:schemeClr val="accent2"/>
+            </a:lnRef>
+            <a:fillRef idx="0">
+              <a:schemeClr val="accent2"/>
+            </a:fillRef>
+            <a:effectRef idx="0">
+              <a:schemeClr val="accent2"/>
+            </a:effectRef>
+            <a:fontRef idx="minor">
+              <a:schemeClr val="tx1"/>
+            </a:fontRef>
+          </p:style>
+        </p:cxnSp>
+        <p:cxnSp>
+          <p:nvCxnSpPr>
+            <p:cNvPr id="187" name="Straight Arrow Connector 186">
+              <a:extLst>
+                <a:ext uri="{FF2B5EF4-FFF2-40B4-BE49-F238E27FC236}">
+                  <a16:creationId xmlns:a16="http://schemas.microsoft.com/office/drawing/2014/main" id="{5D219AE9-0E24-4889-A753-262EFF7C878D}"/>
+                </a:ext>
+              </a:extLst>
+            </p:cNvPr>
+            <p:cNvCxnSpPr>
+              <a:cxnSpLocks/>
+            </p:cNvCxnSpPr>
+            <p:nvPr/>
+          </p:nvCxnSpPr>
+          <p:spPr>
+            <a:xfrm flipV="1">
+              <a:off x="6487851" y="1802204"/>
+              <a:ext cx="0" cy="254000"/>
+            </a:xfrm>
+            <a:prstGeom prst="straightConnector1">
+              <a:avLst/>
+            </a:prstGeom>
+            <a:ln>
+              <a:tailEnd type="triangle"/>
+            </a:ln>
+          </p:spPr>
+          <p:style>
+            <a:lnRef idx="1">
+              <a:schemeClr val="accent2"/>
+            </a:lnRef>
+            <a:fillRef idx="0">
+              <a:schemeClr val="accent2"/>
+            </a:fillRef>
+            <a:effectRef idx="0">
+              <a:schemeClr val="accent2"/>
+            </a:effectRef>
+            <a:fontRef idx="minor">
+              <a:schemeClr val="tx1"/>
+            </a:fontRef>
+          </p:style>
+        </p:cxnSp>
+        <p:cxnSp>
+          <p:nvCxnSpPr>
+            <p:cNvPr id="188" name="Straight Arrow Connector 187">
+              <a:extLst>
+                <a:ext uri="{FF2B5EF4-FFF2-40B4-BE49-F238E27FC236}">
+                  <a16:creationId xmlns:a16="http://schemas.microsoft.com/office/drawing/2014/main" id="{7CB1D422-EB7D-49AB-9B09-67749F70E9C8}"/>
+                </a:ext>
+              </a:extLst>
+            </p:cNvPr>
+            <p:cNvCxnSpPr>
+              <a:cxnSpLocks/>
+            </p:cNvCxnSpPr>
+            <p:nvPr/>
+          </p:nvCxnSpPr>
+          <p:spPr>
+            <a:xfrm flipV="1">
+              <a:off x="6849799" y="1802204"/>
+              <a:ext cx="0" cy="254000"/>
+            </a:xfrm>
+            <a:prstGeom prst="straightConnector1">
+              <a:avLst/>
+            </a:prstGeom>
+            <a:ln>
+              <a:tailEnd type="triangle"/>
+            </a:ln>
+          </p:spPr>
+          <p:style>
+            <a:lnRef idx="1">
+              <a:schemeClr val="accent2"/>
+            </a:lnRef>
+            <a:fillRef idx="0">
+              <a:schemeClr val="accent2"/>
+            </a:fillRef>
+            <a:effectRef idx="0">
+              <a:schemeClr val="accent2"/>
+            </a:effectRef>
+            <a:fontRef idx="minor">
+              <a:schemeClr val="tx1"/>
+            </a:fontRef>
+          </p:style>
+        </p:cxnSp>
+        <p:sp>
+          <p:nvSpPr>
+            <p:cNvPr id="199" name="Rectangle 198">
+              <a:extLst>
+                <a:ext uri="{FF2B5EF4-FFF2-40B4-BE49-F238E27FC236}">
+                  <a16:creationId xmlns:a16="http://schemas.microsoft.com/office/drawing/2014/main" id="{C2669173-42A2-4B91-93C1-F9F07B40464E}"/>
+                </a:ext>
+              </a:extLst>
+            </p:cNvPr>
+            <p:cNvSpPr/>
+            <p:nvPr/>
+          </p:nvSpPr>
+          <p:spPr>
+            <a:xfrm>
+              <a:off x="6990011" y="2101006"/>
+              <a:ext cx="1415772" cy="246221"/>
+            </a:xfrm>
+            <a:prstGeom prst="rect">
+              <a:avLst/>
+            </a:prstGeom>
+          </p:spPr>
+          <p:txBody>
+            <a:bodyPr wrap="none">
+              <a:spAutoFit/>
+            </a:bodyPr>
+            <a:lstStyle/>
+            <a:p>
+              <a:r>
+                <a:rPr lang="en-US" sz="1000" i="1" dirty="0">
+                  <a:solidFill>
+                    <a:srgbClr val="000000"/>
+                  </a:solidFill>
+                  <a:latin typeface="Courier New" panose="02070309020205020404" pitchFamily="49" charset="0"/>
+                </a:rPr>
+                <a:t>attention vector</a:t>
+              </a:r>
+              <a:endParaRPr lang="en-US" sz="1000" i="1" dirty="0"/>
+            </a:p>
+          </p:txBody>
+        </p:sp>
+      </p:grpSp>
+    </p:spTree>
+    <p:extLst>
+      <p:ext uri="{BB962C8B-B14F-4D97-AF65-F5344CB8AC3E}">
+        <p14:creationId xmlns:p14="http://schemas.microsoft.com/office/powerpoint/2010/main" val="2287410404"/>
+      </p:ext>
+    </p:extLst>
+  </p:cSld>
+  <p:clrMapOvr>
+    <a:masterClrMapping/>
+  </p:clrMapOvr>
+</p:sld>
+</file>
+
 <file path=ppt/theme/theme1.xml><?xml version="1.0" encoding="utf-8"?>
 <a:theme xmlns:a="http://schemas.openxmlformats.org/drawingml/2006/main" name="Office Theme">
   <a:themeElements>
